--- a/把你们的感想扔到这里/不向C语言低头小组.pptx
+++ b/把你们的感想扔到这里/不向C语言低头小组.pptx
@@ -10,16 +10,22 @@
     <p:sldId id="277" r:id="rId4"/>
     <p:sldId id="269" r:id="rId5"/>
     <p:sldId id="287" r:id="rId6"/>
-    <p:sldId id="273" r:id="rId7"/>
-    <p:sldId id="267" r:id="rId8"/>
-    <p:sldId id="268" r:id="rId9"/>
-    <p:sldId id="282" r:id="rId10"/>
-    <p:sldId id="264" r:id="rId11"/>
-    <p:sldId id="283" r:id="rId12"/>
-    <p:sldId id="285" r:id="rId13"/>
-    <p:sldId id="270" r:id="rId14"/>
-    <p:sldId id="288" r:id="rId15"/>
-    <p:sldId id="261" r:id="rId16"/>
+    <p:sldId id="295" r:id="rId7"/>
+    <p:sldId id="273" r:id="rId8"/>
+    <p:sldId id="267" r:id="rId9"/>
+    <p:sldId id="268" r:id="rId10"/>
+    <p:sldId id="282" r:id="rId11"/>
+    <p:sldId id="264" r:id="rId12"/>
+    <p:sldId id="283" r:id="rId13"/>
+    <p:sldId id="285" r:id="rId14"/>
+    <p:sldId id="294" r:id="rId15"/>
+    <p:sldId id="270" r:id="rId16"/>
+    <p:sldId id="288" r:id="rId17"/>
+    <p:sldId id="290" r:id="rId18"/>
+    <p:sldId id="292" r:id="rId19"/>
+    <p:sldId id="289" r:id="rId20"/>
+    <p:sldId id="293" r:id="rId21"/>
+    <p:sldId id="261" r:id="rId22"/>
   </p:sldIdLst>
   <p:sldSz cx="12192000" cy="6858000"/>
   <p:notesSz cx="6858000" cy="9144000"/>
@@ -311,7 +317,7 @@
           <a:p>
             <a:fld id="{2DBD2B20-2506-4A38-BEF6-CDB7D09286BC}" type="datetimeFigureOut">
               <a:rPr lang="zh-CN" altLang="en-US" smtClean="0"/>
-              <a:t>2019/12/27</a:t>
+              <a:t>2019/12/28</a:t>
             </a:fld>
             <a:endParaRPr lang="zh-CN" altLang="en-US"/>
           </a:p>
@@ -479,7 +485,7 @@
           <a:p>
             <a:fld id="{2DBD2B20-2506-4A38-BEF6-CDB7D09286BC}" type="datetimeFigureOut">
               <a:rPr lang="zh-CN" altLang="en-US" smtClean="0"/>
-              <a:t>2019/12/27</a:t>
+              <a:t>2019/12/28</a:t>
             </a:fld>
             <a:endParaRPr lang="zh-CN" altLang="en-US"/>
           </a:p>
@@ -657,7 +663,7 @@
           <a:p>
             <a:fld id="{2DBD2B20-2506-4A38-BEF6-CDB7D09286BC}" type="datetimeFigureOut">
               <a:rPr lang="zh-CN" altLang="en-US" smtClean="0"/>
-              <a:t>2019/12/27</a:t>
+              <a:t>2019/12/28</a:t>
             </a:fld>
             <a:endParaRPr lang="zh-CN" altLang="en-US"/>
           </a:p>
@@ -825,7 +831,7 @@
           <a:p>
             <a:fld id="{2DBD2B20-2506-4A38-BEF6-CDB7D09286BC}" type="datetimeFigureOut">
               <a:rPr lang="zh-CN" altLang="en-US" smtClean="0"/>
-              <a:t>2019/12/27</a:t>
+              <a:t>2019/12/28</a:t>
             </a:fld>
             <a:endParaRPr lang="zh-CN" altLang="en-US"/>
           </a:p>
@@ -1070,7 +1076,7 @@
           <a:p>
             <a:fld id="{2DBD2B20-2506-4A38-BEF6-CDB7D09286BC}" type="datetimeFigureOut">
               <a:rPr lang="zh-CN" altLang="en-US" smtClean="0"/>
-              <a:t>2019/12/27</a:t>
+              <a:t>2019/12/28</a:t>
             </a:fld>
             <a:endParaRPr lang="zh-CN" altLang="en-US"/>
           </a:p>
@@ -1299,7 +1305,7 @@
           <a:p>
             <a:fld id="{2DBD2B20-2506-4A38-BEF6-CDB7D09286BC}" type="datetimeFigureOut">
               <a:rPr lang="zh-CN" altLang="en-US" smtClean="0"/>
-              <a:t>2019/12/27</a:t>
+              <a:t>2019/12/28</a:t>
             </a:fld>
             <a:endParaRPr lang="zh-CN" altLang="en-US"/>
           </a:p>
@@ -1663,7 +1669,7 @@
           <a:p>
             <a:fld id="{2DBD2B20-2506-4A38-BEF6-CDB7D09286BC}" type="datetimeFigureOut">
               <a:rPr lang="zh-CN" altLang="en-US" smtClean="0"/>
-              <a:t>2019/12/27</a:t>
+              <a:t>2019/12/28</a:t>
             </a:fld>
             <a:endParaRPr lang="zh-CN" altLang="en-US"/>
           </a:p>
@@ -1780,7 +1786,7 @@
           <a:p>
             <a:fld id="{2DBD2B20-2506-4A38-BEF6-CDB7D09286BC}" type="datetimeFigureOut">
               <a:rPr lang="zh-CN" altLang="en-US" smtClean="0"/>
-              <a:t>2019/12/27</a:t>
+              <a:t>2019/12/28</a:t>
             </a:fld>
             <a:endParaRPr lang="zh-CN" altLang="en-US"/>
           </a:p>
@@ -1875,7 +1881,7 @@
           <a:p>
             <a:fld id="{2DBD2B20-2506-4A38-BEF6-CDB7D09286BC}" type="datetimeFigureOut">
               <a:rPr lang="zh-CN" altLang="en-US" smtClean="0"/>
-              <a:t>2019/12/27</a:t>
+              <a:t>2019/12/28</a:t>
             </a:fld>
             <a:endParaRPr lang="zh-CN" altLang="en-US"/>
           </a:p>
@@ -2150,7 +2156,7 @@
           <a:p>
             <a:fld id="{2DBD2B20-2506-4A38-BEF6-CDB7D09286BC}" type="datetimeFigureOut">
               <a:rPr lang="zh-CN" altLang="en-US" smtClean="0"/>
-              <a:t>2019/12/27</a:t>
+              <a:t>2019/12/28</a:t>
             </a:fld>
             <a:endParaRPr lang="zh-CN" altLang="en-US"/>
           </a:p>
@@ -2402,7 +2408,7 @@
           <a:p>
             <a:fld id="{2DBD2B20-2506-4A38-BEF6-CDB7D09286BC}" type="datetimeFigureOut">
               <a:rPr lang="zh-CN" altLang="en-US" smtClean="0"/>
-              <a:t>2019/12/27</a:t>
+              <a:t>2019/12/28</a:t>
             </a:fld>
             <a:endParaRPr lang="zh-CN" altLang="en-US"/>
           </a:p>
@@ -2613,7 +2619,7 @@
           <a:p>
             <a:fld id="{2DBD2B20-2506-4A38-BEF6-CDB7D09286BC}" type="datetimeFigureOut">
               <a:rPr lang="zh-CN" altLang="en-US" smtClean="0"/>
-              <a:t>2019/12/27</a:t>
+              <a:t>2019/12/28</a:t>
             </a:fld>
             <a:endParaRPr lang="zh-CN" altLang="en-US"/>
           </a:p>
@@ -3398,6 +3404,458 @@
 </file>
 
 <file path=ppt/slides/slide10.xml><?xml version="1.0" encoding="utf-8"?>
+<p:sld xmlns:a="http://schemas.openxmlformats.org/drawingml/2006/main" xmlns:r="http://schemas.openxmlformats.org/officeDocument/2006/relationships" xmlns:p="http://schemas.openxmlformats.org/presentationml/2006/main">
+  <p:cSld>
+    <p:spTree>
+      <p:nvGrpSpPr>
+        <p:cNvPr id="1" name=""/>
+        <p:cNvGrpSpPr/>
+        <p:nvPr/>
+      </p:nvGrpSpPr>
+      <p:grpSpPr>
+        <a:xfrm>
+          <a:off x="0" y="0"/>
+          <a:ext cx="0" cy="0"/>
+          <a:chOff x="0" y="0"/>
+          <a:chExt cx="0" cy="0"/>
+        </a:xfrm>
+      </p:grpSpPr>
+      <p:pic>
+        <p:nvPicPr>
+          <p:cNvPr id="4" name="图片 3"/>
+          <p:cNvPicPr>
+            <a:picLocks noChangeAspect="1"/>
+          </p:cNvPicPr>
+          <p:nvPr/>
+        </p:nvPicPr>
+        <p:blipFill>
+          <a:blip r:embed="rId2">
+            <a:extLst>
+              <a:ext uri="{BEBA8EAE-BF5A-486C-A8C5-ECC9F3942E4B}">
+                <a14:imgProps xmlns:a14="http://schemas.microsoft.com/office/drawing/2010/main">
+                  <a14:imgLayer r:embed="rId3">
+                    <a14:imgEffect>
+                      <a14:saturation sat="0"/>
+                    </a14:imgEffect>
+                  </a14:imgLayer>
+                </a14:imgProps>
+              </a:ext>
+            </a:extLst>
+          </a:blip>
+          <a:stretch>
+            <a:fillRect/>
+          </a:stretch>
+        </p:blipFill>
+        <p:spPr>
+          <a:xfrm>
+            <a:off x="-1" y="1828800"/>
+            <a:ext cx="12192000" cy="5029200"/>
+          </a:xfrm>
+          <a:prstGeom prst="rect">
+            <a:avLst/>
+          </a:prstGeom>
+        </p:spPr>
+      </p:pic>
+      <p:sp>
+        <p:nvSpPr>
+          <p:cNvPr id="6" name="矩形 5"/>
+          <p:cNvSpPr/>
+          <p:nvPr/>
+        </p:nvSpPr>
+        <p:spPr>
+          <a:xfrm>
+            <a:off x="2761118" y="1808793"/>
+            <a:ext cx="6669761" cy="5029200"/>
+          </a:xfrm>
+          <a:prstGeom prst="rect">
+            <a:avLst/>
+          </a:prstGeom>
+          <a:solidFill>
+            <a:srgbClr val="6EA049">
+              <a:alpha val="78000"/>
+            </a:srgbClr>
+          </a:solidFill>
+          <a:ln>
+            <a:noFill/>
+          </a:ln>
+        </p:spPr>
+        <p:style>
+          <a:lnRef idx="2">
+            <a:schemeClr val="accent1">
+              <a:shade val="50000"/>
+            </a:schemeClr>
+          </a:lnRef>
+          <a:fillRef idx="1">
+            <a:schemeClr val="accent1"/>
+          </a:fillRef>
+          <a:effectRef idx="0">
+            <a:schemeClr val="accent1"/>
+          </a:effectRef>
+          <a:fontRef idx="minor">
+            <a:schemeClr val="lt1"/>
+          </a:fontRef>
+        </p:style>
+        <p:txBody>
+          <a:bodyPr rtlCol="0" anchor="ctr"/>
+          <a:lstStyle/>
+          <a:p>
+            <a:pPr algn="ctr"/>
+            <a:endParaRPr lang="zh-CN" altLang="en-US" dirty="0"/>
+          </a:p>
+        </p:txBody>
+      </p:sp>
+      <p:sp>
+        <p:nvSpPr>
+          <p:cNvPr id="7" name="文本框 6"/>
+          <p:cNvSpPr txBox="1"/>
+          <p:nvPr/>
+        </p:nvSpPr>
+        <p:spPr>
+          <a:xfrm>
+            <a:off x="1608767" y="5385813"/>
+            <a:ext cx="6076818" cy="398379"/>
+          </a:xfrm>
+          <a:prstGeom prst="rect">
+            <a:avLst/>
+          </a:prstGeom>
+          <a:noFill/>
+        </p:spPr>
+        <p:txBody>
+          <a:bodyPr wrap="square" rtlCol="0">
+            <a:spAutoFit/>
+          </a:bodyPr>
+          <a:lstStyle/>
+          <a:p>
+            <a:pPr algn="just">
+              <a:lnSpc>
+                <a:spcPct val="120000"/>
+              </a:lnSpc>
+            </a:pPr>
+            <a:endParaRPr lang="en-US" altLang="zh-CN" spc="100" dirty="0">
+              <a:solidFill>
+                <a:schemeClr val="bg1"/>
+              </a:solidFill>
+              <a:latin typeface="微软雅黑 Light" panose="020B0502040204020203" pitchFamily="34" charset="-122"/>
+              <a:ea typeface="微软雅黑 Light" panose="020B0502040204020203" pitchFamily="34" charset="-122"/>
+            </a:endParaRPr>
+          </a:p>
+        </p:txBody>
+      </p:sp>
+      <p:sp>
+        <p:nvSpPr>
+          <p:cNvPr id="8" name="矩形 7"/>
+          <p:cNvSpPr/>
+          <p:nvPr/>
+        </p:nvSpPr>
+        <p:spPr>
+          <a:xfrm>
+            <a:off x="1608767" y="2145196"/>
+            <a:ext cx="2146979" cy="475524"/>
+          </a:xfrm>
+          <a:prstGeom prst="rect">
+            <a:avLst/>
+          </a:prstGeom>
+        </p:spPr>
+        <p:txBody>
+          <a:bodyPr wrap="square">
+            <a:spAutoFit/>
+          </a:bodyPr>
+          <a:lstStyle/>
+          <a:p>
+            <a:endParaRPr lang="zh-CN" altLang="en-US" sz="2400" b="1" dirty="0">
+              <a:solidFill>
+                <a:schemeClr val="bg1"/>
+              </a:solidFill>
+            </a:endParaRPr>
+          </a:p>
+        </p:txBody>
+      </p:sp>
+      <p:sp>
+        <p:nvSpPr>
+          <p:cNvPr id="11" name="TextBox 12"/>
+          <p:cNvSpPr txBox="1"/>
+          <p:nvPr/>
+        </p:nvSpPr>
+        <p:spPr>
+          <a:xfrm>
+            <a:off x="4028774" y="500688"/>
+            <a:ext cx="4134465" cy="769441"/>
+          </a:xfrm>
+          <a:prstGeom prst="rect">
+            <a:avLst/>
+          </a:prstGeom>
+          <a:noFill/>
+        </p:spPr>
+        <p:txBody>
+          <a:bodyPr wrap="none" rtlCol="0">
+            <a:spAutoFit/>
+          </a:bodyPr>
+          <a:lstStyle/>
+          <a:p>
+            <a:pPr algn="ctr"/>
+            <a:r>
+              <a:rPr lang="zh-CN" altLang="en-US" sz="4400" b="1" dirty="0">
+                <a:solidFill>
+                  <a:schemeClr val="accent3">
+                    <a:lumMod val="50000"/>
+                  </a:schemeClr>
+                </a:solidFill>
+                <a:latin typeface="+mj-lt"/>
+              </a:rPr>
+              <a:t>程序设计与实现</a:t>
+            </a:r>
+            <a:endParaRPr lang="en-US" sz="4400" b="1" dirty="0">
+              <a:solidFill>
+                <a:schemeClr val="accent3">
+                  <a:lumMod val="50000"/>
+                </a:schemeClr>
+              </a:solidFill>
+              <a:latin typeface="+mj-lt"/>
+            </a:endParaRPr>
+          </a:p>
+        </p:txBody>
+      </p:sp>
+      <p:sp>
+        <p:nvSpPr>
+          <p:cNvPr id="3" name="文本框 2">
+            <a:extLst>
+              <a:ext uri="{FF2B5EF4-FFF2-40B4-BE49-F238E27FC236}">
+                <a16:creationId xmlns:a16="http://schemas.microsoft.com/office/drawing/2014/main" id="{A8A479DD-0543-40A2-8497-B5726D6BAC0A}"/>
+              </a:ext>
+            </a:extLst>
+          </p:cNvPr>
+          <p:cNvSpPr txBox="1"/>
+          <p:nvPr/>
+        </p:nvSpPr>
+        <p:spPr>
+          <a:xfrm>
+            <a:off x="3012515" y="2193265"/>
+            <a:ext cx="2947387" cy="584775"/>
+          </a:xfrm>
+          <a:prstGeom prst="rect">
+            <a:avLst/>
+          </a:prstGeom>
+          <a:noFill/>
+        </p:spPr>
+        <p:txBody>
+          <a:bodyPr wrap="square" rtlCol="0">
+            <a:spAutoFit/>
+          </a:bodyPr>
+          <a:lstStyle/>
+          <a:p>
+            <a:r>
+              <a:rPr lang="zh-CN" altLang="en-US" sz="3200" dirty="0">
+                <a:solidFill>
+                  <a:schemeClr val="bg1"/>
+                </a:solidFill>
+              </a:rPr>
+              <a:t>数据结构设计</a:t>
+            </a:r>
+          </a:p>
+        </p:txBody>
+      </p:sp>
+      <p:sp>
+        <p:nvSpPr>
+          <p:cNvPr id="9" name="文本框 8">
+            <a:extLst>
+              <a:ext uri="{FF2B5EF4-FFF2-40B4-BE49-F238E27FC236}">
+                <a16:creationId xmlns:a16="http://schemas.microsoft.com/office/drawing/2014/main" id="{93E08603-7578-40DA-B94C-B7B87E98CBE4}"/>
+              </a:ext>
+            </a:extLst>
+          </p:cNvPr>
+          <p:cNvSpPr txBox="1"/>
+          <p:nvPr/>
+        </p:nvSpPr>
+        <p:spPr>
+          <a:xfrm>
+            <a:off x="3755746" y="3023381"/>
+            <a:ext cx="4891596" cy="3323987"/>
+          </a:xfrm>
+          <a:prstGeom prst="rect">
+            <a:avLst/>
+          </a:prstGeom>
+          <a:noFill/>
+        </p:spPr>
+        <p:txBody>
+          <a:bodyPr wrap="square" rtlCol="0">
+            <a:spAutoFit/>
+          </a:bodyPr>
+          <a:lstStyle/>
+          <a:p>
+            <a:r>
+              <a:rPr lang="en-US" altLang="zh-CN" sz="2400" b="1" dirty="0">
+                <a:solidFill>
+                  <a:schemeClr val="bg1"/>
+                </a:solidFill>
+              </a:rPr>
+              <a:t>struct student</a:t>
+            </a:r>
+          </a:p>
+          <a:p>
+            <a:r>
+              <a:rPr lang="en-US" altLang="zh-CN" sz="2400" b="1" dirty="0">
+                <a:solidFill>
+                  <a:schemeClr val="bg1"/>
+                </a:solidFill>
+              </a:rPr>
+              <a:t>{</a:t>
+            </a:r>
+          </a:p>
+          <a:p>
+            <a:r>
+              <a:rPr lang="en-US" altLang="zh-CN" sz="2400" b="1" dirty="0">
+                <a:solidFill>
+                  <a:schemeClr val="bg1"/>
+                </a:solidFill>
+              </a:rPr>
+              <a:t>    char name[50];  	 //</a:t>
+            </a:r>
+            <a:r>
+              <a:rPr lang="zh-CN" altLang="en-US" sz="2400" b="1" dirty="0">
+                <a:solidFill>
+                  <a:schemeClr val="bg1"/>
+                </a:solidFill>
+              </a:rPr>
+              <a:t>用户名</a:t>
+            </a:r>
+          </a:p>
+          <a:p>
+            <a:r>
+              <a:rPr lang="zh-CN" altLang="en-US" sz="2400" b="1" dirty="0">
+                <a:solidFill>
+                  <a:schemeClr val="bg1"/>
+                </a:solidFill>
+              </a:rPr>
+              <a:t>    </a:t>
+            </a:r>
+            <a:r>
+              <a:rPr lang="en-US" altLang="zh-CN" sz="2400" b="1" dirty="0">
+                <a:solidFill>
+                  <a:schemeClr val="bg1"/>
+                </a:solidFill>
+              </a:rPr>
+              <a:t>char code[21];   	 //</a:t>
+            </a:r>
+            <a:r>
+              <a:rPr lang="zh-CN" altLang="en-US" sz="2400" b="1" dirty="0">
+                <a:solidFill>
+                  <a:schemeClr val="bg1"/>
+                </a:solidFill>
+              </a:rPr>
+              <a:t>密码</a:t>
+            </a:r>
+          </a:p>
+          <a:p>
+            <a:r>
+              <a:rPr lang="zh-CN" altLang="en-US" sz="2400" b="1" dirty="0">
+                <a:solidFill>
+                  <a:schemeClr val="bg1"/>
+                </a:solidFill>
+              </a:rPr>
+              <a:t>    </a:t>
+            </a:r>
+            <a:r>
+              <a:rPr lang="en-US" altLang="zh-CN" sz="2400" b="1" dirty="0">
+                <a:solidFill>
+                  <a:schemeClr val="bg1"/>
+                </a:solidFill>
+              </a:rPr>
+              <a:t>char answer[5];    //</a:t>
+            </a:r>
+            <a:r>
+              <a:rPr lang="zh-CN" altLang="en-US" sz="2400" b="1" dirty="0">
+                <a:solidFill>
+                  <a:schemeClr val="bg1"/>
+                </a:solidFill>
+              </a:rPr>
+              <a:t>密保答案</a:t>
+            </a:r>
+          </a:p>
+          <a:p>
+            <a:r>
+              <a:rPr lang="zh-CN" altLang="en-US" sz="2400" b="1" dirty="0">
+                <a:solidFill>
+                  <a:schemeClr val="bg1"/>
+                </a:solidFill>
+              </a:rPr>
+              <a:t>    </a:t>
+            </a:r>
+            <a:r>
+              <a:rPr lang="en-US" altLang="zh-CN" sz="2400" b="1" dirty="0">
+                <a:solidFill>
+                  <a:schemeClr val="bg1"/>
+                </a:solidFill>
+              </a:rPr>
+              <a:t>char area[100]; 	//</a:t>
+            </a:r>
+            <a:r>
+              <a:rPr lang="zh-CN" altLang="en-US" sz="2400" b="1" dirty="0">
+                <a:solidFill>
+                  <a:schemeClr val="bg1"/>
+                </a:solidFill>
+              </a:rPr>
+              <a:t>登录环境</a:t>
+            </a:r>
+          </a:p>
+          <a:p>
+            <a:r>
+              <a:rPr lang="zh-CN" altLang="en-US" sz="2400" b="1" dirty="0">
+                <a:solidFill>
+                  <a:schemeClr val="bg1"/>
+                </a:solidFill>
+              </a:rPr>
+              <a:t>    </a:t>
+            </a:r>
+            <a:r>
+              <a:rPr lang="en-US" altLang="zh-CN" sz="2400" b="1" dirty="0">
+                <a:solidFill>
+                  <a:schemeClr val="bg1"/>
+                </a:solidFill>
+              </a:rPr>
+              <a:t>struct student *next;</a:t>
+            </a:r>
+          </a:p>
+          <a:p>
+            <a:r>
+              <a:rPr lang="en-US" altLang="zh-CN" sz="2400" b="1" dirty="0">
+                <a:solidFill>
+                  <a:schemeClr val="bg1"/>
+                </a:solidFill>
+              </a:rPr>
+              <a:t>};</a:t>
+            </a:r>
+          </a:p>
+          <a:p>
+            <a:endParaRPr lang="zh-CN" altLang="en-US" dirty="0"/>
+          </a:p>
+        </p:txBody>
+      </p:sp>
+    </p:spTree>
+    <p:extLst>
+      <p:ext uri="{BB962C8B-B14F-4D97-AF65-F5344CB8AC3E}">
+        <p14:creationId xmlns:p14="http://schemas.microsoft.com/office/powerpoint/2010/main" val="2059302322"/>
+      </p:ext>
+    </p:extLst>
+  </p:cSld>
+  <p:clrMapOvr>
+    <a:masterClrMapping/>
+  </p:clrMapOvr>
+  <mc:AlternateContent xmlns:mc="http://schemas.openxmlformats.org/markup-compatibility/2006" xmlns:p14="http://schemas.microsoft.com/office/powerpoint/2010/main">
+    <mc:Choice Requires="p14">
+      <p:transition spd="slow" p14:dur="1500">
+        <p:checker/>
+      </p:transition>
+    </mc:Choice>
+    <mc:Fallback xmlns="">
+      <p:transition spd="slow">
+        <p:checker/>
+      </p:transition>
+    </mc:Fallback>
+  </mc:AlternateContent>
+</p:sld>
+</file>
+
+<file path=ppt/slides/slide11.xml><?xml version="1.0" encoding="utf-8"?>
 <p:sld xmlns:a="http://schemas.openxmlformats.org/drawingml/2006/main" xmlns:r="http://schemas.openxmlformats.org/officeDocument/2006/relationships" xmlns:p="http://schemas.openxmlformats.org/presentationml/2006/main">
   <p:cSld>
     <p:bg>
@@ -4704,7 +5162,7 @@
 </p:sld>
 </file>
 
-<file path=ppt/slides/slide11.xml><?xml version="1.0" encoding="utf-8"?>
+<file path=ppt/slides/slide12.xml><?xml version="1.0" encoding="utf-8"?>
 <p:sld xmlns:a="http://schemas.openxmlformats.org/drawingml/2006/main" xmlns:r="http://schemas.openxmlformats.org/officeDocument/2006/relationships" xmlns:p="http://schemas.openxmlformats.org/presentationml/2006/main">
   <p:cSld>
     <p:bg>
@@ -6441,7 +6899,7 @@
 </p:sld>
 </file>
 
-<file path=ppt/slides/slide12.xml><?xml version="1.0" encoding="utf-8"?>
+<file path=ppt/slides/slide13.xml><?xml version="1.0" encoding="utf-8"?>
 <p:sld xmlns:a="http://schemas.openxmlformats.org/drawingml/2006/main" xmlns:r="http://schemas.openxmlformats.org/officeDocument/2006/relationships" xmlns:p="http://schemas.openxmlformats.org/presentationml/2006/main">
   <p:cSld>
     <p:bg>
@@ -6677,8 +7135,8 @@
         </p:nvGrpSpPr>
         <p:grpSpPr>
           <a:xfrm>
-            <a:off x="0" y="1721773"/>
-            <a:ext cx="1974972" cy="792669"/>
+            <a:off x="-1" y="1721773"/>
+            <a:ext cx="1831619" cy="792669"/>
             <a:chOff x="1505120" y="1409885"/>
             <a:chExt cx="1654659" cy="907840"/>
           </a:xfrm>
@@ -7017,6 +7475,71 @@
           </p:sp>
         </p:grpSp>
       </p:grpSp>
+      <p:pic>
+        <p:nvPicPr>
+          <p:cNvPr id="4" name="图片 3">
+            <a:extLst>
+              <a:ext uri="{FF2B5EF4-FFF2-40B4-BE49-F238E27FC236}">
+                <a16:creationId xmlns:a16="http://schemas.microsoft.com/office/drawing/2014/main" id="{3B880BE2-8EC5-477C-A9FC-FBD769974B37}"/>
+              </a:ext>
+            </a:extLst>
+          </p:cNvPr>
+          <p:cNvPicPr>
+            <a:picLocks noChangeAspect="1"/>
+          </p:cNvPicPr>
+          <p:nvPr/>
+        </p:nvPicPr>
+        <p:blipFill rotWithShape="1">
+          <a:blip r:embed="rId2">
+            <a:extLst>
+              <a:ext uri="{28A0092B-C50C-407E-A947-70E740481C1C}">
+                <a14:useLocalDpi xmlns:a14="http://schemas.microsoft.com/office/drawing/2010/main" val="0"/>
+              </a:ext>
+            </a:extLst>
+          </a:blip>
+          <a:srcRect l="8218" t="5437" r="8509" b="12492"/>
+          <a:stretch/>
+        </p:blipFill>
+        <p:spPr>
+          <a:xfrm>
+            <a:off x="1848918" y="1680882"/>
+            <a:ext cx="3976919" cy="4872319"/>
+          </a:xfrm>
+          <a:prstGeom prst="rect">
+            <a:avLst/>
+          </a:prstGeom>
+        </p:spPr>
+      </p:pic>
+      <p:pic>
+        <p:nvPicPr>
+          <p:cNvPr id="2" name="图片 1">
+            <a:extLst>
+              <a:ext uri="{FF2B5EF4-FFF2-40B4-BE49-F238E27FC236}">
+                <a16:creationId xmlns:a16="http://schemas.microsoft.com/office/drawing/2014/main" id="{BD2CB1C6-D560-4396-A3C1-A9EB0FAE9FD1}"/>
+              </a:ext>
+            </a:extLst>
+          </p:cNvPr>
+          <p:cNvPicPr>
+            <a:picLocks noChangeAspect="1"/>
+          </p:cNvPicPr>
+          <p:nvPr/>
+        </p:nvPicPr>
+        <p:blipFill>
+          <a:blip r:embed="rId3"/>
+          <a:stretch>
+            <a:fillRect/>
+          </a:stretch>
+        </p:blipFill>
+        <p:spPr>
+          <a:xfrm>
+            <a:off x="6752080" y="1943516"/>
+            <a:ext cx="5247357" cy="4419114"/>
+          </a:xfrm>
+          <a:prstGeom prst="rect">
+            <a:avLst/>
+          </a:prstGeom>
+        </p:spPr>
+      </p:pic>
       <p:grpSp>
         <p:nvGrpSpPr>
           <p:cNvPr id="22" name="Group 9">
@@ -7031,8 +7554,8 @@
         </p:nvGrpSpPr>
         <p:grpSpPr>
           <a:xfrm>
-            <a:off x="6185322" y="1721773"/>
-            <a:ext cx="1974972" cy="792669"/>
+            <a:off x="6096000" y="1719799"/>
+            <a:ext cx="1564884" cy="792669"/>
             <a:chOff x="1505120" y="1409885"/>
             <a:chExt cx="1654659" cy="907840"/>
           </a:xfrm>
@@ -7371,76 +7894,6 @@
           </p:sp>
         </p:grpSp>
       </p:grpSp>
-      <p:pic>
-        <p:nvPicPr>
-          <p:cNvPr id="4" name="图片 3">
-            <a:extLst>
-              <a:ext uri="{FF2B5EF4-FFF2-40B4-BE49-F238E27FC236}">
-                <a16:creationId xmlns:a16="http://schemas.microsoft.com/office/drawing/2014/main" id="{3B880BE2-8EC5-477C-A9FC-FBD769974B37}"/>
-              </a:ext>
-            </a:extLst>
-          </p:cNvPr>
-          <p:cNvPicPr>
-            <a:picLocks noChangeAspect="1"/>
-          </p:cNvPicPr>
-          <p:nvPr/>
-        </p:nvPicPr>
-        <p:blipFill rotWithShape="1">
-          <a:blip r:embed="rId2">
-            <a:extLst>
-              <a:ext uri="{28A0092B-C50C-407E-A947-70E740481C1C}">
-                <a14:useLocalDpi xmlns:a14="http://schemas.microsoft.com/office/drawing/2010/main" val="0"/>
-              </a:ext>
-            </a:extLst>
-          </a:blip>
-          <a:srcRect l="8218" t="5437" r="8509" b="12492"/>
-          <a:stretch/>
-        </p:blipFill>
-        <p:spPr>
-          <a:xfrm>
-            <a:off x="2029760" y="1662929"/>
-            <a:ext cx="3976919" cy="4872319"/>
-          </a:xfrm>
-          <a:prstGeom prst="rect">
-            <a:avLst/>
-          </a:prstGeom>
-        </p:spPr>
-      </p:pic>
-      <p:pic>
-        <p:nvPicPr>
-          <p:cNvPr id="7" name="图片 6">
-            <a:extLst>
-              <a:ext uri="{FF2B5EF4-FFF2-40B4-BE49-F238E27FC236}">
-                <a16:creationId xmlns:a16="http://schemas.microsoft.com/office/drawing/2014/main" id="{F8CF4C47-47EE-44DC-92E5-BDA60B353568}"/>
-              </a:ext>
-            </a:extLst>
-          </p:cNvPr>
-          <p:cNvPicPr>
-            <a:picLocks noChangeAspect="1"/>
-          </p:cNvPicPr>
-          <p:nvPr/>
-        </p:nvPicPr>
-        <p:blipFill rotWithShape="1">
-          <a:blip r:embed="rId3">
-            <a:extLst>
-              <a:ext uri="{28A0092B-C50C-407E-A947-70E740481C1C}">
-                <a14:useLocalDpi xmlns:a14="http://schemas.microsoft.com/office/drawing/2010/main" val="0"/>
-              </a:ext>
-            </a:extLst>
-          </a:blip>
-          <a:srcRect l="8724" t="7224" r="9207" b="12750"/>
-          <a:stretch/>
-        </p:blipFill>
-        <p:spPr>
-          <a:xfrm>
-            <a:off x="8201990" y="1662929"/>
-            <a:ext cx="3943633" cy="4754634"/>
-          </a:xfrm>
-          <a:prstGeom prst="rect">
-            <a:avLst/>
-          </a:prstGeom>
-        </p:spPr>
-      </p:pic>
     </p:spTree>
     <p:extLst>
       <p:ext uri="{BB962C8B-B14F-4D97-AF65-F5344CB8AC3E}">
@@ -7758,7 +8211,1319 @@
 </p:sld>
 </file>
 
-<file path=ppt/slides/slide13.xml><?xml version="1.0" encoding="utf-8"?>
+<file path=ppt/slides/slide14.xml><?xml version="1.0" encoding="utf-8"?>
+<p:sld xmlns:a="http://schemas.openxmlformats.org/drawingml/2006/main" xmlns:r="http://schemas.openxmlformats.org/officeDocument/2006/relationships" xmlns:p="http://schemas.openxmlformats.org/presentationml/2006/main">
+  <p:cSld>
+    <p:bg>
+      <p:bgPr>
+        <a:solidFill>
+          <a:schemeClr val="bg1"/>
+        </a:solidFill>
+        <a:effectLst/>
+      </p:bgPr>
+    </p:bg>
+    <p:spTree>
+      <p:nvGrpSpPr>
+        <p:cNvPr id="1" name=""/>
+        <p:cNvGrpSpPr/>
+        <p:nvPr/>
+      </p:nvGrpSpPr>
+      <p:grpSpPr>
+        <a:xfrm>
+          <a:off x="0" y="0"/>
+          <a:ext cx="0" cy="0"/>
+          <a:chOff x="0" y="0"/>
+          <a:chExt cx="0" cy="0"/>
+        </a:xfrm>
+      </p:grpSpPr>
+      <p:cxnSp>
+        <p:nvCxnSpPr>
+          <p:cNvPr id="3" name="直接连接符 2"/>
+          <p:cNvCxnSpPr/>
+          <p:nvPr/>
+        </p:nvCxnSpPr>
+        <p:spPr>
+          <a:xfrm>
+            <a:off x="0" y="304799"/>
+            <a:ext cx="2898669" cy="0"/>
+          </a:xfrm>
+          <a:prstGeom prst="line">
+            <a:avLst/>
+          </a:prstGeom>
+          <a:ln w="9525">
+            <a:solidFill>
+              <a:srgbClr val="7CAE57"/>
+            </a:solidFill>
+            <a:prstDash val="solid"/>
+          </a:ln>
+        </p:spPr>
+        <p:style>
+          <a:lnRef idx="1">
+            <a:schemeClr val="accent1"/>
+          </a:lnRef>
+          <a:fillRef idx="0">
+            <a:schemeClr val="accent1"/>
+          </a:fillRef>
+          <a:effectRef idx="0">
+            <a:schemeClr val="accent1"/>
+          </a:effectRef>
+          <a:fontRef idx="minor">
+            <a:schemeClr val="tx1"/>
+          </a:fontRef>
+        </p:style>
+      </p:cxnSp>
+      <p:cxnSp>
+        <p:nvCxnSpPr>
+          <p:cNvPr id="12" name="直接连接符 11"/>
+          <p:cNvCxnSpPr/>
+          <p:nvPr/>
+        </p:nvCxnSpPr>
+        <p:spPr>
+          <a:xfrm>
+            <a:off x="292277" y="0"/>
+            <a:ext cx="0" cy="1582994"/>
+          </a:xfrm>
+          <a:prstGeom prst="line">
+            <a:avLst/>
+          </a:prstGeom>
+          <a:ln w="9525">
+            <a:solidFill>
+              <a:srgbClr val="6EA049"/>
+            </a:solidFill>
+          </a:ln>
+        </p:spPr>
+        <p:style>
+          <a:lnRef idx="1">
+            <a:schemeClr val="accent1"/>
+          </a:lnRef>
+          <a:fillRef idx="0">
+            <a:schemeClr val="accent1"/>
+          </a:fillRef>
+          <a:effectRef idx="0">
+            <a:schemeClr val="accent1"/>
+          </a:effectRef>
+          <a:fontRef idx="minor">
+            <a:schemeClr val="tx1"/>
+          </a:fontRef>
+        </p:style>
+      </p:cxnSp>
+      <p:sp>
+        <p:nvSpPr>
+          <p:cNvPr id="13" name="矩形 12"/>
+          <p:cNvSpPr/>
+          <p:nvPr/>
+        </p:nvSpPr>
+        <p:spPr>
+          <a:xfrm>
+            <a:off x="-54309" y="0"/>
+            <a:ext cx="346586" cy="304799"/>
+          </a:xfrm>
+          <a:prstGeom prst="rect">
+            <a:avLst/>
+          </a:prstGeom>
+          <a:solidFill>
+            <a:srgbClr val="6EA049"/>
+          </a:solidFill>
+          <a:ln>
+            <a:noFill/>
+          </a:ln>
+        </p:spPr>
+        <p:style>
+          <a:lnRef idx="2">
+            <a:schemeClr val="accent1">
+              <a:shade val="50000"/>
+            </a:schemeClr>
+          </a:lnRef>
+          <a:fillRef idx="1">
+            <a:schemeClr val="accent1"/>
+          </a:fillRef>
+          <a:effectRef idx="0">
+            <a:schemeClr val="accent1"/>
+          </a:effectRef>
+          <a:fontRef idx="minor">
+            <a:schemeClr val="lt1"/>
+          </a:fontRef>
+        </p:style>
+        <p:txBody>
+          <a:bodyPr rtlCol="0" anchor="ctr"/>
+          <a:lstStyle/>
+          <a:p>
+            <a:pPr algn="ctr"/>
+            <a:endParaRPr lang="zh-CN" altLang="en-US"/>
+          </a:p>
+        </p:txBody>
+      </p:sp>
+      <p:sp>
+        <p:nvSpPr>
+          <p:cNvPr id="29" name="TextBox 12"/>
+          <p:cNvSpPr txBox="1"/>
+          <p:nvPr/>
+        </p:nvSpPr>
+        <p:spPr>
+          <a:xfrm>
+            <a:off x="4859930" y="495370"/>
+            <a:ext cx="2472152" cy="769441"/>
+          </a:xfrm>
+          <a:prstGeom prst="rect">
+            <a:avLst/>
+          </a:prstGeom>
+          <a:noFill/>
+        </p:spPr>
+        <p:txBody>
+          <a:bodyPr wrap="none" rtlCol="0">
+            <a:spAutoFit/>
+          </a:bodyPr>
+          <a:lstStyle/>
+          <a:p>
+            <a:pPr algn="ctr"/>
+            <a:r>
+              <a:rPr lang="zh-CN" altLang="en-US" sz="4400" b="1" dirty="0">
+                <a:solidFill>
+                  <a:schemeClr val="accent3">
+                    <a:lumMod val="50000"/>
+                  </a:schemeClr>
+                </a:solidFill>
+                <a:latin typeface="+mj-lt"/>
+              </a:rPr>
+              <a:t>算法设计</a:t>
+            </a:r>
+            <a:endParaRPr lang="en-US" sz="4400" b="1" dirty="0">
+              <a:solidFill>
+                <a:schemeClr val="accent3">
+                  <a:lumMod val="50000"/>
+                </a:schemeClr>
+              </a:solidFill>
+              <a:latin typeface="+mj-lt"/>
+            </a:endParaRPr>
+          </a:p>
+        </p:txBody>
+      </p:sp>
+      <p:cxnSp>
+        <p:nvCxnSpPr>
+          <p:cNvPr id="18" name="直接连接符 17"/>
+          <p:cNvCxnSpPr/>
+          <p:nvPr/>
+        </p:nvCxnSpPr>
+        <p:spPr>
+          <a:xfrm>
+            <a:off x="-54309" y="1582994"/>
+            <a:ext cx="12246309" cy="0"/>
+          </a:xfrm>
+          <a:prstGeom prst="line">
+            <a:avLst/>
+          </a:prstGeom>
+          <a:ln w="12700">
+            <a:solidFill>
+              <a:srgbClr val="7CAE57"/>
+            </a:solidFill>
+          </a:ln>
+        </p:spPr>
+        <p:style>
+          <a:lnRef idx="1">
+            <a:schemeClr val="accent1"/>
+          </a:lnRef>
+          <a:fillRef idx="0">
+            <a:schemeClr val="accent1"/>
+          </a:fillRef>
+          <a:effectRef idx="0">
+            <a:schemeClr val="accent1"/>
+          </a:effectRef>
+          <a:fontRef idx="minor">
+            <a:schemeClr val="tx1"/>
+          </a:fontRef>
+        </p:style>
+      </p:cxnSp>
+      <p:pic>
+        <p:nvPicPr>
+          <p:cNvPr id="4" name="图片 3">
+            <a:extLst>
+              <a:ext uri="{FF2B5EF4-FFF2-40B4-BE49-F238E27FC236}">
+                <a16:creationId xmlns:a16="http://schemas.microsoft.com/office/drawing/2014/main" id="{3B880BE2-8EC5-477C-A9FC-FBD769974B37}"/>
+              </a:ext>
+            </a:extLst>
+          </p:cNvPr>
+          <p:cNvPicPr>
+            <a:picLocks noChangeAspect="1"/>
+          </p:cNvPicPr>
+          <p:nvPr/>
+        </p:nvPicPr>
+        <p:blipFill rotWithShape="1">
+          <a:blip r:embed="rId2">
+            <a:extLst>
+              <a:ext uri="{28A0092B-C50C-407E-A947-70E740481C1C}">
+                <a14:useLocalDpi xmlns:a14="http://schemas.microsoft.com/office/drawing/2010/main" val="0"/>
+              </a:ext>
+            </a:extLst>
+          </a:blip>
+          <a:srcRect l="8218" t="5437" r="8509" b="12492"/>
+          <a:stretch/>
+        </p:blipFill>
+        <p:spPr>
+          <a:xfrm>
+            <a:off x="1492376" y="1244064"/>
+            <a:ext cx="4333462" cy="5309137"/>
+          </a:xfrm>
+          <a:prstGeom prst="rect">
+            <a:avLst/>
+          </a:prstGeom>
+        </p:spPr>
+      </p:pic>
+      <p:pic>
+        <p:nvPicPr>
+          <p:cNvPr id="2" name="图片 1">
+            <a:extLst>
+              <a:ext uri="{FF2B5EF4-FFF2-40B4-BE49-F238E27FC236}">
+                <a16:creationId xmlns:a16="http://schemas.microsoft.com/office/drawing/2014/main" id="{BD2CB1C6-D560-4396-A3C1-A9EB0FAE9FD1}"/>
+              </a:ext>
+            </a:extLst>
+          </p:cNvPr>
+          <p:cNvPicPr>
+            <a:picLocks noChangeAspect="1"/>
+          </p:cNvPicPr>
+          <p:nvPr/>
+        </p:nvPicPr>
+        <p:blipFill>
+          <a:blip r:embed="rId3"/>
+          <a:stretch>
+            <a:fillRect/>
+          </a:stretch>
+        </p:blipFill>
+        <p:spPr>
+          <a:xfrm>
+            <a:off x="6752080" y="1943516"/>
+            <a:ext cx="5247357" cy="4419114"/>
+          </a:xfrm>
+          <a:prstGeom prst="rect">
+            <a:avLst/>
+          </a:prstGeom>
+        </p:spPr>
+      </p:pic>
+      <p:grpSp>
+        <p:nvGrpSpPr>
+          <p:cNvPr id="22" name="Group 9">
+            <a:extLst>
+              <a:ext uri="{FF2B5EF4-FFF2-40B4-BE49-F238E27FC236}">
+                <a16:creationId xmlns:a16="http://schemas.microsoft.com/office/drawing/2014/main" id="{907A8E1C-F067-49D1-9159-26552925999A}"/>
+              </a:ext>
+            </a:extLst>
+          </p:cNvPr>
+          <p:cNvGrpSpPr/>
+          <p:nvPr/>
+        </p:nvGrpSpPr>
+        <p:grpSpPr>
+          <a:xfrm>
+            <a:off x="6096000" y="1719799"/>
+            <a:ext cx="1564884" cy="792669"/>
+            <a:chOff x="1505120" y="1409885"/>
+            <a:chExt cx="1654659" cy="907840"/>
+          </a:xfrm>
+          <a:solidFill>
+            <a:schemeClr val="tx1"/>
+          </a:solidFill>
+        </p:grpSpPr>
+        <p:sp>
+          <p:nvSpPr>
+            <p:cNvPr id="23" name="Pentagon 50">
+              <a:extLst>
+                <a:ext uri="{FF2B5EF4-FFF2-40B4-BE49-F238E27FC236}">
+                  <a16:creationId xmlns:a16="http://schemas.microsoft.com/office/drawing/2014/main" id="{17332B2C-762F-44AC-A037-73BE8B500E3C}"/>
+                </a:ext>
+              </a:extLst>
+            </p:cNvPr>
+            <p:cNvSpPr/>
+            <p:nvPr/>
+          </p:nvSpPr>
+          <p:spPr>
+            <a:xfrm>
+              <a:off x="1679080" y="1409888"/>
+              <a:ext cx="776811" cy="316767"/>
+            </a:xfrm>
+            <a:prstGeom prst="homePlate">
+              <a:avLst>
+                <a:gd name="adj" fmla="val 25095"/>
+              </a:avLst>
+            </a:prstGeom>
+            <a:grpFill/>
+            <a:ln>
+              <a:noFill/>
+            </a:ln>
+          </p:spPr>
+          <p:style>
+            <a:lnRef idx="2">
+              <a:schemeClr val="accent1">
+                <a:shade val="50000"/>
+              </a:schemeClr>
+            </a:lnRef>
+            <a:fillRef idx="1">
+              <a:schemeClr val="accent1"/>
+            </a:fillRef>
+            <a:effectRef idx="0">
+              <a:schemeClr val="accent1"/>
+            </a:effectRef>
+            <a:fontRef idx="minor">
+              <a:schemeClr val="lt1"/>
+            </a:fontRef>
+          </p:style>
+          <p:txBody>
+            <a:bodyPr rtlCol="0" anchor="ctr"/>
+            <a:lstStyle/>
+            <a:p>
+              <a:pPr algn="ctr"/>
+              <a:endParaRPr lang="en-US" sz="1200"/>
+            </a:p>
+          </p:txBody>
+        </p:sp>
+        <p:grpSp>
+          <p:nvGrpSpPr>
+            <p:cNvPr id="24" name="Group 51">
+              <a:extLst>
+                <a:ext uri="{FF2B5EF4-FFF2-40B4-BE49-F238E27FC236}">
+                  <a16:creationId xmlns:a16="http://schemas.microsoft.com/office/drawing/2014/main" id="{2EAA68F3-EC2B-4E23-A2DA-055F8211D839}"/>
+                </a:ext>
+              </a:extLst>
+            </p:cNvPr>
+            <p:cNvGrpSpPr/>
+            <p:nvPr/>
+          </p:nvGrpSpPr>
+          <p:grpSpPr>
+            <a:xfrm>
+              <a:off x="1505120" y="1409885"/>
+              <a:ext cx="1654659" cy="907840"/>
+              <a:chOff x="1561621" y="1478225"/>
+              <a:chExt cx="1756025" cy="1025313"/>
+            </a:xfrm>
+            <a:grpFill/>
+          </p:grpSpPr>
+          <p:sp>
+            <p:nvSpPr>
+              <p:cNvPr id="25" name="Pentagon 52">
+                <a:extLst>
+                  <a:ext uri="{FF2B5EF4-FFF2-40B4-BE49-F238E27FC236}">
+                    <a16:creationId xmlns:a16="http://schemas.microsoft.com/office/drawing/2014/main" id="{5F106FA5-7A61-4A9D-B7B7-44B4E2992510}"/>
+                  </a:ext>
+                </a:extLst>
+              </p:cNvPr>
+              <p:cNvSpPr/>
+              <p:nvPr/>
+            </p:nvSpPr>
+            <p:spPr>
+              <a:xfrm>
+                <a:off x="1561621" y="1478226"/>
+                <a:ext cx="1756025" cy="1025312"/>
+              </a:xfrm>
+              <a:prstGeom prst="homePlate">
+                <a:avLst>
+                  <a:gd name="adj" fmla="val 25095"/>
+                </a:avLst>
+              </a:prstGeom>
+              <a:grpFill/>
+              <a:ln>
+                <a:noFill/>
+              </a:ln>
+            </p:spPr>
+            <p:style>
+              <a:lnRef idx="2">
+                <a:schemeClr val="accent1">
+                  <a:shade val="50000"/>
+                </a:schemeClr>
+              </a:lnRef>
+              <a:fillRef idx="1">
+                <a:schemeClr val="accent1"/>
+              </a:fillRef>
+              <a:effectRef idx="0">
+                <a:schemeClr val="accent1"/>
+              </a:effectRef>
+              <a:fontRef idx="minor">
+                <a:schemeClr val="lt1"/>
+              </a:fontRef>
+            </p:style>
+            <p:txBody>
+              <a:bodyPr rtlCol="0" anchor="ctr"/>
+              <a:lstStyle/>
+              <a:p>
+                <a:pPr algn="ctr"/>
+                <a:endParaRPr lang="en-US" sz="1200"/>
+              </a:p>
+            </p:txBody>
+          </p:sp>
+          <p:sp>
+            <p:nvSpPr>
+              <p:cNvPr id="26" name="Subtitle 2">
+                <a:extLst>
+                  <a:ext uri="{FF2B5EF4-FFF2-40B4-BE49-F238E27FC236}">
+                    <a16:creationId xmlns:a16="http://schemas.microsoft.com/office/drawing/2014/main" id="{98951A97-BBF3-4C14-963C-185DF7D0F3C4}"/>
+                  </a:ext>
+                </a:extLst>
+              </p:cNvPr>
+              <p:cNvSpPr txBox="1">
+                <a:spLocks/>
+              </p:cNvSpPr>
+              <p:nvPr/>
+            </p:nvSpPr>
+            <p:spPr>
+              <a:xfrm>
+                <a:off x="1794261" y="1478225"/>
+                <a:ext cx="1198143" cy="510104"/>
+              </a:xfrm>
+              <a:prstGeom prst="rect">
+                <a:avLst/>
+              </a:prstGeom>
+              <a:grpFill/>
+            </p:spPr>
+            <p:txBody>
+              <a:bodyPr vert="horz" lIns="91440" tIns="45720" rIns="91440" bIns="45720" rtlCol="0">
+                <a:noAutofit/>
+              </a:bodyPr>
+              <a:lstStyle>
+                <a:lvl1pPr marL="342900" indent="-342900" algn="l" defTabSz="914400" rtl="0" eaLnBrk="1" latinLnBrk="0" hangingPunct="1">
+                  <a:spcBef>
+                    <a:spcPct val="20000"/>
+                  </a:spcBef>
+                  <a:buFont typeface="Arial" pitchFamily="34" charset="0"/>
+                  <a:buChar char="•"/>
+                  <a:defRPr sz="3200" kern="1200">
+                    <a:solidFill>
+                      <a:schemeClr val="tx1"/>
+                    </a:solidFill>
+                    <a:latin typeface="+mn-lt"/>
+                    <a:ea typeface="+mn-ea"/>
+                    <a:cs typeface="+mn-cs"/>
+                  </a:defRPr>
+                </a:lvl1pPr>
+                <a:lvl2pPr marL="742950" indent="-285750" algn="l" defTabSz="914400" rtl="0" eaLnBrk="1" latinLnBrk="0" hangingPunct="1">
+                  <a:spcBef>
+                    <a:spcPct val="20000"/>
+                  </a:spcBef>
+                  <a:buFont typeface="Arial" pitchFamily="34" charset="0"/>
+                  <a:buChar char="–"/>
+                  <a:defRPr sz="2800" kern="1200">
+                    <a:solidFill>
+                      <a:schemeClr val="tx1"/>
+                    </a:solidFill>
+                    <a:latin typeface="+mn-lt"/>
+                    <a:ea typeface="+mn-ea"/>
+                    <a:cs typeface="+mn-cs"/>
+                  </a:defRPr>
+                </a:lvl2pPr>
+                <a:lvl3pPr marL="1143000" indent="-228600" algn="l" defTabSz="914400" rtl="0" eaLnBrk="1" latinLnBrk="0" hangingPunct="1">
+                  <a:spcBef>
+                    <a:spcPct val="20000"/>
+                  </a:spcBef>
+                  <a:buFont typeface="Arial" pitchFamily="34" charset="0"/>
+                  <a:buChar char="•"/>
+                  <a:defRPr sz="2400" kern="1200">
+                    <a:solidFill>
+                      <a:schemeClr val="tx1"/>
+                    </a:solidFill>
+                    <a:latin typeface="+mn-lt"/>
+                    <a:ea typeface="+mn-ea"/>
+                    <a:cs typeface="+mn-cs"/>
+                  </a:defRPr>
+                </a:lvl3pPr>
+                <a:lvl4pPr marL="1600200" indent="-228600" algn="l" defTabSz="914400" rtl="0" eaLnBrk="1" latinLnBrk="0" hangingPunct="1">
+                  <a:spcBef>
+                    <a:spcPct val="20000"/>
+                  </a:spcBef>
+                  <a:buFont typeface="Arial" pitchFamily="34" charset="0"/>
+                  <a:buChar char="–"/>
+                  <a:defRPr sz="2000" kern="1200">
+                    <a:solidFill>
+                      <a:schemeClr val="tx1"/>
+                    </a:solidFill>
+                    <a:latin typeface="+mn-lt"/>
+                    <a:ea typeface="+mn-ea"/>
+                    <a:cs typeface="+mn-cs"/>
+                  </a:defRPr>
+                </a:lvl4pPr>
+                <a:lvl5pPr marL="2057400" indent="-228600" algn="l" defTabSz="914400" rtl="0" eaLnBrk="1" latinLnBrk="0" hangingPunct="1">
+                  <a:spcBef>
+                    <a:spcPct val="20000"/>
+                  </a:spcBef>
+                  <a:buFont typeface="Arial" pitchFamily="34" charset="0"/>
+                  <a:buChar char="»"/>
+                  <a:defRPr sz="2000" kern="1200">
+                    <a:solidFill>
+                      <a:schemeClr val="tx1"/>
+                    </a:solidFill>
+                    <a:latin typeface="+mn-lt"/>
+                    <a:ea typeface="+mn-ea"/>
+                    <a:cs typeface="+mn-cs"/>
+                  </a:defRPr>
+                </a:lvl5pPr>
+                <a:lvl6pPr marL="2514600" indent="-228600" algn="l" defTabSz="914400" rtl="0" eaLnBrk="1" latinLnBrk="0" hangingPunct="1">
+                  <a:spcBef>
+                    <a:spcPct val="20000"/>
+                  </a:spcBef>
+                  <a:buFont typeface="Arial" pitchFamily="34" charset="0"/>
+                  <a:buChar char="•"/>
+                  <a:defRPr sz="2000" kern="1200">
+                    <a:solidFill>
+                      <a:schemeClr val="tx1"/>
+                    </a:solidFill>
+                    <a:latin typeface="+mn-lt"/>
+                    <a:ea typeface="+mn-ea"/>
+                    <a:cs typeface="+mn-cs"/>
+                  </a:defRPr>
+                </a:lvl6pPr>
+                <a:lvl7pPr marL="2971800" indent="-228600" algn="l" defTabSz="914400" rtl="0" eaLnBrk="1" latinLnBrk="0" hangingPunct="1">
+                  <a:spcBef>
+                    <a:spcPct val="20000"/>
+                  </a:spcBef>
+                  <a:buFont typeface="Arial" pitchFamily="34" charset="0"/>
+                  <a:buChar char="•"/>
+                  <a:defRPr sz="2000" kern="1200">
+                    <a:solidFill>
+                      <a:schemeClr val="tx1"/>
+                    </a:solidFill>
+                    <a:latin typeface="+mn-lt"/>
+                    <a:ea typeface="+mn-ea"/>
+                    <a:cs typeface="+mn-cs"/>
+                  </a:defRPr>
+                </a:lvl7pPr>
+                <a:lvl8pPr marL="3429000" indent="-228600" algn="l" defTabSz="914400" rtl="0" eaLnBrk="1" latinLnBrk="0" hangingPunct="1">
+                  <a:spcBef>
+                    <a:spcPct val="20000"/>
+                  </a:spcBef>
+                  <a:buFont typeface="Arial" pitchFamily="34" charset="0"/>
+                  <a:buChar char="•"/>
+                  <a:defRPr sz="2000" kern="1200">
+                    <a:solidFill>
+                      <a:schemeClr val="tx1"/>
+                    </a:solidFill>
+                    <a:latin typeface="+mn-lt"/>
+                    <a:ea typeface="+mn-ea"/>
+                    <a:cs typeface="+mn-cs"/>
+                  </a:defRPr>
+                </a:lvl8pPr>
+                <a:lvl9pPr marL="3886200" indent="-228600" algn="l" defTabSz="914400" rtl="0" eaLnBrk="1" latinLnBrk="0" hangingPunct="1">
+                  <a:spcBef>
+                    <a:spcPct val="20000"/>
+                  </a:spcBef>
+                  <a:buFont typeface="Arial" pitchFamily="34" charset="0"/>
+                  <a:buChar char="•"/>
+                  <a:defRPr sz="2000" kern="1200">
+                    <a:solidFill>
+                      <a:schemeClr val="tx1"/>
+                    </a:solidFill>
+                    <a:latin typeface="+mn-lt"/>
+                    <a:ea typeface="+mn-ea"/>
+                    <a:cs typeface="+mn-cs"/>
+                  </a:defRPr>
+                </a:lvl9pPr>
+              </a:lstStyle>
+              <a:p>
+                <a:pPr marL="0" indent="0">
+                  <a:buNone/>
+                </a:pPr>
+                <a:r>
+                  <a:rPr lang="en-US" altLang="zh-CN" sz="2000" b="1" spc="100" dirty="0">
+                    <a:solidFill>
+                      <a:schemeClr val="bg1"/>
+                    </a:solidFill>
+                    <a:latin typeface="Signika Negative" pitchFamily="2" charset="0"/>
+                    <a:ea typeface="Franchise" pitchFamily="49" charset="0"/>
+                  </a:rPr>
+                  <a:t>Search</a:t>
+                </a:r>
+              </a:p>
+              <a:p>
+                <a:pPr marL="0" indent="0">
+                  <a:buNone/>
+                </a:pPr>
+                <a:r>
+                  <a:rPr lang="en-US" altLang="zh-CN" sz="2000" b="1" spc="100" dirty="0" err="1">
+                    <a:solidFill>
+                      <a:schemeClr val="bg1"/>
+                    </a:solidFill>
+                    <a:latin typeface="Signika Negative" pitchFamily="2" charset="0"/>
+                    <a:ea typeface="Franchise" pitchFamily="49" charset="0"/>
+                  </a:rPr>
+                  <a:t>ByArea</a:t>
+                </a:r>
+                <a:endParaRPr lang="en-US" sz="2000" b="1" spc="100" dirty="0">
+                  <a:solidFill>
+                    <a:schemeClr val="bg1"/>
+                  </a:solidFill>
+                  <a:latin typeface="Signika Negative" pitchFamily="2" charset="0"/>
+                  <a:ea typeface="Franchise" pitchFamily="49" charset="0"/>
+                </a:endParaRPr>
+              </a:p>
+            </p:txBody>
+          </p:sp>
+        </p:grpSp>
+      </p:grpSp>
+      <p:grpSp>
+        <p:nvGrpSpPr>
+          <p:cNvPr id="9" name="Group 9">
+            <a:extLst>
+              <a:ext uri="{FF2B5EF4-FFF2-40B4-BE49-F238E27FC236}">
+                <a16:creationId xmlns:a16="http://schemas.microsoft.com/office/drawing/2014/main" id="{2DD01B4E-D21B-48D0-B0EC-B7B1A680C955}"/>
+              </a:ext>
+            </a:extLst>
+          </p:cNvPr>
+          <p:cNvGrpSpPr/>
+          <p:nvPr/>
+        </p:nvGrpSpPr>
+        <p:grpSpPr>
+          <a:xfrm>
+            <a:off x="-1" y="1721773"/>
+            <a:ext cx="1831619" cy="792669"/>
+            <a:chOff x="1505120" y="1409885"/>
+            <a:chExt cx="1654659" cy="907840"/>
+          </a:xfrm>
+          <a:solidFill>
+            <a:schemeClr val="tx1"/>
+          </a:solidFill>
+        </p:grpSpPr>
+        <p:sp>
+          <p:nvSpPr>
+            <p:cNvPr id="10" name="Pentagon 50">
+              <a:extLst>
+                <a:ext uri="{FF2B5EF4-FFF2-40B4-BE49-F238E27FC236}">
+                  <a16:creationId xmlns:a16="http://schemas.microsoft.com/office/drawing/2014/main" id="{684B03BC-9679-4DF4-9DA9-B896A56CC098}"/>
+                </a:ext>
+              </a:extLst>
+            </p:cNvPr>
+            <p:cNvSpPr/>
+            <p:nvPr/>
+          </p:nvSpPr>
+          <p:spPr>
+            <a:xfrm>
+              <a:off x="1679080" y="1409888"/>
+              <a:ext cx="776811" cy="316767"/>
+            </a:xfrm>
+            <a:prstGeom prst="homePlate">
+              <a:avLst>
+                <a:gd name="adj" fmla="val 25095"/>
+              </a:avLst>
+            </a:prstGeom>
+            <a:grpFill/>
+            <a:ln>
+              <a:noFill/>
+            </a:ln>
+          </p:spPr>
+          <p:style>
+            <a:lnRef idx="2">
+              <a:schemeClr val="accent1">
+                <a:shade val="50000"/>
+              </a:schemeClr>
+            </a:lnRef>
+            <a:fillRef idx="1">
+              <a:schemeClr val="accent1"/>
+            </a:fillRef>
+            <a:effectRef idx="0">
+              <a:schemeClr val="accent1"/>
+            </a:effectRef>
+            <a:fontRef idx="minor">
+              <a:schemeClr val="lt1"/>
+            </a:fontRef>
+          </p:style>
+          <p:txBody>
+            <a:bodyPr rtlCol="0" anchor="ctr"/>
+            <a:lstStyle/>
+            <a:p>
+              <a:pPr algn="ctr"/>
+              <a:endParaRPr lang="en-US" sz="1200"/>
+            </a:p>
+          </p:txBody>
+        </p:sp>
+        <p:grpSp>
+          <p:nvGrpSpPr>
+            <p:cNvPr id="11" name="Group 51">
+              <a:extLst>
+                <a:ext uri="{FF2B5EF4-FFF2-40B4-BE49-F238E27FC236}">
+                  <a16:creationId xmlns:a16="http://schemas.microsoft.com/office/drawing/2014/main" id="{CA351B5D-D98F-47F3-910C-1181144D44B5}"/>
+                </a:ext>
+              </a:extLst>
+            </p:cNvPr>
+            <p:cNvGrpSpPr/>
+            <p:nvPr/>
+          </p:nvGrpSpPr>
+          <p:grpSpPr>
+            <a:xfrm>
+              <a:off x="1505120" y="1409885"/>
+              <a:ext cx="1654659" cy="907840"/>
+              <a:chOff x="1561621" y="1478225"/>
+              <a:chExt cx="1756025" cy="1025313"/>
+            </a:xfrm>
+            <a:grpFill/>
+          </p:grpSpPr>
+          <p:sp>
+            <p:nvSpPr>
+              <p:cNvPr id="14" name="Pentagon 52">
+                <a:extLst>
+                  <a:ext uri="{FF2B5EF4-FFF2-40B4-BE49-F238E27FC236}">
+                    <a16:creationId xmlns:a16="http://schemas.microsoft.com/office/drawing/2014/main" id="{8FBACE9B-5B78-45A4-B58D-A836A4F08C96}"/>
+                  </a:ext>
+                </a:extLst>
+              </p:cNvPr>
+              <p:cNvSpPr/>
+              <p:nvPr/>
+            </p:nvSpPr>
+            <p:spPr>
+              <a:xfrm>
+                <a:off x="1561621" y="1478226"/>
+                <a:ext cx="1756025" cy="1025312"/>
+              </a:xfrm>
+              <a:prstGeom prst="homePlate">
+                <a:avLst>
+                  <a:gd name="adj" fmla="val 25095"/>
+                </a:avLst>
+              </a:prstGeom>
+              <a:grpFill/>
+              <a:ln>
+                <a:noFill/>
+              </a:ln>
+            </p:spPr>
+            <p:style>
+              <a:lnRef idx="2">
+                <a:schemeClr val="accent1">
+                  <a:shade val="50000"/>
+                </a:schemeClr>
+              </a:lnRef>
+              <a:fillRef idx="1">
+                <a:schemeClr val="accent1"/>
+              </a:fillRef>
+              <a:effectRef idx="0">
+                <a:schemeClr val="accent1"/>
+              </a:effectRef>
+              <a:fontRef idx="minor">
+                <a:schemeClr val="lt1"/>
+              </a:fontRef>
+            </p:style>
+            <p:txBody>
+              <a:bodyPr rtlCol="0" anchor="ctr"/>
+              <a:lstStyle/>
+              <a:p>
+                <a:pPr algn="ctr"/>
+                <a:endParaRPr lang="en-US" sz="1200"/>
+              </a:p>
+            </p:txBody>
+          </p:sp>
+          <p:sp>
+            <p:nvSpPr>
+              <p:cNvPr id="15" name="Subtitle 2">
+                <a:extLst>
+                  <a:ext uri="{FF2B5EF4-FFF2-40B4-BE49-F238E27FC236}">
+                    <a16:creationId xmlns:a16="http://schemas.microsoft.com/office/drawing/2014/main" id="{90BACBBE-DB94-4D26-BBAF-D292950BA5BB}"/>
+                  </a:ext>
+                </a:extLst>
+              </p:cNvPr>
+              <p:cNvSpPr txBox="1">
+                <a:spLocks/>
+              </p:cNvSpPr>
+              <p:nvPr/>
+            </p:nvSpPr>
+            <p:spPr>
+              <a:xfrm>
+                <a:off x="1794261" y="1478225"/>
+                <a:ext cx="1198143" cy="510104"/>
+              </a:xfrm>
+              <a:prstGeom prst="rect">
+                <a:avLst/>
+              </a:prstGeom>
+              <a:grpFill/>
+            </p:spPr>
+            <p:txBody>
+              <a:bodyPr vert="horz" lIns="91440" tIns="45720" rIns="91440" bIns="45720" rtlCol="0">
+                <a:noAutofit/>
+              </a:bodyPr>
+              <a:lstStyle>
+                <a:lvl1pPr marL="342900" indent="-342900" algn="l" defTabSz="914400" rtl="0" eaLnBrk="1" latinLnBrk="0" hangingPunct="1">
+                  <a:spcBef>
+                    <a:spcPct val="20000"/>
+                  </a:spcBef>
+                  <a:buFont typeface="Arial" pitchFamily="34" charset="0"/>
+                  <a:buChar char="•"/>
+                  <a:defRPr sz="3200" kern="1200">
+                    <a:solidFill>
+                      <a:schemeClr val="tx1"/>
+                    </a:solidFill>
+                    <a:latin typeface="+mn-lt"/>
+                    <a:ea typeface="+mn-ea"/>
+                    <a:cs typeface="+mn-cs"/>
+                  </a:defRPr>
+                </a:lvl1pPr>
+                <a:lvl2pPr marL="742950" indent="-285750" algn="l" defTabSz="914400" rtl="0" eaLnBrk="1" latinLnBrk="0" hangingPunct="1">
+                  <a:spcBef>
+                    <a:spcPct val="20000"/>
+                  </a:spcBef>
+                  <a:buFont typeface="Arial" pitchFamily="34" charset="0"/>
+                  <a:buChar char="–"/>
+                  <a:defRPr sz="2800" kern="1200">
+                    <a:solidFill>
+                      <a:schemeClr val="tx1"/>
+                    </a:solidFill>
+                    <a:latin typeface="+mn-lt"/>
+                    <a:ea typeface="+mn-ea"/>
+                    <a:cs typeface="+mn-cs"/>
+                  </a:defRPr>
+                </a:lvl2pPr>
+                <a:lvl3pPr marL="1143000" indent="-228600" algn="l" defTabSz="914400" rtl="0" eaLnBrk="1" latinLnBrk="0" hangingPunct="1">
+                  <a:spcBef>
+                    <a:spcPct val="20000"/>
+                  </a:spcBef>
+                  <a:buFont typeface="Arial" pitchFamily="34" charset="0"/>
+                  <a:buChar char="•"/>
+                  <a:defRPr sz="2400" kern="1200">
+                    <a:solidFill>
+                      <a:schemeClr val="tx1"/>
+                    </a:solidFill>
+                    <a:latin typeface="+mn-lt"/>
+                    <a:ea typeface="+mn-ea"/>
+                    <a:cs typeface="+mn-cs"/>
+                  </a:defRPr>
+                </a:lvl3pPr>
+                <a:lvl4pPr marL="1600200" indent="-228600" algn="l" defTabSz="914400" rtl="0" eaLnBrk="1" latinLnBrk="0" hangingPunct="1">
+                  <a:spcBef>
+                    <a:spcPct val="20000"/>
+                  </a:spcBef>
+                  <a:buFont typeface="Arial" pitchFamily="34" charset="0"/>
+                  <a:buChar char="–"/>
+                  <a:defRPr sz="2000" kern="1200">
+                    <a:solidFill>
+                      <a:schemeClr val="tx1"/>
+                    </a:solidFill>
+                    <a:latin typeface="+mn-lt"/>
+                    <a:ea typeface="+mn-ea"/>
+                    <a:cs typeface="+mn-cs"/>
+                  </a:defRPr>
+                </a:lvl4pPr>
+                <a:lvl5pPr marL="2057400" indent="-228600" algn="l" defTabSz="914400" rtl="0" eaLnBrk="1" latinLnBrk="0" hangingPunct="1">
+                  <a:spcBef>
+                    <a:spcPct val="20000"/>
+                  </a:spcBef>
+                  <a:buFont typeface="Arial" pitchFamily="34" charset="0"/>
+                  <a:buChar char="»"/>
+                  <a:defRPr sz="2000" kern="1200">
+                    <a:solidFill>
+                      <a:schemeClr val="tx1"/>
+                    </a:solidFill>
+                    <a:latin typeface="+mn-lt"/>
+                    <a:ea typeface="+mn-ea"/>
+                    <a:cs typeface="+mn-cs"/>
+                  </a:defRPr>
+                </a:lvl5pPr>
+                <a:lvl6pPr marL="2514600" indent="-228600" algn="l" defTabSz="914400" rtl="0" eaLnBrk="1" latinLnBrk="0" hangingPunct="1">
+                  <a:spcBef>
+                    <a:spcPct val="20000"/>
+                  </a:spcBef>
+                  <a:buFont typeface="Arial" pitchFamily="34" charset="0"/>
+                  <a:buChar char="•"/>
+                  <a:defRPr sz="2000" kern="1200">
+                    <a:solidFill>
+                      <a:schemeClr val="tx1"/>
+                    </a:solidFill>
+                    <a:latin typeface="+mn-lt"/>
+                    <a:ea typeface="+mn-ea"/>
+                    <a:cs typeface="+mn-cs"/>
+                  </a:defRPr>
+                </a:lvl6pPr>
+                <a:lvl7pPr marL="2971800" indent="-228600" algn="l" defTabSz="914400" rtl="0" eaLnBrk="1" latinLnBrk="0" hangingPunct="1">
+                  <a:spcBef>
+                    <a:spcPct val="20000"/>
+                  </a:spcBef>
+                  <a:buFont typeface="Arial" pitchFamily="34" charset="0"/>
+                  <a:buChar char="•"/>
+                  <a:defRPr sz="2000" kern="1200">
+                    <a:solidFill>
+                      <a:schemeClr val="tx1"/>
+                    </a:solidFill>
+                    <a:latin typeface="+mn-lt"/>
+                    <a:ea typeface="+mn-ea"/>
+                    <a:cs typeface="+mn-cs"/>
+                  </a:defRPr>
+                </a:lvl7pPr>
+                <a:lvl8pPr marL="3429000" indent="-228600" algn="l" defTabSz="914400" rtl="0" eaLnBrk="1" latinLnBrk="0" hangingPunct="1">
+                  <a:spcBef>
+                    <a:spcPct val="20000"/>
+                  </a:spcBef>
+                  <a:buFont typeface="Arial" pitchFamily="34" charset="0"/>
+                  <a:buChar char="•"/>
+                  <a:defRPr sz="2000" kern="1200">
+                    <a:solidFill>
+                      <a:schemeClr val="tx1"/>
+                    </a:solidFill>
+                    <a:latin typeface="+mn-lt"/>
+                    <a:ea typeface="+mn-ea"/>
+                    <a:cs typeface="+mn-cs"/>
+                  </a:defRPr>
+                </a:lvl8pPr>
+                <a:lvl9pPr marL="3886200" indent="-228600" algn="l" defTabSz="914400" rtl="0" eaLnBrk="1" latinLnBrk="0" hangingPunct="1">
+                  <a:spcBef>
+                    <a:spcPct val="20000"/>
+                  </a:spcBef>
+                  <a:buFont typeface="Arial" pitchFamily="34" charset="0"/>
+                  <a:buChar char="•"/>
+                  <a:defRPr sz="2000" kern="1200">
+                    <a:solidFill>
+                      <a:schemeClr val="tx1"/>
+                    </a:solidFill>
+                    <a:latin typeface="+mn-lt"/>
+                    <a:ea typeface="+mn-ea"/>
+                    <a:cs typeface="+mn-cs"/>
+                  </a:defRPr>
+                </a:lvl9pPr>
+              </a:lstStyle>
+              <a:p>
+                <a:pPr marL="0" indent="0">
+                  <a:buNone/>
+                </a:pPr>
+                <a:r>
+                  <a:rPr lang="en-US" altLang="zh-CN" sz="2000" b="1" spc="100" dirty="0">
+                    <a:solidFill>
+                      <a:schemeClr val="bg1"/>
+                    </a:solidFill>
+                    <a:latin typeface="Signika Negative" pitchFamily="2" charset="0"/>
+                    <a:ea typeface="Franchise" pitchFamily="49" charset="0"/>
+                  </a:rPr>
+                  <a:t>Search</a:t>
+                </a:r>
+              </a:p>
+              <a:p>
+                <a:pPr marL="0" indent="0">
+                  <a:buNone/>
+                </a:pPr>
+                <a:r>
+                  <a:rPr lang="en-US" altLang="zh-CN" sz="2000" b="1" spc="100" dirty="0" err="1">
+                    <a:solidFill>
+                      <a:schemeClr val="bg1"/>
+                    </a:solidFill>
+                    <a:latin typeface="Signika Negative" pitchFamily="2" charset="0"/>
+                    <a:ea typeface="Franchise" pitchFamily="49" charset="0"/>
+                  </a:rPr>
+                  <a:t>ByName</a:t>
+                </a:r>
+                <a:endParaRPr lang="en-US" sz="2000" b="1" spc="100" dirty="0">
+                  <a:solidFill>
+                    <a:schemeClr val="bg1"/>
+                  </a:solidFill>
+                  <a:latin typeface="Signika Negative" pitchFamily="2" charset="0"/>
+                  <a:ea typeface="Franchise" pitchFamily="49" charset="0"/>
+                </a:endParaRPr>
+              </a:p>
+            </p:txBody>
+          </p:sp>
+        </p:grpSp>
+      </p:grpSp>
+    </p:spTree>
+    <p:extLst>
+      <p:ext uri="{BB962C8B-B14F-4D97-AF65-F5344CB8AC3E}">
+        <p14:creationId xmlns:p14="http://schemas.microsoft.com/office/powerpoint/2010/main" val="4277777524"/>
+      </p:ext>
+    </p:extLst>
+  </p:cSld>
+  <p:clrMapOvr>
+    <a:masterClrMapping/>
+  </p:clrMapOvr>
+  <p:transition spd="slow">
+    <p:push/>
+  </p:transition>
+  <p:timing>
+    <p:tnLst>
+      <p:par>
+        <p:cTn id="1" dur="indefinite" restart="never" nodeType="tmRoot">
+          <p:childTnLst>
+            <p:seq concurrent="1" nextAc="seek">
+              <p:cTn id="2" dur="indefinite" nodeType="mainSeq">
+                <p:childTnLst>
+                  <p:par>
+                    <p:cTn id="3" fill="hold">
+                      <p:stCondLst>
+                        <p:cond delay="indefinite"/>
+                        <p:cond evt="onBegin" delay="0">
+                          <p:tn val="2"/>
+                        </p:cond>
+                      </p:stCondLst>
+                      <p:childTnLst>
+                        <p:par>
+                          <p:cTn id="4" fill="hold">
+                            <p:stCondLst>
+                              <p:cond delay="0"/>
+                            </p:stCondLst>
+                            <p:childTnLst>
+                              <p:par>
+                                <p:cTn id="5" presetID="22" presetClass="entr" presetSubtype="8" fill="hold" nodeType="withEffect">
+                                  <p:stCondLst>
+                                    <p:cond delay="0"/>
+                                  </p:stCondLst>
+                                  <p:childTnLst>
+                                    <p:set>
+                                      <p:cBhvr>
+                                        <p:cTn id="6" dur="1" fill="hold">
+                                          <p:stCondLst>
+                                            <p:cond delay="0"/>
+                                          </p:stCondLst>
+                                        </p:cTn>
+                                        <p:tgtEl>
+                                          <p:spTgt spid="3"/>
+                                        </p:tgtEl>
+                                        <p:attrNameLst>
+                                          <p:attrName>style.visibility</p:attrName>
+                                        </p:attrNameLst>
+                                      </p:cBhvr>
+                                      <p:to>
+                                        <p:strVal val="visible"/>
+                                      </p:to>
+                                    </p:set>
+                                    <p:animEffect transition="in" filter="wipe(left)">
+                                      <p:cBhvr>
+                                        <p:cTn id="7" dur="1000"/>
+                                        <p:tgtEl>
+                                          <p:spTgt spid="3"/>
+                                        </p:tgtEl>
+                                      </p:cBhvr>
+                                    </p:animEffect>
+                                  </p:childTnLst>
+                                </p:cTn>
+                              </p:par>
+                              <p:par>
+                                <p:cTn id="8" presetID="22" presetClass="entr" presetSubtype="1" fill="hold" nodeType="withEffect">
+                                  <p:stCondLst>
+                                    <p:cond delay="0"/>
+                                  </p:stCondLst>
+                                  <p:childTnLst>
+                                    <p:set>
+                                      <p:cBhvr>
+                                        <p:cTn id="9" dur="1" fill="hold">
+                                          <p:stCondLst>
+                                            <p:cond delay="0"/>
+                                          </p:stCondLst>
+                                        </p:cTn>
+                                        <p:tgtEl>
+                                          <p:spTgt spid="12"/>
+                                        </p:tgtEl>
+                                        <p:attrNameLst>
+                                          <p:attrName>style.visibility</p:attrName>
+                                        </p:attrNameLst>
+                                      </p:cBhvr>
+                                      <p:to>
+                                        <p:strVal val="visible"/>
+                                      </p:to>
+                                    </p:set>
+                                    <p:animEffect transition="in" filter="wipe(up)">
+                                      <p:cBhvr>
+                                        <p:cTn id="10" dur="1000"/>
+                                        <p:tgtEl>
+                                          <p:spTgt spid="12"/>
+                                        </p:tgtEl>
+                                      </p:cBhvr>
+                                    </p:animEffect>
+                                  </p:childTnLst>
+                                </p:cTn>
+                              </p:par>
+                            </p:childTnLst>
+                          </p:cTn>
+                        </p:par>
+                        <p:par>
+                          <p:cTn id="11" fill="hold">
+                            <p:stCondLst>
+                              <p:cond delay="1000"/>
+                            </p:stCondLst>
+                            <p:childTnLst>
+                              <p:par>
+                                <p:cTn id="12" presetID="42" presetClass="entr" presetSubtype="0" fill="hold" nodeType="afterEffect">
+                                  <p:stCondLst>
+                                    <p:cond delay="0"/>
+                                  </p:stCondLst>
+                                  <p:childTnLst>
+                                    <p:set>
+                                      <p:cBhvr>
+                                        <p:cTn id="13" dur="1" fill="hold">
+                                          <p:stCondLst>
+                                            <p:cond delay="0"/>
+                                          </p:stCondLst>
+                                        </p:cTn>
+                                        <p:tgtEl>
+                                          <p:spTgt spid="9"/>
+                                        </p:tgtEl>
+                                        <p:attrNameLst>
+                                          <p:attrName>style.visibility</p:attrName>
+                                        </p:attrNameLst>
+                                      </p:cBhvr>
+                                      <p:to>
+                                        <p:strVal val="visible"/>
+                                      </p:to>
+                                    </p:set>
+                                    <p:animEffect transition="in" filter="fade">
+                                      <p:cBhvr>
+                                        <p:cTn id="14" dur="750"/>
+                                        <p:tgtEl>
+                                          <p:spTgt spid="9"/>
+                                        </p:tgtEl>
+                                      </p:cBhvr>
+                                    </p:animEffect>
+                                    <p:anim calcmode="lin" valueType="num">
+                                      <p:cBhvr>
+                                        <p:cTn id="15" dur="750" fill="hold"/>
+                                        <p:tgtEl>
+                                          <p:spTgt spid="9"/>
+                                        </p:tgtEl>
+                                        <p:attrNameLst>
+                                          <p:attrName>ppt_x</p:attrName>
+                                        </p:attrNameLst>
+                                      </p:cBhvr>
+                                      <p:tavLst>
+                                        <p:tav tm="0">
+                                          <p:val>
+                                            <p:strVal val="#ppt_x"/>
+                                          </p:val>
+                                        </p:tav>
+                                        <p:tav tm="100000">
+                                          <p:val>
+                                            <p:strVal val="#ppt_x"/>
+                                          </p:val>
+                                        </p:tav>
+                                      </p:tavLst>
+                                    </p:anim>
+                                    <p:anim calcmode="lin" valueType="num">
+                                      <p:cBhvr>
+                                        <p:cTn id="16" dur="750" fill="hold"/>
+                                        <p:tgtEl>
+                                          <p:spTgt spid="9"/>
+                                        </p:tgtEl>
+                                        <p:attrNameLst>
+                                          <p:attrName>ppt_y</p:attrName>
+                                        </p:attrNameLst>
+                                      </p:cBhvr>
+                                      <p:tavLst>
+                                        <p:tav tm="0">
+                                          <p:val>
+                                            <p:strVal val="#ppt_y+.1"/>
+                                          </p:val>
+                                        </p:tav>
+                                        <p:tav tm="100000">
+                                          <p:val>
+                                            <p:strVal val="#ppt_y"/>
+                                          </p:val>
+                                        </p:tav>
+                                      </p:tavLst>
+                                    </p:anim>
+                                  </p:childTnLst>
+                                </p:cTn>
+                              </p:par>
+                            </p:childTnLst>
+                          </p:cTn>
+                        </p:par>
+                        <p:par>
+                          <p:cTn id="17" fill="hold">
+                            <p:stCondLst>
+                              <p:cond delay="1750"/>
+                            </p:stCondLst>
+                            <p:childTnLst>
+                              <p:par>
+                                <p:cTn id="18" presetID="42" presetClass="entr" presetSubtype="0" fill="hold" nodeType="afterEffect">
+                                  <p:stCondLst>
+                                    <p:cond delay="0"/>
+                                  </p:stCondLst>
+                                  <p:childTnLst>
+                                    <p:set>
+                                      <p:cBhvr>
+                                        <p:cTn id="19" dur="1" fill="hold">
+                                          <p:stCondLst>
+                                            <p:cond delay="0"/>
+                                          </p:stCondLst>
+                                        </p:cTn>
+                                        <p:tgtEl>
+                                          <p:spTgt spid="22"/>
+                                        </p:tgtEl>
+                                        <p:attrNameLst>
+                                          <p:attrName>style.visibility</p:attrName>
+                                        </p:attrNameLst>
+                                      </p:cBhvr>
+                                      <p:to>
+                                        <p:strVal val="visible"/>
+                                      </p:to>
+                                    </p:set>
+                                    <p:animEffect transition="in" filter="fade">
+                                      <p:cBhvr>
+                                        <p:cTn id="20" dur="750"/>
+                                        <p:tgtEl>
+                                          <p:spTgt spid="22"/>
+                                        </p:tgtEl>
+                                      </p:cBhvr>
+                                    </p:animEffect>
+                                    <p:anim calcmode="lin" valueType="num">
+                                      <p:cBhvr>
+                                        <p:cTn id="21" dur="750" fill="hold"/>
+                                        <p:tgtEl>
+                                          <p:spTgt spid="22"/>
+                                        </p:tgtEl>
+                                        <p:attrNameLst>
+                                          <p:attrName>ppt_x</p:attrName>
+                                        </p:attrNameLst>
+                                      </p:cBhvr>
+                                      <p:tavLst>
+                                        <p:tav tm="0">
+                                          <p:val>
+                                            <p:strVal val="#ppt_x"/>
+                                          </p:val>
+                                        </p:tav>
+                                        <p:tav tm="100000">
+                                          <p:val>
+                                            <p:strVal val="#ppt_x"/>
+                                          </p:val>
+                                        </p:tav>
+                                      </p:tavLst>
+                                    </p:anim>
+                                    <p:anim calcmode="lin" valueType="num">
+                                      <p:cBhvr>
+                                        <p:cTn id="22" dur="750" fill="hold"/>
+                                        <p:tgtEl>
+                                          <p:spTgt spid="22"/>
+                                        </p:tgtEl>
+                                        <p:attrNameLst>
+                                          <p:attrName>ppt_y</p:attrName>
+                                        </p:attrNameLst>
+                                      </p:cBhvr>
+                                      <p:tavLst>
+                                        <p:tav tm="0">
+                                          <p:val>
+                                            <p:strVal val="#ppt_y+.1"/>
+                                          </p:val>
+                                        </p:tav>
+                                        <p:tav tm="100000">
+                                          <p:val>
+                                            <p:strVal val="#ppt_y"/>
+                                          </p:val>
+                                        </p:tav>
+                                      </p:tavLst>
+                                    </p:anim>
+                                  </p:childTnLst>
+                                </p:cTn>
+                              </p:par>
+                            </p:childTnLst>
+                          </p:cTn>
+                        </p:par>
+                      </p:childTnLst>
+                    </p:cTn>
+                  </p:par>
+                </p:childTnLst>
+              </p:cTn>
+              <p:prevCondLst>
+                <p:cond evt="onPrev" delay="0">
+                  <p:tgtEl>
+                    <p:sldTgt/>
+                  </p:tgtEl>
+                </p:cond>
+              </p:prevCondLst>
+              <p:nextCondLst>
+                <p:cond evt="onNext" delay="0">
+                  <p:tgtEl>
+                    <p:sldTgt/>
+                  </p:tgtEl>
+                </p:cond>
+              </p:nextCondLst>
+            </p:seq>
+          </p:childTnLst>
+        </p:cTn>
+      </p:par>
+    </p:tnLst>
+  </p:timing>
+</p:sld>
+</file>
+
+<file path=ppt/slides/slide15.xml><?xml version="1.0" encoding="utf-8"?>
 <p:sld xmlns:a="http://schemas.openxmlformats.org/drawingml/2006/main" xmlns:r="http://schemas.openxmlformats.org/officeDocument/2006/relationships" xmlns:p="http://schemas.openxmlformats.org/presentationml/2006/main">
   <p:cSld>
     <p:spTree>
@@ -8272,7 +10037,3691 @@
 </p:sld>
 </file>
 
-<file path=ppt/slides/slide14.xml><?xml version="1.0" encoding="utf-8"?>
+<file path=ppt/slides/slide16.xml><?xml version="1.0" encoding="utf-8"?>
+<p:sld xmlns:a="http://schemas.openxmlformats.org/drawingml/2006/main" xmlns:r="http://schemas.openxmlformats.org/officeDocument/2006/relationships" xmlns:p="http://schemas.openxmlformats.org/presentationml/2006/main">
+  <p:cSld>
+    <p:spTree>
+      <p:nvGrpSpPr>
+        <p:cNvPr id="1" name=""/>
+        <p:cNvGrpSpPr/>
+        <p:nvPr/>
+      </p:nvGrpSpPr>
+      <p:grpSpPr>
+        <a:xfrm>
+          <a:off x="0" y="0"/>
+          <a:ext cx="0" cy="0"/>
+          <a:chOff x="0" y="0"/>
+          <a:chExt cx="0" cy="0"/>
+        </a:xfrm>
+      </p:grpSpPr>
+      <p:grpSp>
+        <p:nvGrpSpPr>
+          <p:cNvPr id="3" name="组合 2"/>
+          <p:cNvGrpSpPr/>
+          <p:nvPr/>
+        </p:nvGrpSpPr>
+        <p:grpSpPr>
+          <a:xfrm>
+            <a:off x="0" y="-11160"/>
+            <a:ext cx="12192000" cy="1346125"/>
+            <a:chOff x="-1" y="-41200"/>
+            <a:chExt cx="12192000" cy="1346125"/>
+          </a:xfrm>
+        </p:grpSpPr>
+        <p:sp>
+          <p:nvSpPr>
+            <p:cNvPr id="33" name="矩形 32"/>
+            <p:cNvSpPr/>
+            <p:nvPr/>
+          </p:nvSpPr>
+          <p:spPr>
+            <a:xfrm>
+              <a:off x="-1" y="-17718"/>
+              <a:ext cx="12192000" cy="1302345"/>
+            </a:xfrm>
+            <a:prstGeom prst="rect">
+              <a:avLst/>
+            </a:prstGeom>
+            <a:solidFill>
+              <a:schemeClr val="accent3">
+                <a:lumMod val="50000"/>
+              </a:schemeClr>
+            </a:solidFill>
+            <a:ln>
+              <a:noFill/>
+            </a:ln>
+          </p:spPr>
+          <p:style>
+            <a:lnRef idx="2">
+              <a:schemeClr val="accent1">
+                <a:shade val="50000"/>
+              </a:schemeClr>
+            </a:lnRef>
+            <a:fillRef idx="1">
+              <a:schemeClr val="accent1"/>
+            </a:fillRef>
+            <a:effectRef idx="0">
+              <a:schemeClr val="accent1"/>
+            </a:effectRef>
+            <a:fontRef idx="minor">
+              <a:schemeClr val="lt1"/>
+            </a:fontRef>
+          </p:style>
+          <p:txBody>
+            <a:bodyPr rtlCol="0" anchor="ctr"/>
+            <a:lstStyle/>
+            <a:p>
+              <a:pPr algn="ctr"/>
+              <a:endParaRPr lang="zh-CN" altLang="en-US"/>
+            </a:p>
+          </p:txBody>
+        </p:sp>
+        <p:sp>
+          <p:nvSpPr>
+            <p:cNvPr id="34" name="TextBox 12"/>
+            <p:cNvSpPr txBox="1"/>
+            <p:nvPr/>
+          </p:nvSpPr>
+          <p:spPr>
+            <a:xfrm>
+              <a:off x="5080348" y="377727"/>
+              <a:ext cx="2031325" cy="646331"/>
+            </a:xfrm>
+            <a:prstGeom prst="rect">
+              <a:avLst/>
+            </a:prstGeom>
+            <a:noFill/>
+          </p:spPr>
+          <p:txBody>
+            <a:bodyPr wrap="none" rtlCol="0">
+              <a:spAutoFit/>
+            </a:bodyPr>
+            <a:lstStyle/>
+            <a:p>
+              <a:pPr algn="ctr"/>
+              <a:r>
+                <a:rPr lang="zh-CN" altLang="en-US" sz="3600" b="1" dirty="0">
+                  <a:solidFill>
+                    <a:schemeClr val="bg1"/>
+                  </a:solidFill>
+                  <a:latin typeface="+mj-lt"/>
+                </a:rPr>
+                <a:t>成果展示</a:t>
+              </a:r>
+              <a:endParaRPr lang="en-US" sz="3600" b="1" dirty="0">
+                <a:solidFill>
+                  <a:schemeClr val="bg1"/>
+                </a:solidFill>
+                <a:latin typeface="+mj-lt"/>
+              </a:endParaRPr>
+            </a:p>
+          </p:txBody>
+        </p:sp>
+        <p:sp>
+          <p:nvSpPr>
+            <p:cNvPr id="64" name="直角三角形 63"/>
+            <p:cNvSpPr/>
+            <p:nvPr/>
+          </p:nvSpPr>
+          <p:spPr>
+            <a:xfrm rot="10800000">
+              <a:off x="10410100" y="-1"/>
+              <a:ext cx="1781899" cy="1302345"/>
+            </a:xfrm>
+            <a:prstGeom prst="rtTriangle">
+              <a:avLst/>
+            </a:prstGeom>
+            <a:gradFill flip="none" rotWithShape="1">
+              <a:gsLst>
+                <a:gs pos="0">
+                  <a:srgbClr val="6EA049">
+                    <a:alpha val="49000"/>
+                  </a:srgbClr>
+                </a:gs>
+                <a:gs pos="100000">
+                  <a:srgbClr val="525252">
+                    <a:alpha val="86000"/>
+                  </a:srgbClr>
+                </a:gs>
+              </a:gsLst>
+              <a:lin ang="0" scaled="1"/>
+              <a:tileRect/>
+            </a:gradFill>
+            <a:ln>
+              <a:noFill/>
+            </a:ln>
+          </p:spPr>
+          <p:style>
+            <a:lnRef idx="2">
+              <a:schemeClr val="accent1">
+                <a:shade val="50000"/>
+              </a:schemeClr>
+            </a:lnRef>
+            <a:fillRef idx="1">
+              <a:schemeClr val="accent1"/>
+            </a:fillRef>
+            <a:effectRef idx="0">
+              <a:schemeClr val="accent1"/>
+            </a:effectRef>
+            <a:fontRef idx="minor">
+              <a:schemeClr val="lt1"/>
+            </a:fontRef>
+          </p:style>
+          <p:txBody>
+            <a:bodyPr rtlCol="0" anchor="ctr"/>
+            <a:lstStyle/>
+            <a:p>
+              <a:pPr algn="ctr"/>
+              <a:endParaRPr lang="zh-CN" altLang="en-US"/>
+            </a:p>
+          </p:txBody>
+        </p:sp>
+        <p:sp>
+          <p:nvSpPr>
+            <p:cNvPr id="65" name="直角三角形 64"/>
+            <p:cNvSpPr/>
+            <p:nvPr/>
+          </p:nvSpPr>
+          <p:spPr>
+            <a:xfrm>
+              <a:off x="0" y="-41200"/>
+              <a:ext cx="1781908" cy="1346125"/>
+            </a:xfrm>
+            <a:prstGeom prst="rtTriangle">
+              <a:avLst/>
+            </a:prstGeom>
+            <a:gradFill flip="none" rotWithShape="1">
+              <a:gsLst>
+                <a:gs pos="0">
+                  <a:srgbClr val="6EA049">
+                    <a:alpha val="49000"/>
+                  </a:srgbClr>
+                </a:gs>
+                <a:gs pos="100000">
+                  <a:srgbClr val="525252">
+                    <a:alpha val="86000"/>
+                  </a:srgbClr>
+                </a:gs>
+              </a:gsLst>
+              <a:lin ang="0" scaled="1"/>
+              <a:tileRect/>
+            </a:gradFill>
+            <a:ln>
+              <a:noFill/>
+            </a:ln>
+          </p:spPr>
+          <p:style>
+            <a:lnRef idx="2">
+              <a:schemeClr val="accent1">
+                <a:shade val="50000"/>
+              </a:schemeClr>
+            </a:lnRef>
+            <a:fillRef idx="1">
+              <a:schemeClr val="accent1"/>
+            </a:fillRef>
+            <a:effectRef idx="0">
+              <a:schemeClr val="accent1"/>
+            </a:effectRef>
+            <a:fontRef idx="minor">
+              <a:schemeClr val="lt1"/>
+            </a:fontRef>
+          </p:style>
+          <p:txBody>
+            <a:bodyPr rtlCol="0" anchor="ctr"/>
+            <a:lstStyle/>
+            <a:p>
+              <a:pPr algn="ctr"/>
+              <a:endParaRPr lang="zh-CN" altLang="en-US"/>
+            </a:p>
+          </p:txBody>
+        </p:sp>
+      </p:grpSp>
+      <p:grpSp>
+        <p:nvGrpSpPr>
+          <p:cNvPr id="8" name="Group 9">
+            <a:extLst>
+              <a:ext uri="{FF2B5EF4-FFF2-40B4-BE49-F238E27FC236}">
+                <a16:creationId xmlns:a16="http://schemas.microsoft.com/office/drawing/2014/main" id="{C71B98D2-7B2E-4945-A03D-E5F128F68ADF}"/>
+              </a:ext>
+            </a:extLst>
+          </p:cNvPr>
+          <p:cNvGrpSpPr/>
+          <p:nvPr/>
+        </p:nvGrpSpPr>
+        <p:grpSpPr>
+          <a:xfrm>
+            <a:off x="527688" y="1520588"/>
+            <a:ext cx="1434277" cy="643791"/>
+            <a:chOff x="1593022" y="1409888"/>
+            <a:chExt cx="1558675" cy="737331"/>
+          </a:xfrm>
+          <a:solidFill>
+            <a:schemeClr val="tx1"/>
+          </a:solidFill>
+        </p:grpSpPr>
+        <p:sp>
+          <p:nvSpPr>
+            <p:cNvPr id="9" name="Pentagon 50">
+              <a:extLst>
+                <a:ext uri="{FF2B5EF4-FFF2-40B4-BE49-F238E27FC236}">
+                  <a16:creationId xmlns:a16="http://schemas.microsoft.com/office/drawing/2014/main" id="{FAEA19BD-73B9-46F6-93A3-1AE73DDF59DC}"/>
+                </a:ext>
+              </a:extLst>
+            </p:cNvPr>
+            <p:cNvSpPr/>
+            <p:nvPr/>
+          </p:nvSpPr>
+          <p:spPr>
+            <a:xfrm>
+              <a:off x="1679080" y="1409888"/>
+              <a:ext cx="776811" cy="316767"/>
+            </a:xfrm>
+            <a:prstGeom prst="homePlate">
+              <a:avLst>
+                <a:gd name="adj" fmla="val 25095"/>
+              </a:avLst>
+            </a:prstGeom>
+            <a:grpFill/>
+            <a:ln>
+              <a:noFill/>
+            </a:ln>
+          </p:spPr>
+          <p:style>
+            <a:lnRef idx="2">
+              <a:schemeClr val="accent1">
+                <a:shade val="50000"/>
+              </a:schemeClr>
+            </a:lnRef>
+            <a:fillRef idx="1">
+              <a:schemeClr val="accent1"/>
+            </a:fillRef>
+            <a:effectRef idx="0">
+              <a:schemeClr val="accent1"/>
+            </a:effectRef>
+            <a:fontRef idx="minor">
+              <a:schemeClr val="lt1"/>
+            </a:fontRef>
+          </p:style>
+          <p:txBody>
+            <a:bodyPr rtlCol="0" anchor="ctr"/>
+            <a:lstStyle/>
+            <a:p>
+              <a:pPr algn="ctr"/>
+              <a:endParaRPr lang="en-US" sz="1200"/>
+            </a:p>
+          </p:txBody>
+        </p:sp>
+        <p:grpSp>
+          <p:nvGrpSpPr>
+            <p:cNvPr id="10" name="Group 51">
+              <a:extLst>
+                <a:ext uri="{FF2B5EF4-FFF2-40B4-BE49-F238E27FC236}">
+                  <a16:creationId xmlns:a16="http://schemas.microsoft.com/office/drawing/2014/main" id="{9CA0C706-D125-4A1D-95BA-253A4670E2FE}"/>
+                </a:ext>
+              </a:extLst>
+            </p:cNvPr>
+            <p:cNvGrpSpPr/>
+            <p:nvPr/>
+          </p:nvGrpSpPr>
+          <p:grpSpPr>
+            <a:xfrm>
+              <a:off x="1593022" y="1409889"/>
+              <a:ext cx="1558675" cy="737330"/>
+              <a:chOff x="1654906" y="1478227"/>
+              <a:chExt cx="1654160" cy="832739"/>
+            </a:xfrm>
+            <a:grpFill/>
+          </p:grpSpPr>
+          <p:sp>
+            <p:nvSpPr>
+              <p:cNvPr id="11" name="Pentagon 52">
+                <a:extLst>
+                  <a:ext uri="{FF2B5EF4-FFF2-40B4-BE49-F238E27FC236}">
+                    <a16:creationId xmlns:a16="http://schemas.microsoft.com/office/drawing/2014/main" id="{64867B1F-0D9F-4436-849F-6921E2C52F75}"/>
+                  </a:ext>
+                </a:extLst>
+              </p:cNvPr>
+              <p:cNvSpPr/>
+              <p:nvPr/>
+            </p:nvSpPr>
+            <p:spPr>
+              <a:xfrm>
+                <a:off x="1654906" y="1478227"/>
+                <a:ext cx="1654160" cy="832739"/>
+              </a:xfrm>
+              <a:prstGeom prst="homePlate">
+                <a:avLst>
+                  <a:gd name="adj" fmla="val 25095"/>
+                </a:avLst>
+              </a:prstGeom>
+              <a:grpFill/>
+              <a:ln>
+                <a:noFill/>
+              </a:ln>
+            </p:spPr>
+            <p:style>
+              <a:lnRef idx="2">
+                <a:schemeClr val="accent1">
+                  <a:shade val="50000"/>
+                </a:schemeClr>
+              </a:lnRef>
+              <a:fillRef idx="1">
+                <a:schemeClr val="accent1"/>
+              </a:fillRef>
+              <a:effectRef idx="0">
+                <a:schemeClr val="accent1"/>
+              </a:effectRef>
+              <a:fontRef idx="minor">
+                <a:schemeClr val="lt1"/>
+              </a:fontRef>
+            </p:style>
+            <p:txBody>
+              <a:bodyPr rtlCol="0" anchor="ctr"/>
+              <a:lstStyle/>
+              <a:p>
+                <a:pPr algn="ctr"/>
+                <a:endParaRPr lang="en-US" sz="1200"/>
+              </a:p>
+            </p:txBody>
+          </p:sp>
+          <p:sp>
+            <p:nvSpPr>
+              <p:cNvPr id="12" name="Subtitle 2">
+                <a:extLst>
+                  <a:ext uri="{FF2B5EF4-FFF2-40B4-BE49-F238E27FC236}">
+                    <a16:creationId xmlns:a16="http://schemas.microsoft.com/office/drawing/2014/main" id="{8D931CD1-AB19-47B7-ADC4-CB2BC2667B5D}"/>
+                  </a:ext>
+                </a:extLst>
+              </p:cNvPr>
+              <p:cNvSpPr txBox="1">
+                <a:spLocks/>
+              </p:cNvSpPr>
+              <p:nvPr/>
+            </p:nvSpPr>
+            <p:spPr>
+              <a:xfrm>
+                <a:off x="1746236" y="1586315"/>
+                <a:ext cx="1373386" cy="699027"/>
+              </a:xfrm>
+              <a:prstGeom prst="rect">
+                <a:avLst/>
+              </a:prstGeom>
+              <a:grpFill/>
+            </p:spPr>
+            <p:txBody>
+              <a:bodyPr vert="horz" lIns="91440" tIns="45720" rIns="91440" bIns="45720" rtlCol="0">
+                <a:noAutofit/>
+              </a:bodyPr>
+              <a:lstStyle>
+                <a:lvl1pPr marL="342900" indent="-342900" algn="l" defTabSz="914400" rtl="0" eaLnBrk="1" latinLnBrk="0" hangingPunct="1">
+                  <a:spcBef>
+                    <a:spcPct val="20000"/>
+                  </a:spcBef>
+                  <a:buFont typeface="Arial" pitchFamily="34" charset="0"/>
+                  <a:buChar char="•"/>
+                  <a:defRPr sz="3200" kern="1200">
+                    <a:solidFill>
+                      <a:schemeClr val="tx1"/>
+                    </a:solidFill>
+                    <a:latin typeface="+mn-lt"/>
+                    <a:ea typeface="+mn-ea"/>
+                    <a:cs typeface="+mn-cs"/>
+                  </a:defRPr>
+                </a:lvl1pPr>
+                <a:lvl2pPr marL="742950" indent="-285750" algn="l" defTabSz="914400" rtl="0" eaLnBrk="1" latinLnBrk="0" hangingPunct="1">
+                  <a:spcBef>
+                    <a:spcPct val="20000"/>
+                  </a:spcBef>
+                  <a:buFont typeface="Arial" pitchFamily="34" charset="0"/>
+                  <a:buChar char="–"/>
+                  <a:defRPr sz="2800" kern="1200">
+                    <a:solidFill>
+                      <a:schemeClr val="tx1"/>
+                    </a:solidFill>
+                    <a:latin typeface="+mn-lt"/>
+                    <a:ea typeface="+mn-ea"/>
+                    <a:cs typeface="+mn-cs"/>
+                  </a:defRPr>
+                </a:lvl2pPr>
+                <a:lvl3pPr marL="1143000" indent="-228600" algn="l" defTabSz="914400" rtl="0" eaLnBrk="1" latinLnBrk="0" hangingPunct="1">
+                  <a:spcBef>
+                    <a:spcPct val="20000"/>
+                  </a:spcBef>
+                  <a:buFont typeface="Arial" pitchFamily="34" charset="0"/>
+                  <a:buChar char="•"/>
+                  <a:defRPr sz="2400" kern="1200">
+                    <a:solidFill>
+                      <a:schemeClr val="tx1"/>
+                    </a:solidFill>
+                    <a:latin typeface="+mn-lt"/>
+                    <a:ea typeface="+mn-ea"/>
+                    <a:cs typeface="+mn-cs"/>
+                  </a:defRPr>
+                </a:lvl3pPr>
+                <a:lvl4pPr marL="1600200" indent="-228600" algn="l" defTabSz="914400" rtl="0" eaLnBrk="1" latinLnBrk="0" hangingPunct="1">
+                  <a:spcBef>
+                    <a:spcPct val="20000"/>
+                  </a:spcBef>
+                  <a:buFont typeface="Arial" pitchFamily="34" charset="0"/>
+                  <a:buChar char="–"/>
+                  <a:defRPr sz="2000" kern="1200">
+                    <a:solidFill>
+                      <a:schemeClr val="tx1"/>
+                    </a:solidFill>
+                    <a:latin typeface="+mn-lt"/>
+                    <a:ea typeface="+mn-ea"/>
+                    <a:cs typeface="+mn-cs"/>
+                  </a:defRPr>
+                </a:lvl4pPr>
+                <a:lvl5pPr marL="2057400" indent="-228600" algn="l" defTabSz="914400" rtl="0" eaLnBrk="1" latinLnBrk="0" hangingPunct="1">
+                  <a:spcBef>
+                    <a:spcPct val="20000"/>
+                  </a:spcBef>
+                  <a:buFont typeface="Arial" pitchFamily="34" charset="0"/>
+                  <a:buChar char="»"/>
+                  <a:defRPr sz="2000" kern="1200">
+                    <a:solidFill>
+                      <a:schemeClr val="tx1"/>
+                    </a:solidFill>
+                    <a:latin typeface="+mn-lt"/>
+                    <a:ea typeface="+mn-ea"/>
+                    <a:cs typeface="+mn-cs"/>
+                  </a:defRPr>
+                </a:lvl5pPr>
+                <a:lvl6pPr marL="2514600" indent="-228600" algn="l" defTabSz="914400" rtl="0" eaLnBrk="1" latinLnBrk="0" hangingPunct="1">
+                  <a:spcBef>
+                    <a:spcPct val="20000"/>
+                  </a:spcBef>
+                  <a:buFont typeface="Arial" pitchFamily="34" charset="0"/>
+                  <a:buChar char="•"/>
+                  <a:defRPr sz="2000" kern="1200">
+                    <a:solidFill>
+                      <a:schemeClr val="tx1"/>
+                    </a:solidFill>
+                    <a:latin typeface="+mn-lt"/>
+                    <a:ea typeface="+mn-ea"/>
+                    <a:cs typeface="+mn-cs"/>
+                  </a:defRPr>
+                </a:lvl6pPr>
+                <a:lvl7pPr marL="2971800" indent="-228600" algn="l" defTabSz="914400" rtl="0" eaLnBrk="1" latinLnBrk="0" hangingPunct="1">
+                  <a:spcBef>
+                    <a:spcPct val="20000"/>
+                  </a:spcBef>
+                  <a:buFont typeface="Arial" pitchFamily="34" charset="0"/>
+                  <a:buChar char="•"/>
+                  <a:defRPr sz="2000" kern="1200">
+                    <a:solidFill>
+                      <a:schemeClr val="tx1"/>
+                    </a:solidFill>
+                    <a:latin typeface="+mn-lt"/>
+                    <a:ea typeface="+mn-ea"/>
+                    <a:cs typeface="+mn-cs"/>
+                  </a:defRPr>
+                </a:lvl7pPr>
+                <a:lvl8pPr marL="3429000" indent="-228600" algn="l" defTabSz="914400" rtl="0" eaLnBrk="1" latinLnBrk="0" hangingPunct="1">
+                  <a:spcBef>
+                    <a:spcPct val="20000"/>
+                  </a:spcBef>
+                  <a:buFont typeface="Arial" pitchFamily="34" charset="0"/>
+                  <a:buChar char="•"/>
+                  <a:defRPr sz="2000" kern="1200">
+                    <a:solidFill>
+                      <a:schemeClr val="tx1"/>
+                    </a:solidFill>
+                    <a:latin typeface="+mn-lt"/>
+                    <a:ea typeface="+mn-ea"/>
+                    <a:cs typeface="+mn-cs"/>
+                  </a:defRPr>
+                </a:lvl8pPr>
+                <a:lvl9pPr marL="3886200" indent="-228600" algn="l" defTabSz="914400" rtl="0" eaLnBrk="1" latinLnBrk="0" hangingPunct="1">
+                  <a:spcBef>
+                    <a:spcPct val="20000"/>
+                  </a:spcBef>
+                  <a:buFont typeface="Arial" pitchFamily="34" charset="0"/>
+                  <a:buChar char="•"/>
+                  <a:defRPr sz="2000" kern="1200">
+                    <a:solidFill>
+                      <a:schemeClr val="tx1"/>
+                    </a:solidFill>
+                    <a:latin typeface="+mn-lt"/>
+                    <a:ea typeface="+mn-ea"/>
+                    <a:cs typeface="+mn-cs"/>
+                  </a:defRPr>
+                </a:lvl9pPr>
+              </a:lstStyle>
+              <a:p>
+                <a:pPr marL="0" indent="0">
+                  <a:buNone/>
+                </a:pPr>
+                <a:r>
+                  <a:rPr lang="zh-CN" altLang="en-US" sz="2000" b="1" spc="100" dirty="0">
+                    <a:solidFill>
+                      <a:schemeClr val="bg1"/>
+                    </a:solidFill>
+                    <a:latin typeface="Signika Negative" pitchFamily="2" charset="0"/>
+                    <a:ea typeface="Franchise" pitchFamily="49" charset="0"/>
+                  </a:rPr>
+                  <a:t>主界面</a:t>
+                </a:r>
+                <a:endParaRPr lang="en-US" sz="2000" b="1" spc="100" dirty="0">
+                  <a:solidFill>
+                    <a:schemeClr val="bg1"/>
+                  </a:solidFill>
+                  <a:latin typeface="Signika Negative" pitchFamily="2" charset="0"/>
+                  <a:ea typeface="Franchise" pitchFamily="49" charset="0"/>
+                </a:endParaRPr>
+              </a:p>
+            </p:txBody>
+          </p:sp>
+        </p:grpSp>
+      </p:grpSp>
+      <p:pic>
+        <p:nvPicPr>
+          <p:cNvPr id="4" name="图片 3">
+            <a:extLst>
+              <a:ext uri="{FF2B5EF4-FFF2-40B4-BE49-F238E27FC236}">
+                <a16:creationId xmlns:a16="http://schemas.microsoft.com/office/drawing/2014/main" id="{86B7FB69-81A1-4D50-B36A-DA4CC45FBA42}"/>
+              </a:ext>
+            </a:extLst>
+          </p:cNvPr>
+          <p:cNvPicPr>
+            <a:picLocks noChangeAspect="1"/>
+          </p:cNvPicPr>
+          <p:nvPr/>
+        </p:nvPicPr>
+        <p:blipFill>
+          <a:blip r:embed="rId2"/>
+          <a:stretch>
+            <a:fillRect/>
+          </a:stretch>
+        </p:blipFill>
+        <p:spPr>
+          <a:xfrm>
+            <a:off x="2370338" y="1441854"/>
+            <a:ext cx="7665855" cy="5238736"/>
+          </a:xfrm>
+          <a:prstGeom prst="rect">
+            <a:avLst/>
+          </a:prstGeom>
+        </p:spPr>
+      </p:pic>
+    </p:spTree>
+    <p:extLst>
+      <p:ext uri="{BB962C8B-B14F-4D97-AF65-F5344CB8AC3E}">
+        <p14:creationId xmlns:p14="http://schemas.microsoft.com/office/powerpoint/2010/main" val="4131986171"/>
+      </p:ext>
+    </p:extLst>
+  </p:cSld>
+  <p:clrMapOvr>
+    <a:masterClrMapping/>
+  </p:clrMapOvr>
+  <mc:AlternateContent xmlns:mc="http://schemas.openxmlformats.org/markup-compatibility/2006" xmlns:p14="http://schemas.microsoft.com/office/powerpoint/2010/main">
+    <mc:Choice Requires="p14">
+      <p:transition spd="slow" p14:dur="1400">
+        <p14:reveal/>
+      </p:transition>
+    </mc:Choice>
+    <mc:Fallback xmlns="">
+      <p:transition spd="slow">
+        <p:fade/>
+      </p:transition>
+    </mc:Fallback>
+  </mc:AlternateContent>
+  <p:timing>
+    <p:tnLst>
+      <p:par>
+        <p:cTn id="1" dur="indefinite" restart="never" nodeType="tmRoot">
+          <p:childTnLst>
+            <p:seq concurrent="1" nextAc="seek">
+              <p:cTn id="2" dur="indefinite" nodeType="mainSeq">
+                <p:childTnLst>
+                  <p:par>
+                    <p:cTn id="3" fill="hold">
+                      <p:stCondLst>
+                        <p:cond delay="indefinite"/>
+                        <p:cond evt="onBegin" delay="0">
+                          <p:tn val="2"/>
+                        </p:cond>
+                      </p:stCondLst>
+                      <p:childTnLst>
+                        <p:par>
+                          <p:cTn id="4" fill="hold">
+                            <p:stCondLst>
+                              <p:cond delay="0"/>
+                            </p:stCondLst>
+                            <p:childTnLst>
+                              <p:par>
+                                <p:cTn id="5" presetID="42" presetClass="entr" presetSubtype="0" fill="hold" nodeType="afterEffect">
+                                  <p:stCondLst>
+                                    <p:cond delay="0"/>
+                                  </p:stCondLst>
+                                  <p:childTnLst>
+                                    <p:set>
+                                      <p:cBhvr>
+                                        <p:cTn id="6" dur="1" fill="hold">
+                                          <p:stCondLst>
+                                            <p:cond delay="0"/>
+                                          </p:stCondLst>
+                                        </p:cTn>
+                                        <p:tgtEl>
+                                          <p:spTgt spid="8"/>
+                                        </p:tgtEl>
+                                        <p:attrNameLst>
+                                          <p:attrName>style.visibility</p:attrName>
+                                        </p:attrNameLst>
+                                      </p:cBhvr>
+                                      <p:to>
+                                        <p:strVal val="visible"/>
+                                      </p:to>
+                                    </p:set>
+                                    <p:animEffect transition="in" filter="fade">
+                                      <p:cBhvr>
+                                        <p:cTn id="7" dur="750"/>
+                                        <p:tgtEl>
+                                          <p:spTgt spid="8"/>
+                                        </p:tgtEl>
+                                      </p:cBhvr>
+                                    </p:animEffect>
+                                    <p:anim calcmode="lin" valueType="num">
+                                      <p:cBhvr>
+                                        <p:cTn id="8" dur="750" fill="hold"/>
+                                        <p:tgtEl>
+                                          <p:spTgt spid="8"/>
+                                        </p:tgtEl>
+                                        <p:attrNameLst>
+                                          <p:attrName>ppt_x</p:attrName>
+                                        </p:attrNameLst>
+                                      </p:cBhvr>
+                                      <p:tavLst>
+                                        <p:tav tm="0">
+                                          <p:val>
+                                            <p:strVal val="#ppt_x"/>
+                                          </p:val>
+                                        </p:tav>
+                                        <p:tav tm="100000">
+                                          <p:val>
+                                            <p:strVal val="#ppt_x"/>
+                                          </p:val>
+                                        </p:tav>
+                                      </p:tavLst>
+                                    </p:anim>
+                                    <p:anim calcmode="lin" valueType="num">
+                                      <p:cBhvr>
+                                        <p:cTn id="9" dur="750" fill="hold"/>
+                                        <p:tgtEl>
+                                          <p:spTgt spid="8"/>
+                                        </p:tgtEl>
+                                        <p:attrNameLst>
+                                          <p:attrName>ppt_y</p:attrName>
+                                        </p:attrNameLst>
+                                      </p:cBhvr>
+                                      <p:tavLst>
+                                        <p:tav tm="0">
+                                          <p:val>
+                                            <p:strVal val="#ppt_y+.1"/>
+                                          </p:val>
+                                        </p:tav>
+                                        <p:tav tm="100000">
+                                          <p:val>
+                                            <p:strVal val="#ppt_y"/>
+                                          </p:val>
+                                        </p:tav>
+                                      </p:tavLst>
+                                    </p:anim>
+                                  </p:childTnLst>
+                                </p:cTn>
+                              </p:par>
+                            </p:childTnLst>
+                          </p:cTn>
+                        </p:par>
+                      </p:childTnLst>
+                    </p:cTn>
+                  </p:par>
+                </p:childTnLst>
+              </p:cTn>
+              <p:prevCondLst>
+                <p:cond evt="onPrev" delay="0">
+                  <p:tgtEl>
+                    <p:sldTgt/>
+                  </p:tgtEl>
+                </p:cond>
+              </p:prevCondLst>
+              <p:nextCondLst>
+                <p:cond evt="onNext" delay="0">
+                  <p:tgtEl>
+                    <p:sldTgt/>
+                  </p:tgtEl>
+                </p:cond>
+              </p:nextCondLst>
+            </p:seq>
+          </p:childTnLst>
+        </p:cTn>
+      </p:par>
+    </p:tnLst>
+  </p:timing>
+</p:sld>
+</file>
+
+<file path=ppt/slides/slide17.xml><?xml version="1.0" encoding="utf-8"?>
+<p:sld xmlns:a="http://schemas.openxmlformats.org/drawingml/2006/main" xmlns:r="http://schemas.openxmlformats.org/officeDocument/2006/relationships" xmlns:p="http://schemas.openxmlformats.org/presentationml/2006/main">
+  <p:cSld>
+    <p:spTree>
+      <p:nvGrpSpPr>
+        <p:cNvPr id="1" name=""/>
+        <p:cNvGrpSpPr/>
+        <p:nvPr/>
+      </p:nvGrpSpPr>
+      <p:grpSpPr>
+        <a:xfrm>
+          <a:off x="0" y="0"/>
+          <a:ext cx="0" cy="0"/>
+          <a:chOff x="0" y="0"/>
+          <a:chExt cx="0" cy="0"/>
+        </a:xfrm>
+      </p:grpSpPr>
+      <p:grpSp>
+        <p:nvGrpSpPr>
+          <p:cNvPr id="3" name="组合 2"/>
+          <p:cNvGrpSpPr/>
+          <p:nvPr/>
+        </p:nvGrpSpPr>
+        <p:grpSpPr>
+          <a:xfrm>
+            <a:off x="0" y="-11160"/>
+            <a:ext cx="12192000" cy="1346125"/>
+            <a:chOff x="-1" y="-41200"/>
+            <a:chExt cx="12192000" cy="1346125"/>
+          </a:xfrm>
+        </p:grpSpPr>
+        <p:sp>
+          <p:nvSpPr>
+            <p:cNvPr id="33" name="矩形 32"/>
+            <p:cNvSpPr/>
+            <p:nvPr/>
+          </p:nvSpPr>
+          <p:spPr>
+            <a:xfrm>
+              <a:off x="-1" y="-17718"/>
+              <a:ext cx="12192000" cy="1302345"/>
+            </a:xfrm>
+            <a:prstGeom prst="rect">
+              <a:avLst/>
+            </a:prstGeom>
+            <a:solidFill>
+              <a:schemeClr val="accent3">
+                <a:lumMod val="50000"/>
+              </a:schemeClr>
+            </a:solidFill>
+            <a:ln>
+              <a:noFill/>
+            </a:ln>
+          </p:spPr>
+          <p:style>
+            <a:lnRef idx="2">
+              <a:schemeClr val="accent1">
+                <a:shade val="50000"/>
+              </a:schemeClr>
+            </a:lnRef>
+            <a:fillRef idx="1">
+              <a:schemeClr val="accent1"/>
+            </a:fillRef>
+            <a:effectRef idx="0">
+              <a:schemeClr val="accent1"/>
+            </a:effectRef>
+            <a:fontRef idx="minor">
+              <a:schemeClr val="lt1"/>
+            </a:fontRef>
+          </p:style>
+          <p:txBody>
+            <a:bodyPr rtlCol="0" anchor="ctr"/>
+            <a:lstStyle/>
+            <a:p>
+              <a:pPr algn="ctr"/>
+              <a:endParaRPr lang="zh-CN" altLang="en-US"/>
+            </a:p>
+          </p:txBody>
+        </p:sp>
+        <p:sp>
+          <p:nvSpPr>
+            <p:cNvPr id="34" name="TextBox 12"/>
+            <p:cNvSpPr txBox="1"/>
+            <p:nvPr/>
+          </p:nvSpPr>
+          <p:spPr>
+            <a:xfrm>
+              <a:off x="5080348" y="377727"/>
+              <a:ext cx="2031325" cy="646331"/>
+            </a:xfrm>
+            <a:prstGeom prst="rect">
+              <a:avLst/>
+            </a:prstGeom>
+            <a:noFill/>
+          </p:spPr>
+          <p:txBody>
+            <a:bodyPr wrap="none" rtlCol="0">
+              <a:spAutoFit/>
+            </a:bodyPr>
+            <a:lstStyle/>
+            <a:p>
+              <a:pPr algn="ctr"/>
+              <a:r>
+                <a:rPr lang="zh-CN" altLang="en-US" sz="3600" b="1" dirty="0">
+                  <a:solidFill>
+                    <a:schemeClr val="bg1"/>
+                  </a:solidFill>
+                  <a:latin typeface="+mj-lt"/>
+                </a:rPr>
+                <a:t>成果展示</a:t>
+              </a:r>
+              <a:endParaRPr lang="en-US" sz="3600" b="1" dirty="0">
+                <a:solidFill>
+                  <a:schemeClr val="bg1"/>
+                </a:solidFill>
+                <a:latin typeface="+mj-lt"/>
+              </a:endParaRPr>
+            </a:p>
+          </p:txBody>
+        </p:sp>
+        <p:sp>
+          <p:nvSpPr>
+            <p:cNvPr id="64" name="直角三角形 63"/>
+            <p:cNvSpPr/>
+            <p:nvPr/>
+          </p:nvSpPr>
+          <p:spPr>
+            <a:xfrm rot="10800000">
+              <a:off x="10410100" y="-1"/>
+              <a:ext cx="1781899" cy="1302345"/>
+            </a:xfrm>
+            <a:prstGeom prst="rtTriangle">
+              <a:avLst/>
+            </a:prstGeom>
+            <a:gradFill flip="none" rotWithShape="1">
+              <a:gsLst>
+                <a:gs pos="0">
+                  <a:srgbClr val="6EA049">
+                    <a:alpha val="49000"/>
+                  </a:srgbClr>
+                </a:gs>
+                <a:gs pos="100000">
+                  <a:srgbClr val="525252">
+                    <a:alpha val="86000"/>
+                  </a:srgbClr>
+                </a:gs>
+              </a:gsLst>
+              <a:lin ang="0" scaled="1"/>
+              <a:tileRect/>
+            </a:gradFill>
+            <a:ln>
+              <a:noFill/>
+            </a:ln>
+          </p:spPr>
+          <p:style>
+            <a:lnRef idx="2">
+              <a:schemeClr val="accent1">
+                <a:shade val="50000"/>
+              </a:schemeClr>
+            </a:lnRef>
+            <a:fillRef idx="1">
+              <a:schemeClr val="accent1"/>
+            </a:fillRef>
+            <a:effectRef idx="0">
+              <a:schemeClr val="accent1"/>
+            </a:effectRef>
+            <a:fontRef idx="minor">
+              <a:schemeClr val="lt1"/>
+            </a:fontRef>
+          </p:style>
+          <p:txBody>
+            <a:bodyPr rtlCol="0" anchor="ctr"/>
+            <a:lstStyle/>
+            <a:p>
+              <a:pPr algn="ctr"/>
+              <a:endParaRPr lang="zh-CN" altLang="en-US"/>
+            </a:p>
+          </p:txBody>
+        </p:sp>
+        <p:sp>
+          <p:nvSpPr>
+            <p:cNvPr id="65" name="直角三角形 64"/>
+            <p:cNvSpPr/>
+            <p:nvPr/>
+          </p:nvSpPr>
+          <p:spPr>
+            <a:xfrm>
+              <a:off x="0" y="-41200"/>
+              <a:ext cx="1781908" cy="1346125"/>
+            </a:xfrm>
+            <a:prstGeom prst="rtTriangle">
+              <a:avLst/>
+            </a:prstGeom>
+            <a:gradFill flip="none" rotWithShape="1">
+              <a:gsLst>
+                <a:gs pos="0">
+                  <a:srgbClr val="6EA049">
+                    <a:alpha val="49000"/>
+                  </a:srgbClr>
+                </a:gs>
+                <a:gs pos="100000">
+                  <a:srgbClr val="525252">
+                    <a:alpha val="86000"/>
+                  </a:srgbClr>
+                </a:gs>
+              </a:gsLst>
+              <a:lin ang="0" scaled="1"/>
+              <a:tileRect/>
+            </a:gradFill>
+            <a:ln>
+              <a:noFill/>
+            </a:ln>
+          </p:spPr>
+          <p:style>
+            <a:lnRef idx="2">
+              <a:schemeClr val="accent1">
+                <a:shade val="50000"/>
+              </a:schemeClr>
+            </a:lnRef>
+            <a:fillRef idx="1">
+              <a:schemeClr val="accent1"/>
+            </a:fillRef>
+            <a:effectRef idx="0">
+              <a:schemeClr val="accent1"/>
+            </a:effectRef>
+            <a:fontRef idx="minor">
+              <a:schemeClr val="lt1"/>
+            </a:fontRef>
+          </p:style>
+          <p:txBody>
+            <a:bodyPr rtlCol="0" anchor="ctr"/>
+            <a:lstStyle/>
+            <a:p>
+              <a:pPr algn="ctr"/>
+              <a:endParaRPr lang="zh-CN" altLang="en-US"/>
+            </a:p>
+          </p:txBody>
+        </p:sp>
+      </p:grpSp>
+      <p:grpSp>
+        <p:nvGrpSpPr>
+          <p:cNvPr id="7" name="Group 9">
+            <a:extLst>
+              <a:ext uri="{FF2B5EF4-FFF2-40B4-BE49-F238E27FC236}">
+                <a16:creationId xmlns:a16="http://schemas.microsoft.com/office/drawing/2014/main" id="{5CCCF405-5409-4C5C-ABB5-F18403ECF4B2}"/>
+              </a:ext>
+            </a:extLst>
+          </p:cNvPr>
+          <p:cNvGrpSpPr/>
+          <p:nvPr/>
+        </p:nvGrpSpPr>
+        <p:grpSpPr>
+          <a:xfrm>
+            <a:off x="509932" y="1663406"/>
+            <a:ext cx="2082348" cy="1302345"/>
+            <a:chOff x="1593022" y="1409888"/>
+            <a:chExt cx="1558675" cy="737331"/>
+          </a:xfrm>
+          <a:solidFill>
+            <a:schemeClr val="tx1"/>
+          </a:solidFill>
+        </p:grpSpPr>
+        <p:sp>
+          <p:nvSpPr>
+            <p:cNvPr id="8" name="Pentagon 50">
+              <a:extLst>
+                <a:ext uri="{FF2B5EF4-FFF2-40B4-BE49-F238E27FC236}">
+                  <a16:creationId xmlns:a16="http://schemas.microsoft.com/office/drawing/2014/main" id="{237228AD-76D7-4CEA-B707-D5FAC6CBD60B}"/>
+                </a:ext>
+              </a:extLst>
+            </p:cNvPr>
+            <p:cNvSpPr/>
+            <p:nvPr/>
+          </p:nvSpPr>
+          <p:spPr>
+            <a:xfrm>
+              <a:off x="1679080" y="1409888"/>
+              <a:ext cx="776811" cy="316767"/>
+            </a:xfrm>
+            <a:prstGeom prst="homePlate">
+              <a:avLst>
+                <a:gd name="adj" fmla="val 25095"/>
+              </a:avLst>
+            </a:prstGeom>
+            <a:grpFill/>
+            <a:ln>
+              <a:noFill/>
+            </a:ln>
+          </p:spPr>
+          <p:style>
+            <a:lnRef idx="2">
+              <a:schemeClr val="accent1">
+                <a:shade val="50000"/>
+              </a:schemeClr>
+            </a:lnRef>
+            <a:fillRef idx="1">
+              <a:schemeClr val="accent1"/>
+            </a:fillRef>
+            <a:effectRef idx="0">
+              <a:schemeClr val="accent1"/>
+            </a:effectRef>
+            <a:fontRef idx="minor">
+              <a:schemeClr val="lt1"/>
+            </a:fontRef>
+          </p:style>
+          <p:txBody>
+            <a:bodyPr rtlCol="0" anchor="ctr"/>
+            <a:lstStyle/>
+            <a:p>
+              <a:pPr algn="ctr"/>
+              <a:endParaRPr lang="en-US" sz="1200"/>
+            </a:p>
+          </p:txBody>
+        </p:sp>
+        <p:grpSp>
+          <p:nvGrpSpPr>
+            <p:cNvPr id="9" name="Group 51">
+              <a:extLst>
+                <a:ext uri="{FF2B5EF4-FFF2-40B4-BE49-F238E27FC236}">
+                  <a16:creationId xmlns:a16="http://schemas.microsoft.com/office/drawing/2014/main" id="{70209E20-6C0F-4FDC-8534-890ADDB01EF4}"/>
+                </a:ext>
+              </a:extLst>
+            </p:cNvPr>
+            <p:cNvGrpSpPr/>
+            <p:nvPr/>
+          </p:nvGrpSpPr>
+          <p:grpSpPr>
+            <a:xfrm>
+              <a:off x="1593022" y="1409889"/>
+              <a:ext cx="1558675" cy="737330"/>
+              <a:chOff x="1654906" y="1478227"/>
+              <a:chExt cx="1654160" cy="832739"/>
+            </a:xfrm>
+            <a:grpFill/>
+          </p:grpSpPr>
+          <p:sp>
+            <p:nvSpPr>
+              <p:cNvPr id="10" name="Pentagon 52">
+                <a:extLst>
+                  <a:ext uri="{FF2B5EF4-FFF2-40B4-BE49-F238E27FC236}">
+                    <a16:creationId xmlns:a16="http://schemas.microsoft.com/office/drawing/2014/main" id="{4D459B4C-9269-4D68-878A-FEBAF0D19DB4}"/>
+                  </a:ext>
+                </a:extLst>
+              </p:cNvPr>
+              <p:cNvSpPr/>
+              <p:nvPr/>
+            </p:nvSpPr>
+            <p:spPr>
+              <a:xfrm>
+                <a:off x="1654906" y="1478227"/>
+                <a:ext cx="1654160" cy="832739"/>
+              </a:xfrm>
+              <a:prstGeom prst="homePlate">
+                <a:avLst>
+                  <a:gd name="adj" fmla="val 25095"/>
+                </a:avLst>
+              </a:prstGeom>
+              <a:grpFill/>
+              <a:ln>
+                <a:noFill/>
+              </a:ln>
+            </p:spPr>
+            <p:style>
+              <a:lnRef idx="2">
+                <a:schemeClr val="accent1">
+                  <a:shade val="50000"/>
+                </a:schemeClr>
+              </a:lnRef>
+              <a:fillRef idx="1">
+                <a:schemeClr val="accent1"/>
+              </a:fillRef>
+              <a:effectRef idx="0">
+                <a:schemeClr val="accent1"/>
+              </a:effectRef>
+              <a:fontRef idx="minor">
+                <a:schemeClr val="lt1"/>
+              </a:fontRef>
+            </p:style>
+            <p:txBody>
+              <a:bodyPr rtlCol="0" anchor="ctr"/>
+              <a:lstStyle/>
+              <a:p>
+                <a:pPr algn="ctr"/>
+                <a:endParaRPr lang="en-US" sz="1200"/>
+              </a:p>
+            </p:txBody>
+          </p:sp>
+          <p:sp>
+            <p:nvSpPr>
+              <p:cNvPr id="11" name="Subtitle 2">
+                <a:extLst>
+                  <a:ext uri="{FF2B5EF4-FFF2-40B4-BE49-F238E27FC236}">
+                    <a16:creationId xmlns:a16="http://schemas.microsoft.com/office/drawing/2014/main" id="{991E5178-0107-47B6-931B-141FD76FF48D}"/>
+                  </a:ext>
+                </a:extLst>
+              </p:cNvPr>
+              <p:cNvSpPr txBox="1">
+                <a:spLocks/>
+              </p:cNvSpPr>
+              <p:nvPr/>
+            </p:nvSpPr>
+            <p:spPr>
+              <a:xfrm>
+                <a:off x="1746237" y="1586315"/>
+                <a:ext cx="1209668" cy="623486"/>
+              </a:xfrm>
+              <a:prstGeom prst="rect">
+                <a:avLst/>
+              </a:prstGeom>
+              <a:grpFill/>
+            </p:spPr>
+            <p:txBody>
+              <a:bodyPr vert="horz" lIns="91440" tIns="45720" rIns="91440" bIns="45720" rtlCol="0">
+                <a:noAutofit/>
+              </a:bodyPr>
+              <a:lstStyle>
+                <a:lvl1pPr marL="342900" indent="-342900" algn="l" defTabSz="914400" rtl="0" eaLnBrk="1" latinLnBrk="0" hangingPunct="1">
+                  <a:spcBef>
+                    <a:spcPct val="20000"/>
+                  </a:spcBef>
+                  <a:buFont typeface="Arial" pitchFamily="34" charset="0"/>
+                  <a:buChar char="•"/>
+                  <a:defRPr sz="3200" kern="1200">
+                    <a:solidFill>
+                      <a:schemeClr val="tx1"/>
+                    </a:solidFill>
+                    <a:latin typeface="+mn-lt"/>
+                    <a:ea typeface="+mn-ea"/>
+                    <a:cs typeface="+mn-cs"/>
+                  </a:defRPr>
+                </a:lvl1pPr>
+                <a:lvl2pPr marL="742950" indent="-285750" algn="l" defTabSz="914400" rtl="0" eaLnBrk="1" latinLnBrk="0" hangingPunct="1">
+                  <a:spcBef>
+                    <a:spcPct val="20000"/>
+                  </a:spcBef>
+                  <a:buFont typeface="Arial" pitchFamily="34" charset="0"/>
+                  <a:buChar char="–"/>
+                  <a:defRPr sz="2800" kern="1200">
+                    <a:solidFill>
+                      <a:schemeClr val="tx1"/>
+                    </a:solidFill>
+                    <a:latin typeface="+mn-lt"/>
+                    <a:ea typeface="+mn-ea"/>
+                    <a:cs typeface="+mn-cs"/>
+                  </a:defRPr>
+                </a:lvl2pPr>
+                <a:lvl3pPr marL="1143000" indent="-228600" algn="l" defTabSz="914400" rtl="0" eaLnBrk="1" latinLnBrk="0" hangingPunct="1">
+                  <a:spcBef>
+                    <a:spcPct val="20000"/>
+                  </a:spcBef>
+                  <a:buFont typeface="Arial" pitchFamily="34" charset="0"/>
+                  <a:buChar char="•"/>
+                  <a:defRPr sz="2400" kern="1200">
+                    <a:solidFill>
+                      <a:schemeClr val="tx1"/>
+                    </a:solidFill>
+                    <a:latin typeface="+mn-lt"/>
+                    <a:ea typeface="+mn-ea"/>
+                    <a:cs typeface="+mn-cs"/>
+                  </a:defRPr>
+                </a:lvl3pPr>
+                <a:lvl4pPr marL="1600200" indent="-228600" algn="l" defTabSz="914400" rtl="0" eaLnBrk="1" latinLnBrk="0" hangingPunct="1">
+                  <a:spcBef>
+                    <a:spcPct val="20000"/>
+                  </a:spcBef>
+                  <a:buFont typeface="Arial" pitchFamily="34" charset="0"/>
+                  <a:buChar char="–"/>
+                  <a:defRPr sz="2000" kern="1200">
+                    <a:solidFill>
+                      <a:schemeClr val="tx1"/>
+                    </a:solidFill>
+                    <a:latin typeface="+mn-lt"/>
+                    <a:ea typeface="+mn-ea"/>
+                    <a:cs typeface="+mn-cs"/>
+                  </a:defRPr>
+                </a:lvl4pPr>
+                <a:lvl5pPr marL="2057400" indent="-228600" algn="l" defTabSz="914400" rtl="0" eaLnBrk="1" latinLnBrk="0" hangingPunct="1">
+                  <a:spcBef>
+                    <a:spcPct val="20000"/>
+                  </a:spcBef>
+                  <a:buFont typeface="Arial" pitchFamily="34" charset="0"/>
+                  <a:buChar char="»"/>
+                  <a:defRPr sz="2000" kern="1200">
+                    <a:solidFill>
+                      <a:schemeClr val="tx1"/>
+                    </a:solidFill>
+                    <a:latin typeface="+mn-lt"/>
+                    <a:ea typeface="+mn-ea"/>
+                    <a:cs typeface="+mn-cs"/>
+                  </a:defRPr>
+                </a:lvl5pPr>
+                <a:lvl6pPr marL="2514600" indent="-228600" algn="l" defTabSz="914400" rtl="0" eaLnBrk="1" latinLnBrk="0" hangingPunct="1">
+                  <a:spcBef>
+                    <a:spcPct val="20000"/>
+                  </a:spcBef>
+                  <a:buFont typeface="Arial" pitchFamily="34" charset="0"/>
+                  <a:buChar char="•"/>
+                  <a:defRPr sz="2000" kern="1200">
+                    <a:solidFill>
+                      <a:schemeClr val="tx1"/>
+                    </a:solidFill>
+                    <a:latin typeface="+mn-lt"/>
+                    <a:ea typeface="+mn-ea"/>
+                    <a:cs typeface="+mn-cs"/>
+                  </a:defRPr>
+                </a:lvl6pPr>
+                <a:lvl7pPr marL="2971800" indent="-228600" algn="l" defTabSz="914400" rtl="0" eaLnBrk="1" latinLnBrk="0" hangingPunct="1">
+                  <a:spcBef>
+                    <a:spcPct val="20000"/>
+                  </a:spcBef>
+                  <a:buFont typeface="Arial" pitchFamily="34" charset="0"/>
+                  <a:buChar char="•"/>
+                  <a:defRPr sz="2000" kern="1200">
+                    <a:solidFill>
+                      <a:schemeClr val="tx1"/>
+                    </a:solidFill>
+                    <a:latin typeface="+mn-lt"/>
+                    <a:ea typeface="+mn-ea"/>
+                    <a:cs typeface="+mn-cs"/>
+                  </a:defRPr>
+                </a:lvl7pPr>
+                <a:lvl8pPr marL="3429000" indent="-228600" algn="l" defTabSz="914400" rtl="0" eaLnBrk="1" latinLnBrk="0" hangingPunct="1">
+                  <a:spcBef>
+                    <a:spcPct val="20000"/>
+                  </a:spcBef>
+                  <a:buFont typeface="Arial" pitchFamily="34" charset="0"/>
+                  <a:buChar char="•"/>
+                  <a:defRPr sz="2000" kern="1200">
+                    <a:solidFill>
+                      <a:schemeClr val="tx1"/>
+                    </a:solidFill>
+                    <a:latin typeface="+mn-lt"/>
+                    <a:ea typeface="+mn-ea"/>
+                    <a:cs typeface="+mn-cs"/>
+                  </a:defRPr>
+                </a:lvl8pPr>
+                <a:lvl9pPr marL="3886200" indent="-228600" algn="l" defTabSz="914400" rtl="0" eaLnBrk="1" latinLnBrk="0" hangingPunct="1">
+                  <a:spcBef>
+                    <a:spcPct val="20000"/>
+                  </a:spcBef>
+                  <a:buFont typeface="Arial" pitchFamily="34" charset="0"/>
+                  <a:buChar char="•"/>
+                  <a:defRPr sz="2000" kern="1200">
+                    <a:solidFill>
+                      <a:schemeClr val="tx1"/>
+                    </a:solidFill>
+                    <a:latin typeface="+mn-lt"/>
+                    <a:ea typeface="+mn-ea"/>
+                    <a:cs typeface="+mn-cs"/>
+                  </a:defRPr>
+                </a:lvl9pPr>
+              </a:lstStyle>
+              <a:p>
+                <a:pPr marL="0" indent="0">
+                  <a:buNone/>
+                </a:pPr>
+                <a:r>
+                  <a:rPr lang="zh-CN" altLang="en-US" sz="2000" b="1" spc="100" dirty="0">
+                    <a:solidFill>
+                      <a:schemeClr val="bg1"/>
+                    </a:solidFill>
+                    <a:latin typeface="Signika Negative" pitchFamily="2" charset="0"/>
+                    <a:ea typeface="Franchise" pitchFamily="49" charset="0"/>
+                  </a:rPr>
+                  <a:t>当密码本为空时选</a:t>
+                </a:r>
+                <a:r>
+                  <a:rPr lang="en-US" altLang="zh-CN" sz="2000" b="1" spc="100" dirty="0">
+                    <a:solidFill>
+                      <a:schemeClr val="bg1"/>
+                    </a:solidFill>
+                    <a:latin typeface="Signika Negative" pitchFamily="2" charset="0"/>
+                    <a:ea typeface="Franchise" pitchFamily="49" charset="0"/>
+                  </a:rPr>
+                  <a:t>2</a:t>
+                </a:r>
+                <a:r>
+                  <a:rPr lang="zh-CN" altLang="en-US" sz="2000" b="1" spc="100" dirty="0">
+                    <a:solidFill>
+                      <a:schemeClr val="bg1"/>
+                    </a:solidFill>
+                    <a:latin typeface="Signika Negative" pitchFamily="2" charset="0"/>
+                    <a:ea typeface="Franchise" pitchFamily="49" charset="0"/>
+                  </a:rPr>
+                  <a:t>查看密码本</a:t>
+                </a:r>
+                <a:endParaRPr lang="en-US" sz="2000" b="1" spc="100" dirty="0">
+                  <a:solidFill>
+                    <a:schemeClr val="bg1"/>
+                  </a:solidFill>
+                  <a:latin typeface="Signika Negative" pitchFamily="2" charset="0"/>
+                  <a:ea typeface="Franchise" pitchFamily="49" charset="0"/>
+                </a:endParaRPr>
+              </a:p>
+            </p:txBody>
+          </p:sp>
+        </p:grpSp>
+      </p:grpSp>
+      <p:grpSp>
+        <p:nvGrpSpPr>
+          <p:cNvPr id="15" name="Group 9">
+            <a:extLst>
+              <a:ext uri="{FF2B5EF4-FFF2-40B4-BE49-F238E27FC236}">
+                <a16:creationId xmlns:a16="http://schemas.microsoft.com/office/drawing/2014/main" id="{C199424F-014F-4716-AB79-BD0CEBDDAC7B}"/>
+              </a:ext>
+            </a:extLst>
+          </p:cNvPr>
+          <p:cNvGrpSpPr/>
+          <p:nvPr/>
+        </p:nvGrpSpPr>
+        <p:grpSpPr>
+          <a:xfrm>
+            <a:off x="431513" y="4088489"/>
+            <a:ext cx="1983214" cy="1193725"/>
+            <a:chOff x="1593022" y="1409888"/>
+            <a:chExt cx="1558675" cy="737331"/>
+          </a:xfrm>
+          <a:solidFill>
+            <a:schemeClr val="tx1"/>
+          </a:solidFill>
+        </p:grpSpPr>
+        <p:sp>
+          <p:nvSpPr>
+            <p:cNvPr id="16" name="Pentagon 50">
+              <a:extLst>
+                <a:ext uri="{FF2B5EF4-FFF2-40B4-BE49-F238E27FC236}">
+                  <a16:creationId xmlns:a16="http://schemas.microsoft.com/office/drawing/2014/main" id="{111393A6-7002-48B8-9CA9-7CDEF38C2C55}"/>
+                </a:ext>
+              </a:extLst>
+            </p:cNvPr>
+            <p:cNvSpPr/>
+            <p:nvPr/>
+          </p:nvSpPr>
+          <p:spPr>
+            <a:xfrm>
+              <a:off x="1679080" y="1409888"/>
+              <a:ext cx="776811" cy="316767"/>
+            </a:xfrm>
+            <a:prstGeom prst="homePlate">
+              <a:avLst>
+                <a:gd name="adj" fmla="val 25095"/>
+              </a:avLst>
+            </a:prstGeom>
+            <a:grpFill/>
+            <a:ln>
+              <a:noFill/>
+            </a:ln>
+          </p:spPr>
+          <p:style>
+            <a:lnRef idx="2">
+              <a:schemeClr val="accent1">
+                <a:shade val="50000"/>
+              </a:schemeClr>
+            </a:lnRef>
+            <a:fillRef idx="1">
+              <a:schemeClr val="accent1"/>
+            </a:fillRef>
+            <a:effectRef idx="0">
+              <a:schemeClr val="accent1"/>
+            </a:effectRef>
+            <a:fontRef idx="minor">
+              <a:schemeClr val="lt1"/>
+            </a:fontRef>
+          </p:style>
+          <p:txBody>
+            <a:bodyPr rtlCol="0" anchor="ctr"/>
+            <a:lstStyle/>
+            <a:p>
+              <a:pPr algn="ctr"/>
+              <a:endParaRPr lang="en-US" sz="1200"/>
+            </a:p>
+          </p:txBody>
+        </p:sp>
+        <p:grpSp>
+          <p:nvGrpSpPr>
+            <p:cNvPr id="17" name="Group 51">
+              <a:extLst>
+                <a:ext uri="{FF2B5EF4-FFF2-40B4-BE49-F238E27FC236}">
+                  <a16:creationId xmlns:a16="http://schemas.microsoft.com/office/drawing/2014/main" id="{CC380C47-35B8-4E92-98FA-BE2FB8B0644E}"/>
+                </a:ext>
+              </a:extLst>
+            </p:cNvPr>
+            <p:cNvGrpSpPr/>
+            <p:nvPr/>
+          </p:nvGrpSpPr>
+          <p:grpSpPr>
+            <a:xfrm>
+              <a:off x="1593022" y="1409889"/>
+              <a:ext cx="1558675" cy="737330"/>
+              <a:chOff x="1654906" y="1478227"/>
+              <a:chExt cx="1654160" cy="832739"/>
+            </a:xfrm>
+            <a:grpFill/>
+          </p:grpSpPr>
+          <p:sp>
+            <p:nvSpPr>
+              <p:cNvPr id="18" name="Pentagon 52">
+                <a:extLst>
+                  <a:ext uri="{FF2B5EF4-FFF2-40B4-BE49-F238E27FC236}">
+                    <a16:creationId xmlns:a16="http://schemas.microsoft.com/office/drawing/2014/main" id="{8FD2F288-564D-4C5B-877C-9F689CB67146}"/>
+                  </a:ext>
+                </a:extLst>
+              </p:cNvPr>
+              <p:cNvSpPr/>
+              <p:nvPr/>
+            </p:nvSpPr>
+            <p:spPr>
+              <a:xfrm>
+                <a:off x="1654906" y="1478227"/>
+                <a:ext cx="1654160" cy="832739"/>
+              </a:xfrm>
+              <a:prstGeom prst="homePlate">
+                <a:avLst>
+                  <a:gd name="adj" fmla="val 25095"/>
+                </a:avLst>
+              </a:prstGeom>
+              <a:grpFill/>
+              <a:ln>
+                <a:noFill/>
+              </a:ln>
+            </p:spPr>
+            <p:style>
+              <a:lnRef idx="2">
+                <a:schemeClr val="accent1">
+                  <a:shade val="50000"/>
+                </a:schemeClr>
+              </a:lnRef>
+              <a:fillRef idx="1">
+                <a:schemeClr val="accent1"/>
+              </a:fillRef>
+              <a:effectRef idx="0">
+                <a:schemeClr val="accent1"/>
+              </a:effectRef>
+              <a:fontRef idx="minor">
+                <a:schemeClr val="lt1"/>
+              </a:fontRef>
+            </p:style>
+            <p:txBody>
+              <a:bodyPr rtlCol="0" anchor="ctr"/>
+              <a:lstStyle/>
+              <a:p>
+                <a:pPr algn="ctr"/>
+                <a:endParaRPr lang="en-US" sz="1200"/>
+              </a:p>
+            </p:txBody>
+          </p:sp>
+          <p:sp>
+            <p:nvSpPr>
+              <p:cNvPr id="19" name="Subtitle 2">
+                <a:extLst>
+                  <a:ext uri="{FF2B5EF4-FFF2-40B4-BE49-F238E27FC236}">
+                    <a16:creationId xmlns:a16="http://schemas.microsoft.com/office/drawing/2014/main" id="{3AB33096-4595-4FE5-9D8E-A7A1AA52C77B}"/>
+                  </a:ext>
+                </a:extLst>
+              </p:cNvPr>
+              <p:cNvSpPr txBox="1">
+                <a:spLocks/>
+              </p:cNvSpPr>
+              <p:nvPr/>
+            </p:nvSpPr>
+            <p:spPr>
+              <a:xfrm>
+                <a:off x="1746237" y="1586315"/>
+                <a:ext cx="1209668" cy="623486"/>
+              </a:xfrm>
+              <a:prstGeom prst="rect">
+                <a:avLst/>
+              </a:prstGeom>
+              <a:grpFill/>
+            </p:spPr>
+            <p:txBody>
+              <a:bodyPr vert="horz" lIns="91440" tIns="45720" rIns="91440" bIns="45720" rtlCol="0">
+                <a:noAutofit/>
+              </a:bodyPr>
+              <a:lstStyle>
+                <a:lvl1pPr marL="342900" indent="-342900" algn="l" defTabSz="914400" rtl="0" eaLnBrk="1" latinLnBrk="0" hangingPunct="1">
+                  <a:spcBef>
+                    <a:spcPct val="20000"/>
+                  </a:spcBef>
+                  <a:buFont typeface="Arial" pitchFamily="34" charset="0"/>
+                  <a:buChar char="•"/>
+                  <a:defRPr sz="3200" kern="1200">
+                    <a:solidFill>
+                      <a:schemeClr val="tx1"/>
+                    </a:solidFill>
+                    <a:latin typeface="+mn-lt"/>
+                    <a:ea typeface="+mn-ea"/>
+                    <a:cs typeface="+mn-cs"/>
+                  </a:defRPr>
+                </a:lvl1pPr>
+                <a:lvl2pPr marL="742950" indent="-285750" algn="l" defTabSz="914400" rtl="0" eaLnBrk="1" latinLnBrk="0" hangingPunct="1">
+                  <a:spcBef>
+                    <a:spcPct val="20000"/>
+                  </a:spcBef>
+                  <a:buFont typeface="Arial" pitchFamily="34" charset="0"/>
+                  <a:buChar char="–"/>
+                  <a:defRPr sz="2800" kern="1200">
+                    <a:solidFill>
+                      <a:schemeClr val="tx1"/>
+                    </a:solidFill>
+                    <a:latin typeface="+mn-lt"/>
+                    <a:ea typeface="+mn-ea"/>
+                    <a:cs typeface="+mn-cs"/>
+                  </a:defRPr>
+                </a:lvl2pPr>
+                <a:lvl3pPr marL="1143000" indent="-228600" algn="l" defTabSz="914400" rtl="0" eaLnBrk="1" latinLnBrk="0" hangingPunct="1">
+                  <a:spcBef>
+                    <a:spcPct val="20000"/>
+                  </a:spcBef>
+                  <a:buFont typeface="Arial" pitchFamily="34" charset="0"/>
+                  <a:buChar char="•"/>
+                  <a:defRPr sz="2400" kern="1200">
+                    <a:solidFill>
+                      <a:schemeClr val="tx1"/>
+                    </a:solidFill>
+                    <a:latin typeface="+mn-lt"/>
+                    <a:ea typeface="+mn-ea"/>
+                    <a:cs typeface="+mn-cs"/>
+                  </a:defRPr>
+                </a:lvl3pPr>
+                <a:lvl4pPr marL="1600200" indent="-228600" algn="l" defTabSz="914400" rtl="0" eaLnBrk="1" latinLnBrk="0" hangingPunct="1">
+                  <a:spcBef>
+                    <a:spcPct val="20000"/>
+                  </a:spcBef>
+                  <a:buFont typeface="Arial" pitchFamily="34" charset="0"/>
+                  <a:buChar char="–"/>
+                  <a:defRPr sz="2000" kern="1200">
+                    <a:solidFill>
+                      <a:schemeClr val="tx1"/>
+                    </a:solidFill>
+                    <a:latin typeface="+mn-lt"/>
+                    <a:ea typeface="+mn-ea"/>
+                    <a:cs typeface="+mn-cs"/>
+                  </a:defRPr>
+                </a:lvl4pPr>
+                <a:lvl5pPr marL="2057400" indent="-228600" algn="l" defTabSz="914400" rtl="0" eaLnBrk="1" latinLnBrk="0" hangingPunct="1">
+                  <a:spcBef>
+                    <a:spcPct val="20000"/>
+                  </a:spcBef>
+                  <a:buFont typeface="Arial" pitchFamily="34" charset="0"/>
+                  <a:buChar char="»"/>
+                  <a:defRPr sz="2000" kern="1200">
+                    <a:solidFill>
+                      <a:schemeClr val="tx1"/>
+                    </a:solidFill>
+                    <a:latin typeface="+mn-lt"/>
+                    <a:ea typeface="+mn-ea"/>
+                    <a:cs typeface="+mn-cs"/>
+                  </a:defRPr>
+                </a:lvl5pPr>
+                <a:lvl6pPr marL="2514600" indent="-228600" algn="l" defTabSz="914400" rtl="0" eaLnBrk="1" latinLnBrk="0" hangingPunct="1">
+                  <a:spcBef>
+                    <a:spcPct val="20000"/>
+                  </a:spcBef>
+                  <a:buFont typeface="Arial" pitchFamily="34" charset="0"/>
+                  <a:buChar char="•"/>
+                  <a:defRPr sz="2000" kern="1200">
+                    <a:solidFill>
+                      <a:schemeClr val="tx1"/>
+                    </a:solidFill>
+                    <a:latin typeface="+mn-lt"/>
+                    <a:ea typeface="+mn-ea"/>
+                    <a:cs typeface="+mn-cs"/>
+                  </a:defRPr>
+                </a:lvl6pPr>
+                <a:lvl7pPr marL="2971800" indent="-228600" algn="l" defTabSz="914400" rtl="0" eaLnBrk="1" latinLnBrk="0" hangingPunct="1">
+                  <a:spcBef>
+                    <a:spcPct val="20000"/>
+                  </a:spcBef>
+                  <a:buFont typeface="Arial" pitchFamily="34" charset="0"/>
+                  <a:buChar char="•"/>
+                  <a:defRPr sz="2000" kern="1200">
+                    <a:solidFill>
+                      <a:schemeClr val="tx1"/>
+                    </a:solidFill>
+                    <a:latin typeface="+mn-lt"/>
+                    <a:ea typeface="+mn-ea"/>
+                    <a:cs typeface="+mn-cs"/>
+                  </a:defRPr>
+                </a:lvl7pPr>
+                <a:lvl8pPr marL="3429000" indent="-228600" algn="l" defTabSz="914400" rtl="0" eaLnBrk="1" latinLnBrk="0" hangingPunct="1">
+                  <a:spcBef>
+                    <a:spcPct val="20000"/>
+                  </a:spcBef>
+                  <a:buFont typeface="Arial" pitchFamily="34" charset="0"/>
+                  <a:buChar char="•"/>
+                  <a:defRPr sz="2000" kern="1200">
+                    <a:solidFill>
+                      <a:schemeClr val="tx1"/>
+                    </a:solidFill>
+                    <a:latin typeface="+mn-lt"/>
+                    <a:ea typeface="+mn-ea"/>
+                    <a:cs typeface="+mn-cs"/>
+                  </a:defRPr>
+                </a:lvl8pPr>
+                <a:lvl9pPr marL="3886200" indent="-228600" algn="l" defTabSz="914400" rtl="0" eaLnBrk="1" latinLnBrk="0" hangingPunct="1">
+                  <a:spcBef>
+                    <a:spcPct val="20000"/>
+                  </a:spcBef>
+                  <a:buFont typeface="Arial" pitchFamily="34" charset="0"/>
+                  <a:buChar char="•"/>
+                  <a:defRPr sz="2000" kern="1200">
+                    <a:solidFill>
+                      <a:schemeClr val="tx1"/>
+                    </a:solidFill>
+                    <a:latin typeface="+mn-lt"/>
+                    <a:ea typeface="+mn-ea"/>
+                    <a:cs typeface="+mn-cs"/>
+                  </a:defRPr>
+                </a:lvl9pPr>
+              </a:lstStyle>
+              <a:p>
+                <a:pPr marL="0" indent="0">
+                  <a:buNone/>
+                </a:pPr>
+                <a:r>
+                  <a:rPr lang="zh-CN" altLang="en-US" sz="2000" b="1" spc="100" dirty="0">
+                    <a:solidFill>
+                      <a:schemeClr val="bg1"/>
+                    </a:solidFill>
+                    <a:latin typeface="Signika Negative" pitchFamily="2" charset="0"/>
+                    <a:ea typeface="Franchise" pitchFamily="49" charset="0"/>
+                  </a:rPr>
+                  <a:t>选择</a:t>
+                </a:r>
+                <a:r>
+                  <a:rPr lang="en-US" altLang="zh-CN" sz="2000" b="1" spc="100" dirty="0">
+                    <a:solidFill>
+                      <a:schemeClr val="bg1"/>
+                    </a:solidFill>
+                    <a:latin typeface="Signika Negative" pitchFamily="2" charset="0"/>
+                    <a:ea typeface="Franchise" pitchFamily="49" charset="0"/>
+                  </a:rPr>
+                  <a:t>1</a:t>
+                </a:r>
+                <a:r>
+                  <a:rPr lang="zh-CN" altLang="en-US" sz="2000" b="1" spc="100" dirty="0">
+                    <a:solidFill>
+                      <a:schemeClr val="bg1"/>
+                    </a:solidFill>
+                    <a:latin typeface="Signika Negative" pitchFamily="2" charset="0"/>
+                    <a:ea typeface="Franchise" pitchFamily="49" charset="0"/>
+                  </a:rPr>
+                  <a:t>添加新的账号</a:t>
+                </a:r>
+                <a:r>
+                  <a:rPr lang="en-US" altLang="zh-CN" sz="2000" b="1" spc="100" dirty="0">
+                    <a:solidFill>
+                      <a:schemeClr val="bg1"/>
+                    </a:solidFill>
+                    <a:latin typeface="Signika Negative" pitchFamily="2" charset="0"/>
+                    <a:ea typeface="Franchise" pitchFamily="49" charset="0"/>
+                  </a:rPr>
+                  <a:t>123456</a:t>
+                </a:r>
+                <a:endParaRPr lang="en-US" sz="2000" b="1" spc="100" dirty="0">
+                  <a:solidFill>
+                    <a:schemeClr val="bg1"/>
+                  </a:solidFill>
+                  <a:latin typeface="Signika Negative" pitchFamily="2" charset="0"/>
+                  <a:ea typeface="Franchise" pitchFamily="49" charset="0"/>
+                </a:endParaRPr>
+              </a:p>
+            </p:txBody>
+          </p:sp>
+        </p:grpSp>
+      </p:grpSp>
+      <p:pic>
+        <p:nvPicPr>
+          <p:cNvPr id="13" name="图片 12">
+            <a:extLst>
+              <a:ext uri="{FF2B5EF4-FFF2-40B4-BE49-F238E27FC236}">
+                <a16:creationId xmlns:a16="http://schemas.microsoft.com/office/drawing/2014/main" id="{C01732C2-0EC5-46B8-96D9-D4A6D30219C8}"/>
+              </a:ext>
+            </a:extLst>
+          </p:cNvPr>
+          <p:cNvPicPr>
+            <a:picLocks noChangeAspect="1"/>
+          </p:cNvPicPr>
+          <p:nvPr/>
+        </p:nvPicPr>
+        <p:blipFill rotWithShape="1">
+          <a:blip r:embed="rId2"/>
+          <a:srcRect b="38942"/>
+          <a:stretch/>
+        </p:blipFill>
+        <p:spPr>
+          <a:xfrm>
+            <a:off x="2758685" y="1379084"/>
+            <a:ext cx="6674630" cy="1586667"/>
+          </a:xfrm>
+          <a:prstGeom prst="rect">
+            <a:avLst/>
+          </a:prstGeom>
+        </p:spPr>
+      </p:pic>
+      <p:pic>
+        <p:nvPicPr>
+          <p:cNvPr id="14" name="图片 13">
+            <a:extLst>
+              <a:ext uri="{FF2B5EF4-FFF2-40B4-BE49-F238E27FC236}">
+                <a16:creationId xmlns:a16="http://schemas.microsoft.com/office/drawing/2014/main" id="{DC363D2E-2FCE-4092-8712-6DAAAA176751}"/>
+              </a:ext>
+            </a:extLst>
+          </p:cNvPr>
+          <p:cNvPicPr>
+            <a:picLocks noChangeAspect="1"/>
+          </p:cNvPicPr>
+          <p:nvPr/>
+        </p:nvPicPr>
+        <p:blipFill>
+          <a:blip r:embed="rId3"/>
+          <a:stretch>
+            <a:fillRect/>
+          </a:stretch>
+        </p:blipFill>
+        <p:spPr>
+          <a:xfrm>
+            <a:off x="2758685" y="3171086"/>
+            <a:ext cx="7131285" cy="3612332"/>
+          </a:xfrm>
+          <a:prstGeom prst="rect">
+            <a:avLst/>
+          </a:prstGeom>
+        </p:spPr>
+      </p:pic>
+    </p:spTree>
+    <p:extLst>
+      <p:ext uri="{BB962C8B-B14F-4D97-AF65-F5344CB8AC3E}">
+        <p14:creationId xmlns:p14="http://schemas.microsoft.com/office/powerpoint/2010/main" val="3399526586"/>
+      </p:ext>
+    </p:extLst>
+  </p:cSld>
+  <p:clrMapOvr>
+    <a:masterClrMapping/>
+  </p:clrMapOvr>
+  <mc:AlternateContent xmlns:mc="http://schemas.openxmlformats.org/markup-compatibility/2006" xmlns:p14="http://schemas.microsoft.com/office/powerpoint/2010/main">
+    <mc:Choice Requires="p14">
+      <p:transition spd="slow" p14:dur="1400">
+        <p14:reveal/>
+      </p:transition>
+    </mc:Choice>
+    <mc:Fallback xmlns="">
+      <p:transition spd="slow">
+        <p:fade/>
+      </p:transition>
+    </mc:Fallback>
+  </mc:AlternateContent>
+  <p:timing>
+    <p:tnLst>
+      <p:par>
+        <p:cTn id="1" dur="indefinite" restart="never" nodeType="tmRoot">
+          <p:childTnLst>
+            <p:seq concurrent="1" nextAc="seek">
+              <p:cTn id="2" dur="indefinite" nodeType="mainSeq">
+                <p:childTnLst>
+                  <p:par>
+                    <p:cTn id="3" fill="hold">
+                      <p:stCondLst>
+                        <p:cond delay="indefinite"/>
+                        <p:cond evt="onBegin" delay="0">
+                          <p:tn val="2"/>
+                        </p:cond>
+                      </p:stCondLst>
+                      <p:childTnLst>
+                        <p:par>
+                          <p:cTn id="4" fill="hold">
+                            <p:stCondLst>
+                              <p:cond delay="0"/>
+                            </p:stCondLst>
+                            <p:childTnLst>
+                              <p:par>
+                                <p:cTn id="5" presetID="42" presetClass="entr" presetSubtype="0" fill="hold" nodeType="afterEffect">
+                                  <p:stCondLst>
+                                    <p:cond delay="0"/>
+                                  </p:stCondLst>
+                                  <p:childTnLst>
+                                    <p:set>
+                                      <p:cBhvr>
+                                        <p:cTn id="6" dur="1" fill="hold">
+                                          <p:stCondLst>
+                                            <p:cond delay="0"/>
+                                          </p:stCondLst>
+                                        </p:cTn>
+                                        <p:tgtEl>
+                                          <p:spTgt spid="7"/>
+                                        </p:tgtEl>
+                                        <p:attrNameLst>
+                                          <p:attrName>style.visibility</p:attrName>
+                                        </p:attrNameLst>
+                                      </p:cBhvr>
+                                      <p:to>
+                                        <p:strVal val="visible"/>
+                                      </p:to>
+                                    </p:set>
+                                    <p:animEffect transition="in" filter="fade">
+                                      <p:cBhvr>
+                                        <p:cTn id="7" dur="750"/>
+                                        <p:tgtEl>
+                                          <p:spTgt spid="7"/>
+                                        </p:tgtEl>
+                                      </p:cBhvr>
+                                    </p:animEffect>
+                                    <p:anim calcmode="lin" valueType="num">
+                                      <p:cBhvr>
+                                        <p:cTn id="8" dur="750" fill="hold"/>
+                                        <p:tgtEl>
+                                          <p:spTgt spid="7"/>
+                                        </p:tgtEl>
+                                        <p:attrNameLst>
+                                          <p:attrName>ppt_x</p:attrName>
+                                        </p:attrNameLst>
+                                      </p:cBhvr>
+                                      <p:tavLst>
+                                        <p:tav tm="0">
+                                          <p:val>
+                                            <p:strVal val="#ppt_x"/>
+                                          </p:val>
+                                        </p:tav>
+                                        <p:tav tm="100000">
+                                          <p:val>
+                                            <p:strVal val="#ppt_x"/>
+                                          </p:val>
+                                        </p:tav>
+                                      </p:tavLst>
+                                    </p:anim>
+                                    <p:anim calcmode="lin" valueType="num">
+                                      <p:cBhvr>
+                                        <p:cTn id="9" dur="750" fill="hold"/>
+                                        <p:tgtEl>
+                                          <p:spTgt spid="7"/>
+                                        </p:tgtEl>
+                                        <p:attrNameLst>
+                                          <p:attrName>ppt_y</p:attrName>
+                                        </p:attrNameLst>
+                                      </p:cBhvr>
+                                      <p:tavLst>
+                                        <p:tav tm="0">
+                                          <p:val>
+                                            <p:strVal val="#ppt_y+.1"/>
+                                          </p:val>
+                                        </p:tav>
+                                        <p:tav tm="100000">
+                                          <p:val>
+                                            <p:strVal val="#ppt_y"/>
+                                          </p:val>
+                                        </p:tav>
+                                      </p:tavLst>
+                                    </p:anim>
+                                  </p:childTnLst>
+                                </p:cTn>
+                              </p:par>
+                            </p:childTnLst>
+                          </p:cTn>
+                        </p:par>
+                        <p:par>
+                          <p:cTn id="10" fill="hold">
+                            <p:stCondLst>
+                              <p:cond delay="750"/>
+                            </p:stCondLst>
+                            <p:childTnLst>
+                              <p:par>
+                                <p:cTn id="11" presetID="42" presetClass="entr" presetSubtype="0" fill="hold" nodeType="afterEffect">
+                                  <p:stCondLst>
+                                    <p:cond delay="0"/>
+                                  </p:stCondLst>
+                                  <p:childTnLst>
+                                    <p:set>
+                                      <p:cBhvr>
+                                        <p:cTn id="12" dur="1" fill="hold">
+                                          <p:stCondLst>
+                                            <p:cond delay="0"/>
+                                          </p:stCondLst>
+                                        </p:cTn>
+                                        <p:tgtEl>
+                                          <p:spTgt spid="15"/>
+                                        </p:tgtEl>
+                                        <p:attrNameLst>
+                                          <p:attrName>style.visibility</p:attrName>
+                                        </p:attrNameLst>
+                                      </p:cBhvr>
+                                      <p:to>
+                                        <p:strVal val="visible"/>
+                                      </p:to>
+                                    </p:set>
+                                    <p:animEffect transition="in" filter="fade">
+                                      <p:cBhvr>
+                                        <p:cTn id="13" dur="750"/>
+                                        <p:tgtEl>
+                                          <p:spTgt spid="15"/>
+                                        </p:tgtEl>
+                                      </p:cBhvr>
+                                    </p:animEffect>
+                                    <p:anim calcmode="lin" valueType="num">
+                                      <p:cBhvr>
+                                        <p:cTn id="14" dur="750" fill="hold"/>
+                                        <p:tgtEl>
+                                          <p:spTgt spid="15"/>
+                                        </p:tgtEl>
+                                        <p:attrNameLst>
+                                          <p:attrName>ppt_x</p:attrName>
+                                        </p:attrNameLst>
+                                      </p:cBhvr>
+                                      <p:tavLst>
+                                        <p:tav tm="0">
+                                          <p:val>
+                                            <p:strVal val="#ppt_x"/>
+                                          </p:val>
+                                        </p:tav>
+                                        <p:tav tm="100000">
+                                          <p:val>
+                                            <p:strVal val="#ppt_x"/>
+                                          </p:val>
+                                        </p:tav>
+                                      </p:tavLst>
+                                    </p:anim>
+                                    <p:anim calcmode="lin" valueType="num">
+                                      <p:cBhvr>
+                                        <p:cTn id="15" dur="750" fill="hold"/>
+                                        <p:tgtEl>
+                                          <p:spTgt spid="15"/>
+                                        </p:tgtEl>
+                                        <p:attrNameLst>
+                                          <p:attrName>ppt_y</p:attrName>
+                                        </p:attrNameLst>
+                                      </p:cBhvr>
+                                      <p:tavLst>
+                                        <p:tav tm="0">
+                                          <p:val>
+                                            <p:strVal val="#ppt_y+.1"/>
+                                          </p:val>
+                                        </p:tav>
+                                        <p:tav tm="100000">
+                                          <p:val>
+                                            <p:strVal val="#ppt_y"/>
+                                          </p:val>
+                                        </p:tav>
+                                      </p:tavLst>
+                                    </p:anim>
+                                  </p:childTnLst>
+                                </p:cTn>
+                              </p:par>
+                            </p:childTnLst>
+                          </p:cTn>
+                        </p:par>
+                      </p:childTnLst>
+                    </p:cTn>
+                  </p:par>
+                </p:childTnLst>
+              </p:cTn>
+              <p:prevCondLst>
+                <p:cond evt="onPrev" delay="0">
+                  <p:tgtEl>
+                    <p:sldTgt/>
+                  </p:tgtEl>
+                </p:cond>
+              </p:prevCondLst>
+              <p:nextCondLst>
+                <p:cond evt="onNext" delay="0">
+                  <p:tgtEl>
+                    <p:sldTgt/>
+                  </p:tgtEl>
+                </p:cond>
+              </p:nextCondLst>
+            </p:seq>
+          </p:childTnLst>
+        </p:cTn>
+      </p:par>
+    </p:tnLst>
+  </p:timing>
+</p:sld>
+</file>
+
+<file path=ppt/slides/slide18.xml><?xml version="1.0" encoding="utf-8"?>
+<p:sld xmlns:a="http://schemas.openxmlformats.org/drawingml/2006/main" xmlns:r="http://schemas.openxmlformats.org/officeDocument/2006/relationships" xmlns:p="http://schemas.openxmlformats.org/presentationml/2006/main">
+  <p:cSld>
+    <p:spTree>
+      <p:nvGrpSpPr>
+        <p:cNvPr id="1" name=""/>
+        <p:cNvGrpSpPr/>
+        <p:nvPr/>
+      </p:nvGrpSpPr>
+      <p:grpSpPr>
+        <a:xfrm>
+          <a:off x="0" y="0"/>
+          <a:ext cx="0" cy="0"/>
+          <a:chOff x="0" y="0"/>
+          <a:chExt cx="0" cy="0"/>
+        </a:xfrm>
+      </p:grpSpPr>
+      <p:grpSp>
+        <p:nvGrpSpPr>
+          <p:cNvPr id="3" name="组合 2"/>
+          <p:cNvGrpSpPr/>
+          <p:nvPr/>
+        </p:nvGrpSpPr>
+        <p:grpSpPr>
+          <a:xfrm>
+            <a:off x="0" y="-11160"/>
+            <a:ext cx="12192000" cy="1346125"/>
+            <a:chOff x="-1" y="-41200"/>
+            <a:chExt cx="12192000" cy="1346125"/>
+          </a:xfrm>
+        </p:grpSpPr>
+        <p:sp>
+          <p:nvSpPr>
+            <p:cNvPr id="33" name="矩形 32"/>
+            <p:cNvSpPr/>
+            <p:nvPr/>
+          </p:nvSpPr>
+          <p:spPr>
+            <a:xfrm>
+              <a:off x="-1" y="-17718"/>
+              <a:ext cx="12192000" cy="1302345"/>
+            </a:xfrm>
+            <a:prstGeom prst="rect">
+              <a:avLst/>
+            </a:prstGeom>
+            <a:solidFill>
+              <a:schemeClr val="accent3">
+                <a:lumMod val="50000"/>
+              </a:schemeClr>
+            </a:solidFill>
+            <a:ln>
+              <a:noFill/>
+            </a:ln>
+          </p:spPr>
+          <p:style>
+            <a:lnRef idx="2">
+              <a:schemeClr val="accent1">
+                <a:shade val="50000"/>
+              </a:schemeClr>
+            </a:lnRef>
+            <a:fillRef idx="1">
+              <a:schemeClr val="accent1"/>
+            </a:fillRef>
+            <a:effectRef idx="0">
+              <a:schemeClr val="accent1"/>
+            </a:effectRef>
+            <a:fontRef idx="minor">
+              <a:schemeClr val="lt1"/>
+            </a:fontRef>
+          </p:style>
+          <p:txBody>
+            <a:bodyPr rtlCol="0" anchor="ctr"/>
+            <a:lstStyle/>
+            <a:p>
+              <a:pPr algn="ctr"/>
+              <a:endParaRPr lang="zh-CN" altLang="en-US"/>
+            </a:p>
+          </p:txBody>
+        </p:sp>
+        <p:sp>
+          <p:nvSpPr>
+            <p:cNvPr id="34" name="TextBox 12"/>
+            <p:cNvSpPr txBox="1"/>
+            <p:nvPr/>
+          </p:nvSpPr>
+          <p:spPr>
+            <a:xfrm>
+              <a:off x="5080348" y="377727"/>
+              <a:ext cx="2031325" cy="646331"/>
+            </a:xfrm>
+            <a:prstGeom prst="rect">
+              <a:avLst/>
+            </a:prstGeom>
+            <a:noFill/>
+          </p:spPr>
+          <p:txBody>
+            <a:bodyPr wrap="none" rtlCol="0">
+              <a:spAutoFit/>
+            </a:bodyPr>
+            <a:lstStyle/>
+            <a:p>
+              <a:pPr algn="ctr"/>
+              <a:r>
+                <a:rPr lang="zh-CN" altLang="en-US" sz="3600" b="1" dirty="0">
+                  <a:solidFill>
+                    <a:schemeClr val="bg1"/>
+                  </a:solidFill>
+                  <a:latin typeface="+mj-lt"/>
+                </a:rPr>
+                <a:t>成果展示</a:t>
+              </a:r>
+              <a:endParaRPr lang="en-US" sz="3600" b="1" dirty="0">
+                <a:solidFill>
+                  <a:schemeClr val="bg1"/>
+                </a:solidFill>
+                <a:latin typeface="+mj-lt"/>
+              </a:endParaRPr>
+            </a:p>
+          </p:txBody>
+        </p:sp>
+        <p:sp>
+          <p:nvSpPr>
+            <p:cNvPr id="64" name="直角三角形 63"/>
+            <p:cNvSpPr/>
+            <p:nvPr/>
+          </p:nvSpPr>
+          <p:spPr>
+            <a:xfrm rot="10800000">
+              <a:off x="10410100" y="-1"/>
+              <a:ext cx="1781899" cy="1302345"/>
+            </a:xfrm>
+            <a:prstGeom prst="rtTriangle">
+              <a:avLst/>
+            </a:prstGeom>
+            <a:gradFill flip="none" rotWithShape="1">
+              <a:gsLst>
+                <a:gs pos="0">
+                  <a:srgbClr val="6EA049">
+                    <a:alpha val="49000"/>
+                  </a:srgbClr>
+                </a:gs>
+                <a:gs pos="100000">
+                  <a:srgbClr val="525252">
+                    <a:alpha val="86000"/>
+                  </a:srgbClr>
+                </a:gs>
+              </a:gsLst>
+              <a:lin ang="0" scaled="1"/>
+              <a:tileRect/>
+            </a:gradFill>
+            <a:ln>
+              <a:noFill/>
+            </a:ln>
+          </p:spPr>
+          <p:style>
+            <a:lnRef idx="2">
+              <a:schemeClr val="accent1">
+                <a:shade val="50000"/>
+              </a:schemeClr>
+            </a:lnRef>
+            <a:fillRef idx="1">
+              <a:schemeClr val="accent1"/>
+            </a:fillRef>
+            <a:effectRef idx="0">
+              <a:schemeClr val="accent1"/>
+            </a:effectRef>
+            <a:fontRef idx="minor">
+              <a:schemeClr val="lt1"/>
+            </a:fontRef>
+          </p:style>
+          <p:txBody>
+            <a:bodyPr rtlCol="0" anchor="ctr"/>
+            <a:lstStyle/>
+            <a:p>
+              <a:pPr algn="ctr"/>
+              <a:endParaRPr lang="zh-CN" altLang="en-US"/>
+            </a:p>
+          </p:txBody>
+        </p:sp>
+        <p:sp>
+          <p:nvSpPr>
+            <p:cNvPr id="65" name="直角三角形 64"/>
+            <p:cNvSpPr/>
+            <p:nvPr/>
+          </p:nvSpPr>
+          <p:spPr>
+            <a:xfrm>
+              <a:off x="0" y="-41200"/>
+              <a:ext cx="1781908" cy="1346125"/>
+            </a:xfrm>
+            <a:prstGeom prst="rtTriangle">
+              <a:avLst/>
+            </a:prstGeom>
+            <a:gradFill flip="none" rotWithShape="1">
+              <a:gsLst>
+                <a:gs pos="0">
+                  <a:srgbClr val="6EA049">
+                    <a:alpha val="49000"/>
+                  </a:srgbClr>
+                </a:gs>
+                <a:gs pos="100000">
+                  <a:srgbClr val="525252">
+                    <a:alpha val="86000"/>
+                  </a:srgbClr>
+                </a:gs>
+              </a:gsLst>
+              <a:lin ang="0" scaled="1"/>
+              <a:tileRect/>
+            </a:gradFill>
+            <a:ln>
+              <a:noFill/>
+            </a:ln>
+          </p:spPr>
+          <p:style>
+            <a:lnRef idx="2">
+              <a:schemeClr val="accent1">
+                <a:shade val="50000"/>
+              </a:schemeClr>
+            </a:lnRef>
+            <a:fillRef idx="1">
+              <a:schemeClr val="accent1"/>
+            </a:fillRef>
+            <a:effectRef idx="0">
+              <a:schemeClr val="accent1"/>
+            </a:effectRef>
+            <a:fontRef idx="minor">
+              <a:schemeClr val="lt1"/>
+            </a:fontRef>
+          </p:style>
+          <p:txBody>
+            <a:bodyPr rtlCol="0" anchor="ctr"/>
+            <a:lstStyle/>
+            <a:p>
+              <a:pPr algn="ctr"/>
+              <a:endParaRPr lang="zh-CN" altLang="en-US"/>
+            </a:p>
+          </p:txBody>
+        </p:sp>
+      </p:grpSp>
+      <p:grpSp>
+        <p:nvGrpSpPr>
+          <p:cNvPr id="7" name="Group 9">
+            <a:extLst>
+              <a:ext uri="{FF2B5EF4-FFF2-40B4-BE49-F238E27FC236}">
+                <a16:creationId xmlns:a16="http://schemas.microsoft.com/office/drawing/2014/main" id="{6845B20A-175E-4DC3-A03C-B77A76198F56}"/>
+              </a:ext>
+            </a:extLst>
+          </p:cNvPr>
+          <p:cNvGrpSpPr/>
+          <p:nvPr/>
+        </p:nvGrpSpPr>
+        <p:grpSpPr>
+          <a:xfrm>
+            <a:off x="216581" y="1358447"/>
+            <a:ext cx="1983214" cy="1193725"/>
+            <a:chOff x="1593022" y="1409888"/>
+            <a:chExt cx="1558675" cy="737331"/>
+          </a:xfrm>
+          <a:solidFill>
+            <a:schemeClr val="tx1"/>
+          </a:solidFill>
+        </p:grpSpPr>
+        <p:sp>
+          <p:nvSpPr>
+            <p:cNvPr id="8" name="Pentagon 50">
+              <a:extLst>
+                <a:ext uri="{FF2B5EF4-FFF2-40B4-BE49-F238E27FC236}">
+                  <a16:creationId xmlns:a16="http://schemas.microsoft.com/office/drawing/2014/main" id="{0204078B-8785-4FC3-95B4-179185459F1E}"/>
+                </a:ext>
+              </a:extLst>
+            </p:cNvPr>
+            <p:cNvSpPr/>
+            <p:nvPr/>
+          </p:nvSpPr>
+          <p:spPr>
+            <a:xfrm>
+              <a:off x="1679080" y="1409888"/>
+              <a:ext cx="776811" cy="316767"/>
+            </a:xfrm>
+            <a:prstGeom prst="homePlate">
+              <a:avLst>
+                <a:gd name="adj" fmla="val 25095"/>
+              </a:avLst>
+            </a:prstGeom>
+            <a:grpFill/>
+            <a:ln>
+              <a:noFill/>
+            </a:ln>
+          </p:spPr>
+          <p:style>
+            <a:lnRef idx="2">
+              <a:schemeClr val="accent1">
+                <a:shade val="50000"/>
+              </a:schemeClr>
+            </a:lnRef>
+            <a:fillRef idx="1">
+              <a:schemeClr val="accent1"/>
+            </a:fillRef>
+            <a:effectRef idx="0">
+              <a:schemeClr val="accent1"/>
+            </a:effectRef>
+            <a:fontRef idx="minor">
+              <a:schemeClr val="lt1"/>
+            </a:fontRef>
+          </p:style>
+          <p:txBody>
+            <a:bodyPr rtlCol="0" anchor="ctr"/>
+            <a:lstStyle/>
+            <a:p>
+              <a:pPr algn="ctr"/>
+              <a:endParaRPr lang="en-US" sz="1200"/>
+            </a:p>
+          </p:txBody>
+        </p:sp>
+        <p:grpSp>
+          <p:nvGrpSpPr>
+            <p:cNvPr id="9" name="Group 51">
+              <a:extLst>
+                <a:ext uri="{FF2B5EF4-FFF2-40B4-BE49-F238E27FC236}">
+                  <a16:creationId xmlns:a16="http://schemas.microsoft.com/office/drawing/2014/main" id="{BCDE1A23-A1F9-43F3-B52A-D447EAB4714E}"/>
+                </a:ext>
+              </a:extLst>
+            </p:cNvPr>
+            <p:cNvGrpSpPr/>
+            <p:nvPr/>
+          </p:nvGrpSpPr>
+          <p:grpSpPr>
+            <a:xfrm>
+              <a:off x="1593022" y="1409889"/>
+              <a:ext cx="1558675" cy="737330"/>
+              <a:chOff x="1654906" y="1478227"/>
+              <a:chExt cx="1654160" cy="832739"/>
+            </a:xfrm>
+            <a:grpFill/>
+          </p:grpSpPr>
+          <p:sp>
+            <p:nvSpPr>
+              <p:cNvPr id="10" name="Pentagon 52">
+                <a:extLst>
+                  <a:ext uri="{FF2B5EF4-FFF2-40B4-BE49-F238E27FC236}">
+                    <a16:creationId xmlns:a16="http://schemas.microsoft.com/office/drawing/2014/main" id="{450BE6C7-9091-45CC-A193-3DE8536D9160}"/>
+                  </a:ext>
+                </a:extLst>
+              </p:cNvPr>
+              <p:cNvSpPr/>
+              <p:nvPr/>
+            </p:nvSpPr>
+            <p:spPr>
+              <a:xfrm>
+                <a:off x="1654906" y="1478227"/>
+                <a:ext cx="1654160" cy="832739"/>
+              </a:xfrm>
+              <a:prstGeom prst="homePlate">
+                <a:avLst>
+                  <a:gd name="adj" fmla="val 25095"/>
+                </a:avLst>
+              </a:prstGeom>
+              <a:grpFill/>
+              <a:ln>
+                <a:noFill/>
+              </a:ln>
+            </p:spPr>
+            <p:style>
+              <a:lnRef idx="2">
+                <a:schemeClr val="accent1">
+                  <a:shade val="50000"/>
+                </a:schemeClr>
+              </a:lnRef>
+              <a:fillRef idx="1">
+                <a:schemeClr val="accent1"/>
+              </a:fillRef>
+              <a:effectRef idx="0">
+                <a:schemeClr val="accent1"/>
+              </a:effectRef>
+              <a:fontRef idx="minor">
+                <a:schemeClr val="lt1"/>
+              </a:fontRef>
+            </p:style>
+            <p:txBody>
+              <a:bodyPr rtlCol="0" anchor="ctr"/>
+              <a:lstStyle/>
+              <a:p>
+                <a:pPr algn="ctr"/>
+                <a:endParaRPr lang="en-US" sz="1200"/>
+              </a:p>
+            </p:txBody>
+          </p:sp>
+          <p:sp>
+            <p:nvSpPr>
+              <p:cNvPr id="11" name="Subtitle 2">
+                <a:extLst>
+                  <a:ext uri="{FF2B5EF4-FFF2-40B4-BE49-F238E27FC236}">
+                    <a16:creationId xmlns:a16="http://schemas.microsoft.com/office/drawing/2014/main" id="{4357D5F4-0319-40F9-8BF1-8C311DB3DDBB}"/>
+                  </a:ext>
+                </a:extLst>
+              </p:cNvPr>
+              <p:cNvSpPr txBox="1">
+                <a:spLocks/>
+              </p:cNvSpPr>
+              <p:nvPr/>
+            </p:nvSpPr>
+            <p:spPr>
+              <a:xfrm>
+                <a:off x="1746237" y="1586315"/>
+                <a:ext cx="1209668" cy="623486"/>
+              </a:xfrm>
+              <a:prstGeom prst="rect">
+                <a:avLst/>
+              </a:prstGeom>
+              <a:grpFill/>
+            </p:spPr>
+            <p:txBody>
+              <a:bodyPr vert="horz" lIns="91440" tIns="45720" rIns="91440" bIns="45720" rtlCol="0">
+                <a:noAutofit/>
+              </a:bodyPr>
+              <a:lstStyle>
+                <a:lvl1pPr marL="342900" indent="-342900" algn="l" defTabSz="914400" rtl="0" eaLnBrk="1" latinLnBrk="0" hangingPunct="1">
+                  <a:spcBef>
+                    <a:spcPct val="20000"/>
+                  </a:spcBef>
+                  <a:buFont typeface="Arial" pitchFamily="34" charset="0"/>
+                  <a:buChar char="•"/>
+                  <a:defRPr sz="3200" kern="1200">
+                    <a:solidFill>
+                      <a:schemeClr val="tx1"/>
+                    </a:solidFill>
+                    <a:latin typeface="+mn-lt"/>
+                    <a:ea typeface="+mn-ea"/>
+                    <a:cs typeface="+mn-cs"/>
+                  </a:defRPr>
+                </a:lvl1pPr>
+                <a:lvl2pPr marL="742950" indent="-285750" algn="l" defTabSz="914400" rtl="0" eaLnBrk="1" latinLnBrk="0" hangingPunct="1">
+                  <a:spcBef>
+                    <a:spcPct val="20000"/>
+                  </a:spcBef>
+                  <a:buFont typeface="Arial" pitchFamily="34" charset="0"/>
+                  <a:buChar char="–"/>
+                  <a:defRPr sz="2800" kern="1200">
+                    <a:solidFill>
+                      <a:schemeClr val="tx1"/>
+                    </a:solidFill>
+                    <a:latin typeface="+mn-lt"/>
+                    <a:ea typeface="+mn-ea"/>
+                    <a:cs typeface="+mn-cs"/>
+                  </a:defRPr>
+                </a:lvl2pPr>
+                <a:lvl3pPr marL="1143000" indent="-228600" algn="l" defTabSz="914400" rtl="0" eaLnBrk="1" latinLnBrk="0" hangingPunct="1">
+                  <a:spcBef>
+                    <a:spcPct val="20000"/>
+                  </a:spcBef>
+                  <a:buFont typeface="Arial" pitchFamily="34" charset="0"/>
+                  <a:buChar char="•"/>
+                  <a:defRPr sz="2400" kern="1200">
+                    <a:solidFill>
+                      <a:schemeClr val="tx1"/>
+                    </a:solidFill>
+                    <a:latin typeface="+mn-lt"/>
+                    <a:ea typeface="+mn-ea"/>
+                    <a:cs typeface="+mn-cs"/>
+                  </a:defRPr>
+                </a:lvl3pPr>
+                <a:lvl4pPr marL="1600200" indent="-228600" algn="l" defTabSz="914400" rtl="0" eaLnBrk="1" latinLnBrk="0" hangingPunct="1">
+                  <a:spcBef>
+                    <a:spcPct val="20000"/>
+                  </a:spcBef>
+                  <a:buFont typeface="Arial" pitchFamily="34" charset="0"/>
+                  <a:buChar char="–"/>
+                  <a:defRPr sz="2000" kern="1200">
+                    <a:solidFill>
+                      <a:schemeClr val="tx1"/>
+                    </a:solidFill>
+                    <a:latin typeface="+mn-lt"/>
+                    <a:ea typeface="+mn-ea"/>
+                    <a:cs typeface="+mn-cs"/>
+                  </a:defRPr>
+                </a:lvl4pPr>
+                <a:lvl5pPr marL="2057400" indent="-228600" algn="l" defTabSz="914400" rtl="0" eaLnBrk="1" latinLnBrk="0" hangingPunct="1">
+                  <a:spcBef>
+                    <a:spcPct val="20000"/>
+                  </a:spcBef>
+                  <a:buFont typeface="Arial" pitchFamily="34" charset="0"/>
+                  <a:buChar char="»"/>
+                  <a:defRPr sz="2000" kern="1200">
+                    <a:solidFill>
+                      <a:schemeClr val="tx1"/>
+                    </a:solidFill>
+                    <a:latin typeface="+mn-lt"/>
+                    <a:ea typeface="+mn-ea"/>
+                    <a:cs typeface="+mn-cs"/>
+                  </a:defRPr>
+                </a:lvl5pPr>
+                <a:lvl6pPr marL="2514600" indent="-228600" algn="l" defTabSz="914400" rtl="0" eaLnBrk="1" latinLnBrk="0" hangingPunct="1">
+                  <a:spcBef>
+                    <a:spcPct val="20000"/>
+                  </a:spcBef>
+                  <a:buFont typeface="Arial" pitchFamily="34" charset="0"/>
+                  <a:buChar char="•"/>
+                  <a:defRPr sz="2000" kern="1200">
+                    <a:solidFill>
+                      <a:schemeClr val="tx1"/>
+                    </a:solidFill>
+                    <a:latin typeface="+mn-lt"/>
+                    <a:ea typeface="+mn-ea"/>
+                    <a:cs typeface="+mn-cs"/>
+                  </a:defRPr>
+                </a:lvl6pPr>
+                <a:lvl7pPr marL="2971800" indent="-228600" algn="l" defTabSz="914400" rtl="0" eaLnBrk="1" latinLnBrk="0" hangingPunct="1">
+                  <a:spcBef>
+                    <a:spcPct val="20000"/>
+                  </a:spcBef>
+                  <a:buFont typeface="Arial" pitchFamily="34" charset="0"/>
+                  <a:buChar char="•"/>
+                  <a:defRPr sz="2000" kern="1200">
+                    <a:solidFill>
+                      <a:schemeClr val="tx1"/>
+                    </a:solidFill>
+                    <a:latin typeface="+mn-lt"/>
+                    <a:ea typeface="+mn-ea"/>
+                    <a:cs typeface="+mn-cs"/>
+                  </a:defRPr>
+                </a:lvl7pPr>
+                <a:lvl8pPr marL="3429000" indent="-228600" algn="l" defTabSz="914400" rtl="0" eaLnBrk="1" latinLnBrk="0" hangingPunct="1">
+                  <a:spcBef>
+                    <a:spcPct val="20000"/>
+                  </a:spcBef>
+                  <a:buFont typeface="Arial" pitchFamily="34" charset="0"/>
+                  <a:buChar char="•"/>
+                  <a:defRPr sz="2000" kern="1200">
+                    <a:solidFill>
+                      <a:schemeClr val="tx1"/>
+                    </a:solidFill>
+                    <a:latin typeface="+mn-lt"/>
+                    <a:ea typeface="+mn-ea"/>
+                    <a:cs typeface="+mn-cs"/>
+                  </a:defRPr>
+                </a:lvl8pPr>
+                <a:lvl9pPr marL="3886200" indent="-228600" algn="l" defTabSz="914400" rtl="0" eaLnBrk="1" latinLnBrk="0" hangingPunct="1">
+                  <a:spcBef>
+                    <a:spcPct val="20000"/>
+                  </a:spcBef>
+                  <a:buFont typeface="Arial" pitchFamily="34" charset="0"/>
+                  <a:buChar char="•"/>
+                  <a:defRPr sz="2000" kern="1200">
+                    <a:solidFill>
+                      <a:schemeClr val="tx1"/>
+                    </a:solidFill>
+                    <a:latin typeface="+mn-lt"/>
+                    <a:ea typeface="+mn-ea"/>
+                    <a:cs typeface="+mn-cs"/>
+                  </a:defRPr>
+                </a:lvl9pPr>
+              </a:lstStyle>
+              <a:p>
+                <a:pPr marL="0" indent="0">
+                  <a:buNone/>
+                </a:pPr>
+                <a:r>
+                  <a:rPr lang="zh-CN" altLang="en-US" sz="2000" b="1" spc="100" dirty="0">
+                    <a:solidFill>
+                      <a:schemeClr val="bg1"/>
+                    </a:solidFill>
+                    <a:latin typeface="Signika Negative" pitchFamily="2" charset="0"/>
+                    <a:ea typeface="Franchise" pitchFamily="49" charset="0"/>
+                  </a:rPr>
+                  <a:t>选择</a:t>
+                </a:r>
+                <a:r>
+                  <a:rPr lang="en-US" altLang="zh-CN" sz="2000" b="1" spc="100" dirty="0">
+                    <a:solidFill>
+                      <a:schemeClr val="bg1"/>
+                    </a:solidFill>
+                    <a:latin typeface="Signika Negative" pitchFamily="2" charset="0"/>
+                    <a:ea typeface="Franchise" pitchFamily="49" charset="0"/>
+                  </a:rPr>
+                  <a:t>1</a:t>
+                </a:r>
+                <a:r>
+                  <a:rPr lang="zh-CN" altLang="en-US" sz="2000" b="1" spc="100" dirty="0">
+                    <a:solidFill>
+                      <a:schemeClr val="bg1"/>
+                    </a:solidFill>
+                    <a:latin typeface="Signika Negative" pitchFamily="2" charset="0"/>
+                    <a:ea typeface="Franchise" pitchFamily="49" charset="0"/>
+                  </a:rPr>
+                  <a:t>添加新的账号</a:t>
+                </a:r>
+                <a:r>
+                  <a:rPr lang="en-US" altLang="zh-CN" sz="2000" b="1" spc="100" dirty="0">
+                    <a:solidFill>
+                      <a:schemeClr val="bg1"/>
+                    </a:solidFill>
+                    <a:latin typeface="Signika Negative" pitchFamily="2" charset="0"/>
+                    <a:ea typeface="Franchise" pitchFamily="49" charset="0"/>
+                  </a:rPr>
+                  <a:t>12345</a:t>
+                </a:r>
+              </a:p>
+            </p:txBody>
+          </p:sp>
+        </p:grpSp>
+      </p:grpSp>
+      <p:pic>
+        <p:nvPicPr>
+          <p:cNvPr id="4" name="图片 3">
+            <a:extLst>
+              <a:ext uri="{FF2B5EF4-FFF2-40B4-BE49-F238E27FC236}">
+                <a16:creationId xmlns:a16="http://schemas.microsoft.com/office/drawing/2014/main" id="{E10EA425-40F0-4C49-97AA-F89681FAE713}"/>
+              </a:ext>
+            </a:extLst>
+          </p:cNvPr>
+          <p:cNvPicPr>
+            <a:picLocks noChangeAspect="1"/>
+          </p:cNvPicPr>
+          <p:nvPr/>
+        </p:nvPicPr>
+        <p:blipFill>
+          <a:blip r:embed="rId2"/>
+          <a:stretch>
+            <a:fillRect/>
+          </a:stretch>
+        </p:blipFill>
+        <p:spPr>
+          <a:xfrm>
+            <a:off x="2653447" y="1930896"/>
+            <a:ext cx="7396457" cy="4333024"/>
+          </a:xfrm>
+          <a:prstGeom prst="rect">
+            <a:avLst/>
+          </a:prstGeom>
+        </p:spPr>
+      </p:pic>
+      <p:grpSp>
+        <p:nvGrpSpPr>
+          <p:cNvPr id="15" name="Group 9">
+            <a:extLst>
+              <a:ext uri="{FF2B5EF4-FFF2-40B4-BE49-F238E27FC236}">
+                <a16:creationId xmlns:a16="http://schemas.microsoft.com/office/drawing/2014/main" id="{F6E113DD-F8D6-471D-834B-0108DAB0DA05}"/>
+              </a:ext>
+            </a:extLst>
+          </p:cNvPr>
+          <p:cNvGrpSpPr/>
+          <p:nvPr/>
+        </p:nvGrpSpPr>
+        <p:grpSpPr>
+          <a:xfrm>
+            <a:off x="216581" y="2832138"/>
+            <a:ext cx="1718751" cy="967506"/>
+            <a:chOff x="1593022" y="1409888"/>
+            <a:chExt cx="1558675" cy="737331"/>
+          </a:xfrm>
+          <a:solidFill>
+            <a:schemeClr val="tx1"/>
+          </a:solidFill>
+        </p:grpSpPr>
+        <p:sp>
+          <p:nvSpPr>
+            <p:cNvPr id="16" name="Pentagon 50">
+              <a:extLst>
+                <a:ext uri="{FF2B5EF4-FFF2-40B4-BE49-F238E27FC236}">
+                  <a16:creationId xmlns:a16="http://schemas.microsoft.com/office/drawing/2014/main" id="{63FC6C7C-ADA5-4D41-9962-FBA43E2C0848}"/>
+                </a:ext>
+              </a:extLst>
+            </p:cNvPr>
+            <p:cNvSpPr/>
+            <p:nvPr/>
+          </p:nvSpPr>
+          <p:spPr>
+            <a:xfrm>
+              <a:off x="1679080" y="1409888"/>
+              <a:ext cx="776811" cy="316767"/>
+            </a:xfrm>
+            <a:prstGeom prst="homePlate">
+              <a:avLst>
+                <a:gd name="adj" fmla="val 25095"/>
+              </a:avLst>
+            </a:prstGeom>
+            <a:grpFill/>
+            <a:ln>
+              <a:noFill/>
+            </a:ln>
+          </p:spPr>
+          <p:style>
+            <a:lnRef idx="2">
+              <a:schemeClr val="accent1">
+                <a:shade val="50000"/>
+              </a:schemeClr>
+            </a:lnRef>
+            <a:fillRef idx="1">
+              <a:schemeClr val="accent1"/>
+            </a:fillRef>
+            <a:effectRef idx="0">
+              <a:schemeClr val="accent1"/>
+            </a:effectRef>
+            <a:fontRef idx="minor">
+              <a:schemeClr val="lt1"/>
+            </a:fontRef>
+          </p:style>
+          <p:txBody>
+            <a:bodyPr rtlCol="0" anchor="ctr"/>
+            <a:lstStyle/>
+            <a:p>
+              <a:pPr algn="ctr"/>
+              <a:endParaRPr lang="en-US" sz="1200"/>
+            </a:p>
+          </p:txBody>
+        </p:sp>
+        <p:grpSp>
+          <p:nvGrpSpPr>
+            <p:cNvPr id="17" name="Group 51">
+              <a:extLst>
+                <a:ext uri="{FF2B5EF4-FFF2-40B4-BE49-F238E27FC236}">
+                  <a16:creationId xmlns:a16="http://schemas.microsoft.com/office/drawing/2014/main" id="{3339EA3C-F80E-4A13-848B-8C519EC27D16}"/>
+                </a:ext>
+              </a:extLst>
+            </p:cNvPr>
+            <p:cNvGrpSpPr/>
+            <p:nvPr/>
+          </p:nvGrpSpPr>
+          <p:grpSpPr>
+            <a:xfrm>
+              <a:off x="1593022" y="1409889"/>
+              <a:ext cx="1558675" cy="737330"/>
+              <a:chOff x="1654906" y="1478227"/>
+              <a:chExt cx="1654160" cy="832739"/>
+            </a:xfrm>
+            <a:grpFill/>
+          </p:grpSpPr>
+          <p:sp>
+            <p:nvSpPr>
+              <p:cNvPr id="18" name="Pentagon 52">
+                <a:extLst>
+                  <a:ext uri="{FF2B5EF4-FFF2-40B4-BE49-F238E27FC236}">
+                    <a16:creationId xmlns:a16="http://schemas.microsoft.com/office/drawing/2014/main" id="{8E35CAC2-D0F5-4201-8144-6C866F25AC25}"/>
+                  </a:ext>
+                </a:extLst>
+              </p:cNvPr>
+              <p:cNvSpPr/>
+              <p:nvPr/>
+            </p:nvSpPr>
+            <p:spPr>
+              <a:xfrm>
+                <a:off x="1654906" y="1478227"/>
+                <a:ext cx="1654160" cy="832739"/>
+              </a:xfrm>
+              <a:prstGeom prst="homePlate">
+                <a:avLst>
+                  <a:gd name="adj" fmla="val 25095"/>
+                </a:avLst>
+              </a:prstGeom>
+              <a:grpFill/>
+              <a:ln>
+                <a:noFill/>
+              </a:ln>
+            </p:spPr>
+            <p:style>
+              <a:lnRef idx="2">
+                <a:schemeClr val="accent1">
+                  <a:shade val="50000"/>
+                </a:schemeClr>
+              </a:lnRef>
+              <a:fillRef idx="1">
+                <a:schemeClr val="accent1"/>
+              </a:fillRef>
+              <a:effectRef idx="0">
+                <a:schemeClr val="accent1"/>
+              </a:effectRef>
+              <a:fontRef idx="minor">
+                <a:schemeClr val="lt1"/>
+              </a:fontRef>
+            </p:style>
+            <p:txBody>
+              <a:bodyPr rtlCol="0" anchor="ctr"/>
+              <a:lstStyle/>
+              <a:p>
+                <a:pPr algn="ctr"/>
+                <a:endParaRPr lang="en-US" sz="1200"/>
+              </a:p>
+            </p:txBody>
+          </p:sp>
+          <p:sp>
+            <p:nvSpPr>
+              <p:cNvPr id="19" name="Subtitle 2">
+                <a:extLst>
+                  <a:ext uri="{FF2B5EF4-FFF2-40B4-BE49-F238E27FC236}">
+                    <a16:creationId xmlns:a16="http://schemas.microsoft.com/office/drawing/2014/main" id="{A3D8A9CC-E188-4AC9-9490-B885CB339DAC}"/>
+                  </a:ext>
+                </a:extLst>
+              </p:cNvPr>
+              <p:cNvSpPr txBox="1">
+                <a:spLocks/>
+              </p:cNvSpPr>
+              <p:nvPr/>
+            </p:nvSpPr>
+            <p:spPr>
+              <a:xfrm>
+                <a:off x="1746237" y="1586315"/>
+                <a:ext cx="1209668" cy="623486"/>
+              </a:xfrm>
+              <a:prstGeom prst="rect">
+                <a:avLst/>
+              </a:prstGeom>
+              <a:grpFill/>
+            </p:spPr>
+            <p:txBody>
+              <a:bodyPr vert="horz" lIns="91440" tIns="45720" rIns="91440" bIns="45720" rtlCol="0">
+                <a:noAutofit/>
+              </a:bodyPr>
+              <a:lstStyle>
+                <a:lvl1pPr marL="342900" indent="-342900" algn="l" defTabSz="914400" rtl="0" eaLnBrk="1" latinLnBrk="0" hangingPunct="1">
+                  <a:spcBef>
+                    <a:spcPct val="20000"/>
+                  </a:spcBef>
+                  <a:buFont typeface="Arial" pitchFamily="34" charset="0"/>
+                  <a:buChar char="•"/>
+                  <a:defRPr sz="3200" kern="1200">
+                    <a:solidFill>
+                      <a:schemeClr val="tx1"/>
+                    </a:solidFill>
+                    <a:latin typeface="+mn-lt"/>
+                    <a:ea typeface="+mn-ea"/>
+                    <a:cs typeface="+mn-cs"/>
+                  </a:defRPr>
+                </a:lvl1pPr>
+                <a:lvl2pPr marL="742950" indent="-285750" algn="l" defTabSz="914400" rtl="0" eaLnBrk="1" latinLnBrk="0" hangingPunct="1">
+                  <a:spcBef>
+                    <a:spcPct val="20000"/>
+                  </a:spcBef>
+                  <a:buFont typeface="Arial" pitchFamily="34" charset="0"/>
+                  <a:buChar char="–"/>
+                  <a:defRPr sz="2800" kern="1200">
+                    <a:solidFill>
+                      <a:schemeClr val="tx1"/>
+                    </a:solidFill>
+                    <a:latin typeface="+mn-lt"/>
+                    <a:ea typeface="+mn-ea"/>
+                    <a:cs typeface="+mn-cs"/>
+                  </a:defRPr>
+                </a:lvl2pPr>
+                <a:lvl3pPr marL="1143000" indent="-228600" algn="l" defTabSz="914400" rtl="0" eaLnBrk="1" latinLnBrk="0" hangingPunct="1">
+                  <a:spcBef>
+                    <a:spcPct val="20000"/>
+                  </a:spcBef>
+                  <a:buFont typeface="Arial" pitchFamily="34" charset="0"/>
+                  <a:buChar char="•"/>
+                  <a:defRPr sz="2400" kern="1200">
+                    <a:solidFill>
+                      <a:schemeClr val="tx1"/>
+                    </a:solidFill>
+                    <a:latin typeface="+mn-lt"/>
+                    <a:ea typeface="+mn-ea"/>
+                    <a:cs typeface="+mn-cs"/>
+                  </a:defRPr>
+                </a:lvl3pPr>
+                <a:lvl4pPr marL="1600200" indent="-228600" algn="l" defTabSz="914400" rtl="0" eaLnBrk="1" latinLnBrk="0" hangingPunct="1">
+                  <a:spcBef>
+                    <a:spcPct val="20000"/>
+                  </a:spcBef>
+                  <a:buFont typeface="Arial" pitchFamily="34" charset="0"/>
+                  <a:buChar char="–"/>
+                  <a:defRPr sz="2000" kern="1200">
+                    <a:solidFill>
+                      <a:schemeClr val="tx1"/>
+                    </a:solidFill>
+                    <a:latin typeface="+mn-lt"/>
+                    <a:ea typeface="+mn-ea"/>
+                    <a:cs typeface="+mn-cs"/>
+                  </a:defRPr>
+                </a:lvl4pPr>
+                <a:lvl5pPr marL="2057400" indent="-228600" algn="l" defTabSz="914400" rtl="0" eaLnBrk="1" latinLnBrk="0" hangingPunct="1">
+                  <a:spcBef>
+                    <a:spcPct val="20000"/>
+                  </a:spcBef>
+                  <a:buFont typeface="Arial" pitchFamily="34" charset="0"/>
+                  <a:buChar char="»"/>
+                  <a:defRPr sz="2000" kern="1200">
+                    <a:solidFill>
+                      <a:schemeClr val="tx1"/>
+                    </a:solidFill>
+                    <a:latin typeface="+mn-lt"/>
+                    <a:ea typeface="+mn-ea"/>
+                    <a:cs typeface="+mn-cs"/>
+                  </a:defRPr>
+                </a:lvl5pPr>
+                <a:lvl6pPr marL="2514600" indent="-228600" algn="l" defTabSz="914400" rtl="0" eaLnBrk="1" latinLnBrk="0" hangingPunct="1">
+                  <a:spcBef>
+                    <a:spcPct val="20000"/>
+                  </a:spcBef>
+                  <a:buFont typeface="Arial" pitchFamily="34" charset="0"/>
+                  <a:buChar char="•"/>
+                  <a:defRPr sz="2000" kern="1200">
+                    <a:solidFill>
+                      <a:schemeClr val="tx1"/>
+                    </a:solidFill>
+                    <a:latin typeface="+mn-lt"/>
+                    <a:ea typeface="+mn-ea"/>
+                    <a:cs typeface="+mn-cs"/>
+                  </a:defRPr>
+                </a:lvl6pPr>
+                <a:lvl7pPr marL="2971800" indent="-228600" algn="l" defTabSz="914400" rtl="0" eaLnBrk="1" latinLnBrk="0" hangingPunct="1">
+                  <a:spcBef>
+                    <a:spcPct val="20000"/>
+                  </a:spcBef>
+                  <a:buFont typeface="Arial" pitchFamily="34" charset="0"/>
+                  <a:buChar char="•"/>
+                  <a:defRPr sz="2000" kern="1200">
+                    <a:solidFill>
+                      <a:schemeClr val="tx1"/>
+                    </a:solidFill>
+                    <a:latin typeface="+mn-lt"/>
+                    <a:ea typeface="+mn-ea"/>
+                    <a:cs typeface="+mn-cs"/>
+                  </a:defRPr>
+                </a:lvl7pPr>
+                <a:lvl8pPr marL="3429000" indent="-228600" algn="l" defTabSz="914400" rtl="0" eaLnBrk="1" latinLnBrk="0" hangingPunct="1">
+                  <a:spcBef>
+                    <a:spcPct val="20000"/>
+                  </a:spcBef>
+                  <a:buFont typeface="Arial" pitchFamily="34" charset="0"/>
+                  <a:buChar char="•"/>
+                  <a:defRPr sz="2000" kern="1200">
+                    <a:solidFill>
+                      <a:schemeClr val="tx1"/>
+                    </a:solidFill>
+                    <a:latin typeface="+mn-lt"/>
+                    <a:ea typeface="+mn-ea"/>
+                    <a:cs typeface="+mn-cs"/>
+                  </a:defRPr>
+                </a:lvl8pPr>
+                <a:lvl9pPr marL="3886200" indent="-228600" algn="l" defTabSz="914400" rtl="0" eaLnBrk="1" latinLnBrk="0" hangingPunct="1">
+                  <a:spcBef>
+                    <a:spcPct val="20000"/>
+                  </a:spcBef>
+                  <a:buFont typeface="Arial" pitchFamily="34" charset="0"/>
+                  <a:buChar char="•"/>
+                  <a:defRPr sz="2000" kern="1200">
+                    <a:solidFill>
+                      <a:schemeClr val="tx1"/>
+                    </a:solidFill>
+                    <a:latin typeface="+mn-lt"/>
+                    <a:ea typeface="+mn-ea"/>
+                    <a:cs typeface="+mn-cs"/>
+                  </a:defRPr>
+                </a:lvl9pPr>
+              </a:lstStyle>
+              <a:p>
+                <a:pPr marL="0" indent="0">
+                  <a:buNone/>
+                </a:pPr>
+                <a:r>
+                  <a:rPr lang="zh-CN" altLang="en-US" sz="2000" b="1" spc="100" dirty="0">
+                    <a:solidFill>
+                      <a:schemeClr val="bg1"/>
+                    </a:solidFill>
+                    <a:latin typeface="Signika Negative" pitchFamily="2" charset="0"/>
+                    <a:ea typeface="Franchise" pitchFamily="49" charset="0"/>
+                  </a:rPr>
+                  <a:t>再次查看密码本</a:t>
+                </a:r>
+                <a:endParaRPr lang="en-US" altLang="zh-CN" sz="2000" b="1" spc="100" dirty="0">
+                  <a:solidFill>
+                    <a:schemeClr val="bg1"/>
+                  </a:solidFill>
+                  <a:latin typeface="Signika Negative" pitchFamily="2" charset="0"/>
+                  <a:ea typeface="Franchise" pitchFamily="49" charset="0"/>
+                </a:endParaRPr>
+              </a:p>
+            </p:txBody>
+          </p:sp>
+        </p:grpSp>
+      </p:grpSp>
+      <p:grpSp>
+        <p:nvGrpSpPr>
+          <p:cNvPr id="20" name="Group 9">
+            <a:extLst>
+              <a:ext uri="{FF2B5EF4-FFF2-40B4-BE49-F238E27FC236}">
+                <a16:creationId xmlns:a16="http://schemas.microsoft.com/office/drawing/2014/main" id="{68224E6E-73E9-4A9F-9B89-01F690B8F95B}"/>
+              </a:ext>
+            </a:extLst>
+          </p:cNvPr>
+          <p:cNvGrpSpPr/>
+          <p:nvPr/>
+        </p:nvGrpSpPr>
+        <p:grpSpPr>
+          <a:xfrm>
+            <a:off x="216582" y="4183022"/>
+            <a:ext cx="2162634" cy="1302345"/>
+            <a:chOff x="1593022" y="1409888"/>
+            <a:chExt cx="1558675" cy="737331"/>
+          </a:xfrm>
+          <a:solidFill>
+            <a:schemeClr val="tx1"/>
+          </a:solidFill>
+        </p:grpSpPr>
+        <p:sp>
+          <p:nvSpPr>
+            <p:cNvPr id="21" name="Pentagon 50">
+              <a:extLst>
+                <a:ext uri="{FF2B5EF4-FFF2-40B4-BE49-F238E27FC236}">
+                  <a16:creationId xmlns:a16="http://schemas.microsoft.com/office/drawing/2014/main" id="{6AC5049F-4F1A-4A26-8A36-7FB06D251363}"/>
+                </a:ext>
+              </a:extLst>
+            </p:cNvPr>
+            <p:cNvSpPr/>
+            <p:nvPr/>
+          </p:nvSpPr>
+          <p:spPr>
+            <a:xfrm>
+              <a:off x="1679080" y="1409888"/>
+              <a:ext cx="776811" cy="316767"/>
+            </a:xfrm>
+            <a:prstGeom prst="homePlate">
+              <a:avLst>
+                <a:gd name="adj" fmla="val 25095"/>
+              </a:avLst>
+            </a:prstGeom>
+            <a:grpFill/>
+            <a:ln>
+              <a:noFill/>
+            </a:ln>
+          </p:spPr>
+          <p:style>
+            <a:lnRef idx="2">
+              <a:schemeClr val="accent1">
+                <a:shade val="50000"/>
+              </a:schemeClr>
+            </a:lnRef>
+            <a:fillRef idx="1">
+              <a:schemeClr val="accent1"/>
+            </a:fillRef>
+            <a:effectRef idx="0">
+              <a:schemeClr val="accent1"/>
+            </a:effectRef>
+            <a:fontRef idx="minor">
+              <a:schemeClr val="lt1"/>
+            </a:fontRef>
+          </p:style>
+          <p:txBody>
+            <a:bodyPr rtlCol="0" anchor="ctr"/>
+            <a:lstStyle/>
+            <a:p>
+              <a:pPr algn="ctr"/>
+              <a:endParaRPr lang="en-US" sz="1200"/>
+            </a:p>
+          </p:txBody>
+        </p:sp>
+        <p:grpSp>
+          <p:nvGrpSpPr>
+            <p:cNvPr id="22" name="Group 51">
+              <a:extLst>
+                <a:ext uri="{FF2B5EF4-FFF2-40B4-BE49-F238E27FC236}">
+                  <a16:creationId xmlns:a16="http://schemas.microsoft.com/office/drawing/2014/main" id="{2CBB68FD-9A53-44D9-909B-CBFF3CFD7B61}"/>
+                </a:ext>
+              </a:extLst>
+            </p:cNvPr>
+            <p:cNvGrpSpPr/>
+            <p:nvPr/>
+          </p:nvGrpSpPr>
+          <p:grpSpPr>
+            <a:xfrm>
+              <a:off x="1593022" y="1409889"/>
+              <a:ext cx="1558675" cy="737330"/>
+              <a:chOff x="1654906" y="1478227"/>
+              <a:chExt cx="1654160" cy="832739"/>
+            </a:xfrm>
+            <a:grpFill/>
+          </p:grpSpPr>
+          <p:sp>
+            <p:nvSpPr>
+              <p:cNvPr id="23" name="Pentagon 52">
+                <a:extLst>
+                  <a:ext uri="{FF2B5EF4-FFF2-40B4-BE49-F238E27FC236}">
+                    <a16:creationId xmlns:a16="http://schemas.microsoft.com/office/drawing/2014/main" id="{7591AAB7-F8D6-4C81-9941-9D3FF0768DB6}"/>
+                  </a:ext>
+                </a:extLst>
+              </p:cNvPr>
+              <p:cNvSpPr/>
+              <p:nvPr/>
+            </p:nvSpPr>
+            <p:spPr>
+              <a:xfrm>
+                <a:off x="1654906" y="1478227"/>
+                <a:ext cx="1654160" cy="832739"/>
+              </a:xfrm>
+              <a:prstGeom prst="homePlate">
+                <a:avLst>
+                  <a:gd name="adj" fmla="val 25095"/>
+                </a:avLst>
+              </a:prstGeom>
+              <a:grpFill/>
+              <a:ln>
+                <a:noFill/>
+              </a:ln>
+            </p:spPr>
+            <p:style>
+              <a:lnRef idx="2">
+                <a:schemeClr val="accent1">
+                  <a:shade val="50000"/>
+                </a:schemeClr>
+              </a:lnRef>
+              <a:fillRef idx="1">
+                <a:schemeClr val="accent1"/>
+              </a:fillRef>
+              <a:effectRef idx="0">
+                <a:schemeClr val="accent1"/>
+              </a:effectRef>
+              <a:fontRef idx="minor">
+                <a:schemeClr val="lt1"/>
+              </a:fontRef>
+            </p:style>
+            <p:txBody>
+              <a:bodyPr rtlCol="0" anchor="ctr"/>
+              <a:lstStyle/>
+              <a:p>
+                <a:pPr algn="ctr"/>
+                <a:endParaRPr lang="en-US" sz="1200"/>
+              </a:p>
+            </p:txBody>
+          </p:sp>
+          <p:sp>
+            <p:nvSpPr>
+              <p:cNvPr id="24" name="Subtitle 2">
+                <a:extLst>
+                  <a:ext uri="{FF2B5EF4-FFF2-40B4-BE49-F238E27FC236}">
+                    <a16:creationId xmlns:a16="http://schemas.microsoft.com/office/drawing/2014/main" id="{E9C6BE86-E11B-4F79-98EB-4BBD7C4938E1}"/>
+                  </a:ext>
+                </a:extLst>
+              </p:cNvPr>
+              <p:cNvSpPr txBox="1">
+                <a:spLocks/>
+              </p:cNvSpPr>
+              <p:nvPr/>
+            </p:nvSpPr>
+            <p:spPr>
+              <a:xfrm>
+                <a:off x="1746237" y="1586315"/>
+                <a:ext cx="1209668" cy="623486"/>
+              </a:xfrm>
+              <a:prstGeom prst="rect">
+                <a:avLst/>
+              </a:prstGeom>
+              <a:grpFill/>
+            </p:spPr>
+            <p:txBody>
+              <a:bodyPr vert="horz" lIns="91440" tIns="45720" rIns="91440" bIns="45720" rtlCol="0">
+                <a:noAutofit/>
+              </a:bodyPr>
+              <a:lstStyle>
+                <a:lvl1pPr marL="342900" indent="-342900" algn="l" defTabSz="914400" rtl="0" eaLnBrk="1" latinLnBrk="0" hangingPunct="1">
+                  <a:spcBef>
+                    <a:spcPct val="20000"/>
+                  </a:spcBef>
+                  <a:buFont typeface="Arial" pitchFamily="34" charset="0"/>
+                  <a:buChar char="•"/>
+                  <a:defRPr sz="3200" kern="1200">
+                    <a:solidFill>
+                      <a:schemeClr val="tx1"/>
+                    </a:solidFill>
+                    <a:latin typeface="+mn-lt"/>
+                    <a:ea typeface="+mn-ea"/>
+                    <a:cs typeface="+mn-cs"/>
+                  </a:defRPr>
+                </a:lvl1pPr>
+                <a:lvl2pPr marL="742950" indent="-285750" algn="l" defTabSz="914400" rtl="0" eaLnBrk="1" latinLnBrk="0" hangingPunct="1">
+                  <a:spcBef>
+                    <a:spcPct val="20000"/>
+                  </a:spcBef>
+                  <a:buFont typeface="Arial" pitchFamily="34" charset="0"/>
+                  <a:buChar char="–"/>
+                  <a:defRPr sz="2800" kern="1200">
+                    <a:solidFill>
+                      <a:schemeClr val="tx1"/>
+                    </a:solidFill>
+                    <a:latin typeface="+mn-lt"/>
+                    <a:ea typeface="+mn-ea"/>
+                    <a:cs typeface="+mn-cs"/>
+                  </a:defRPr>
+                </a:lvl2pPr>
+                <a:lvl3pPr marL="1143000" indent="-228600" algn="l" defTabSz="914400" rtl="0" eaLnBrk="1" latinLnBrk="0" hangingPunct="1">
+                  <a:spcBef>
+                    <a:spcPct val="20000"/>
+                  </a:spcBef>
+                  <a:buFont typeface="Arial" pitchFamily="34" charset="0"/>
+                  <a:buChar char="•"/>
+                  <a:defRPr sz="2400" kern="1200">
+                    <a:solidFill>
+                      <a:schemeClr val="tx1"/>
+                    </a:solidFill>
+                    <a:latin typeface="+mn-lt"/>
+                    <a:ea typeface="+mn-ea"/>
+                    <a:cs typeface="+mn-cs"/>
+                  </a:defRPr>
+                </a:lvl3pPr>
+                <a:lvl4pPr marL="1600200" indent="-228600" algn="l" defTabSz="914400" rtl="0" eaLnBrk="1" latinLnBrk="0" hangingPunct="1">
+                  <a:spcBef>
+                    <a:spcPct val="20000"/>
+                  </a:spcBef>
+                  <a:buFont typeface="Arial" pitchFamily="34" charset="0"/>
+                  <a:buChar char="–"/>
+                  <a:defRPr sz="2000" kern="1200">
+                    <a:solidFill>
+                      <a:schemeClr val="tx1"/>
+                    </a:solidFill>
+                    <a:latin typeface="+mn-lt"/>
+                    <a:ea typeface="+mn-ea"/>
+                    <a:cs typeface="+mn-cs"/>
+                  </a:defRPr>
+                </a:lvl4pPr>
+                <a:lvl5pPr marL="2057400" indent="-228600" algn="l" defTabSz="914400" rtl="0" eaLnBrk="1" latinLnBrk="0" hangingPunct="1">
+                  <a:spcBef>
+                    <a:spcPct val="20000"/>
+                  </a:spcBef>
+                  <a:buFont typeface="Arial" pitchFamily="34" charset="0"/>
+                  <a:buChar char="»"/>
+                  <a:defRPr sz="2000" kern="1200">
+                    <a:solidFill>
+                      <a:schemeClr val="tx1"/>
+                    </a:solidFill>
+                    <a:latin typeface="+mn-lt"/>
+                    <a:ea typeface="+mn-ea"/>
+                    <a:cs typeface="+mn-cs"/>
+                  </a:defRPr>
+                </a:lvl5pPr>
+                <a:lvl6pPr marL="2514600" indent="-228600" algn="l" defTabSz="914400" rtl="0" eaLnBrk="1" latinLnBrk="0" hangingPunct="1">
+                  <a:spcBef>
+                    <a:spcPct val="20000"/>
+                  </a:spcBef>
+                  <a:buFont typeface="Arial" pitchFamily="34" charset="0"/>
+                  <a:buChar char="•"/>
+                  <a:defRPr sz="2000" kern="1200">
+                    <a:solidFill>
+                      <a:schemeClr val="tx1"/>
+                    </a:solidFill>
+                    <a:latin typeface="+mn-lt"/>
+                    <a:ea typeface="+mn-ea"/>
+                    <a:cs typeface="+mn-cs"/>
+                  </a:defRPr>
+                </a:lvl6pPr>
+                <a:lvl7pPr marL="2971800" indent="-228600" algn="l" defTabSz="914400" rtl="0" eaLnBrk="1" latinLnBrk="0" hangingPunct="1">
+                  <a:spcBef>
+                    <a:spcPct val="20000"/>
+                  </a:spcBef>
+                  <a:buFont typeface="Arial" pitchFamily="34" charset="0"/>
+                  <a:buChar char="•"/>
+                  <a:defRPr sz="2000" kern="1200">
+                    <a:solidFill>
+                      <a:schemeClr val="tx1"/>
+                    </a:solidFill>
+                    <a:latin typeface="+mn-lt"/>
+                    <a:ea typeface="+mn-ea"/>
+                    <a:cs typeface="+mn-cs"/>
+                  </a:defRPr>
+                </a:lvl7pPr>
+                <a:lvl8pPr marL="3429000" indent="-228600" algn="l" defTabSz="914400" rtl="0" eaLnBrk="1" latinLnBrk="0" hangingPunct="1">
+                  <a:spcBef>
+                    <a:spcPct val="20000"/>
+                  </a:spcBef>
+                  <a:buFont typeface="Arial" pitchFamily="34" charset="0"/>
+                  <a:buChar char="•"/>
+                  <a:defRPr sz="2000" kern="1200">
+                    <a:solidFill>
+                      <a:schemeClr val="tx1"/>
+                    </a:solidFill>
+                    <a:latin typeface="+mn-lt"/>
+                    <a:ea typeface="+mn-ea"/>
+                    <a:cs typeface="+mn-cs"/>
+                  </a:defRPr>
+                </a:lvl8pPr>
+                <a:lvl9pPr marL="3886200" indent="-228600" algn="l" defTabSz="914400" rtl="0" eaLnBrk="1" latinLnBrk="0" hangingPunct="1">
+                  <a:spcBef>
+                    <a:spcPct val="20000"/>
+                  </a:spcBef>
+                  <a:buFont typeface="Arial" pitchFamily="34" charset="0"/>
+                  <a:buChar char="•"/>
+                  <a:defRPr sz="2000" kern="1200">
+                    <a:solidFill>
+                      <a:schemeClr val="tx1"/>
+                    </a:solidFill>
+                    <a:latin typeface="+mn-lt"/>
+                    <a:ea typeface="+mn-ea"/>
+                    <a:cs typeface="+mn-cs"/>
+                  </a:defRPr>
+                </a:lvl9pPr>
+              </a:lstStyle>
+              <a:p>
+                <a:pPr marL="0" indent="0">
+                  <a:buNone/>
+                </a:pPr>
+                <a:r>
+                  <a:rPr lang="zh-CN" altLang="en-US" sz="2000" b="1" spc="100" dirty="0">
+                    <a:solidFill>
+                      <a:schemeClr val="bg1"/>
+                    </a:solidFill>
+                    <a:latin typeface="Signika Negative" pitchFamily="2" charset="0"/>
+                    <a:ea typeface="Franchise" pitchFamily="49" charset="0"/>
+                  </a:rPr>
+                  <a:t>账号已添加并自动排序</a:t>
+                </a:r>
+                <a:endParaRPr lang="en-US" altLang="zh-CN" sz="2000" b="1" spc="100" dirty="0">
+                  <a:solidFill>
+                    <a:schemeClr val="bg1"/>
+                  </a:solidFill>
+                  <a:latin typeface="Signika Negative" pitchFamily="2" charset="0"/>
+                  <a:ea typeface="Franchise" pitchFamily="49" charset="0"/>
+                </a:endParaRPr>
+              </a:p>
+            </p:txBody>
+          </p:sp>
+        </p:grpSp>
+      </p:grpSp>
+    </p:spTree>
+    <p:extLst>
+      <p:ext uri="{BB962C8B-B14F-4D97-AF65-F5344CB8AC3E}">
+        <p14:creationId xmlns:p14="http://schemas.microsoft.com/office/powerpoint/2010/main" val="508113225"/>
+      </p:ext>
+    </p:extLst>
+  </p:cSld>
+  <p:clrMapOvr>
+    <a:masterClrMapping/>
+  </p:clrMapOvr>
+  <mc:AlternateContent xmlns:mc="http://schemas.openxmlformats.org/markup-compatibility/2006" xmlns:p14="http://schemas.microsoft.com/office/powerpoint/2010/main">
+    <mc:Choice Requires="p14">
+      <p:transition spd="slow" p14:dur="1400">
+        <p14:reveal/>
+      </p:transition>
+    </mc:Choice>
+    <mc:Fallback xmlns="">
+      <p:transition spd="slow">
+        <p:fade/>
+      </p:transition>
+    </mc:Fallback>
+  </mc:AlternateContent>
+  <p:timing>
+    <p:tnLst>
+      <p:par>
+        <p:cTn id="1" dur="indefinite" restart="never" nodeType="tmRoot">
+          <p:childTnLst>
+            <p:seq concurrent="1" nextAc="seek">
+              <p:cTn id="2" dur="indefinite" nodeType="mainSeq">
+                <p:childTnLst>
+                  <p:par>
+                    <p:cTn id="3" fill="hold">
+                      <p:stCondLst>
+                        <p:cond delay="indefinite"/>
+                        <p:cond evt="onBegin" delay="0">
+                          <p:tn val="2"/>
+                        </p:cond>
+                      </p:stCondLst>
+                      <p:childTnLst>
+                        <p:par>
+                          <p:cTn id="4" fill="hold">
+                            <p:stCondLst>
+                              <p:cond delay="0"/>
+                            </p:stCondLst>
+                            <p:childTnLst>
+                              <p:par>
+                                <p:cTn id="5" presetID="42" presetClass="entr" presetSubtype="0" fill="hold" nodeType="afterEffect">
+                                  <p:stCondLst>
+                                    <p:cond delay="0"/>
+                                  </p:stCondLst>
+                                  <p:childTnLst>
+                                    <p:set>
+                                      <p:cBhvr>
+                                        <p:cTn id="6" dur="1" fill="hold">
+                                          <p:stCondLst>
+                                            <p:cond delay="0"/>
+                                          </p:stCondLst>
+                                        </p:cTn>
+                                        <p:tgtEl>
+                                          <p:spTgt spid="7"/>
+                                        </p:tgtEl>
+                                        <p:attrNameLst>
+                                          <p:attrName>style.visibility</p:attrName>
+                                        </p:attrNameLst>
+                                      </p:cBhvr>
+                                      <p:to>
+                                        <p:strVal val="visible"/>
+                                      </p:to>
+                                    </p:set>
+                                    <p:animEffect transition="in" filter="fade">
+                                      <p:cBhvr>
+                                        <p:cTn id="7" dur="750"/>
+                                        <p:tgtEl>
+                                          <p:spTgt spid="7"/>
+                                        </p:tgtEl>
+                                      </p:cBhvr>
+                                    </p:animEffect>
+                                    <p:anim calcmode="lin" valueType="num">
+                                      <p:cBhvr>
+                                        <p:cTn id="8" dur="750" fill="hold"/>
+                                        <p:tgtEl>
+                                          <p:spTgt spid="7"/>
+                                        </p:tgtEl>
+                                        <p:attrNameLst>
+                                          <p:attrName>ppt_x</p:attrName>
+                                        </p:attrNameLst>
+                                      </p:cBhvr>
+                                      <p:tavLst>
+                                        <p:tav tm="0">
+                                          <p:val>
+                                            <p:strVal val="#ppt_x"/>
+                                          </p:val>
+                                        </p:tav>
+                                        <p:tav tm="100000">
+                                          <p:val>
+                                            <p:strVal val="#ppt_x"/>
+                                          </p:val>
+                                        </p:tav>
+                                      </p:tavLst>
+                                    </p:anim>
+                                    <p:anim calcmode="lin" valueType="num">
+                                      <p:cBhvr>
+                                        <p:cTn id="9" dur="750" fill="hold"/>
+                                        <p:tgtEl>
+                                          <p:spTgt spid="7"/>
+                                        </p:tgtEl>
+                                        <p:attrNameLst>
+                                          <p:attrName>ppt_y</p:attrName>
+                                        </p:attrNameLst>
+                                      </p:cBhvr>
+                                      <p:tavLst>
+                                        <p:tav tm="0">
+                                          <p:val>
+                                            <p:strVal val="#ppt_y+.1"/>
+                                          </p:val>
+                                        </p:tav>
+                                        <p:tav tm="100000">
+                                          <p:val>
+                                            <p:strVal val="#ppt_y"/>
+                                          </p:val>
+                                        </p:tav>
+                                      </p:tavLst>
+                                    </p:anim>
+                                  </p:childTnLst>
+                                </p:cTn>
+                              </p:par>
+                            </p:childTnLst>
+                          </p:cTn>
+                        </p:par>
+                        <p:par>
+                          <p:cTn id="10" fill="hold">
+                            <p:stCondLst>
+                              <p:cond delay="750"/>
+                            </p:stCondLst>
+                            <p:childTnLst>
+                              <p:par>
+                                <p:cTn id="11" presetID="42" presetClass="entr" presetSubtype="0" fill="hold" nodeType="afterEffect">
+                                  <p:stCondLst>
+                                    <p:cond delay="0"/>
+                                  </p:stCondLst>
+                                  <p:childTnLst>
+                                    <p:set>
+                                      <p:cBhvr>
+                                        <p:cTn id="12" dur="1" fill="hold">
+                                          <p:stCondLst>
+                                            <p:cond delay="0"/>
+                                          </p:stCondLst>
+                                        </p:cTn>
+                                        <p:tgtEl>
+                                          <p:spTgt spid="15"/>
+                                        </p:tgtEl>
+                                        <p:attrNameLst>
+                                          <p:attrName>style.visibility</p:attrName>
+                                        </p:attrNameLst>
+                                      </p:cBhvr>
+                                      <p:to>
+                                        <p:strVal val="visible"/>
+                                      </p:to>
+                                    </p:set>
+                                    <p:animEffect transition="in" filter="fade">
+                                      <p:cBhvr>
+                                        <p:cTn id="13" dur="750"/>
+                                        <p:tgtEl>
+                                          <p:spTgt spid="15"/>
+                                        </p:tgtEl>
+                                      </p:cBhvr>
+                                    </p:animEffect>
+                                    <p:anim calcmode="lin" valueType="num">
+                                      <p:cBhvr>
+                                        <p:cTn id="14" dur="750" fill="hold"/>
+                                        <p:tgtEl>
+                                          <p:spTgt spid="15"/>
+                                        </p:tgtEl>
+                                        <p:attrNameLst>
+                                          <p:attrName>ppt_x</p:attrName>
+                                        </p:attrNameLst>
+                                      </p:cBhvr>
+                                      <p:tavLst>
+                                        <p:tav tm="0">
+                                          <p:val>
+                                            <p:strVal val="#ppt_x"/>
+                                          </p:val>
+                                        </p:tav>
+                                        <p:tav tm="100000">
+                                          <p:val>
+                                            <p:strVal val="#ppt_x"/>
+                                          </p:val>
+                                        </p:tav>
+                                      </p:tavLst>
+                                    </p:anim>
+                                    <p:anim calcmode="lin" valueType="num">
+                                      <p:cBhvr>
+                                        <p:cTn id="15" dur="750" fill="hold"/>
+                                        <p:tgtEl>
+                                          <p:spTgt spid="15"/>
+                                        </p:tgtEl>
+                                        <p:attrNameLst>
+                                          <p:attrName>ppt_y</p:attrName>
+                                        </p:attrNameLst>
+                                      </p:cBhvr>
+                                      <p:tavLst>
+                                        <p:tav tm="0">
+                                          <p:val>
+                                            <p:strVal val="#ppt_y+.1"/>
+                                          </p:val>
+                                        </p:tav>
+                                        <p:tav tm="100000">
+                                          <p:val>
+                                            <p:strVal val="#ppt_y"/>
+                                          </p:val>
+                                        </p:tav>
+                                      </p:tavLst>
+                                    </p:anim>
+                                  </p:childTnLst>
+                                </p:cTn>
+                              </p:par>
+                            </p:childTnLst>
+                          </p:cTn>
+                        </p:par>
+                        <p:par>
+                          <p:cTn id="16" fill="hold">
+                            <p:stCondLst>
+                              <p:cond delay="1500"/>
+                            </p:stCondLst>
+                            <p:childTnLst>
+                              <p:par>
+                                <p:cTn id="17" presetID="42" presetClass="entr" presetSubtype="0" fill="hold" nodeType="afterEffect">
+                                  <p:stCondLst>
+                                    <p:cond delay="0"/>
+                                  </p:stCondLst>
+                                  <p:childTnLst>
+                                    <p:set>
+                                      <p:cBhvr>
+                                        <p:cTn id="18" dur="1" fill="hold">
+                                          <p:stCondLst>
+                                            <p:cond delay="0"/>
+                                          </p:stCondLst>
+                                        </p:cTn>
+                                        <p:tgtEl>
+                                          <p:spTgt spid="20"/>
+                                        </p:tgtEl>
+                                        <p:attrNameLst>
+                                          <p:attrName>style.visibility</p:attrName>
+                                        </p:attrNameLst>
+                                      </p:cBhvr>
+                                      <p:to>
+                                        <p:strVal val="visible"/>
+                                      </p:to>
+                                    </p:set>
+                                    <p:animEffect transition="in" filter="fade">
+                                      <p:cBhvr>
+                                        <p:cTn id="19" dur="750"/>
+                                        <p:tgtEl>
+                                          <p:spTgt spid="20"/>
+                                        </p:tgtEl>
+                                      </p:cBhvr>
+                                    </p:animEffect>
+                                    <p:anim calcmode="lin" valueType="num">
+                                      <p:cBhvr>
+                                        <p:cTn id="20" dur="750" fill="hold"/>
+                                        <p:tgtEl>
+                                          <p:spTgt spid="20"/>
+                                        </p:tgtEl>
+                                        <p:attrNameLst>
+                                          <p:attrName>ppt_x</p:attrName>
+                                        </p:attrNameLst>
+                                      </p:cBhvr>
+                                      <p:tavLst>
+                                        <p:tav tm="0">
+                                          <p:val>
+                                            <p:strVal val="#ppt_x"/>
+                                          </p:val>
+                                        </p:tav>
+                                        <p:tav tm="100000">
+                                          <p:val>
+                                            <p:strVal val="#ppt_x"/>
+                                          </p:val>
+                                        </p:tav>
+                                      </p:tavLst>
+                                    </p:anim>
+                                    <p:anim calcmode="lin" valueType="num">
+                                      <p:cBhvr>
+                                        <p:cTn id="21" dur="750" fill="hold"/>
+                                        <p:tgtEl>
+                                          <p:spTgt spid="20"/>
+                                        </p:tgtEl>
+                                        <p:attrNameLst>
+                                          <p:attrName>ppt_y</p:attrName>
+                                        </p:attrNameLst>
+                                      </p:cBhvr>
+                                      <p:tavLst>
+                                        <p:tav tm="0">
+                                          <p:val>
+                                            <p:strVal val="#ppt_y+.1"/>
+                                          </p:val>
+                                        </p:tav>
+                                        <p:tav tm="100000">
+                                          <p:val>
+                                            <p:strVal val="#ppt_y"/>
+                                          </p:val>
+                                        </p:tav>
+                                      </p:tavLst>
+                                    </p:anim>
+                                  </p:childTnLst>
+                                </p:cTn>
+                              </p:par>
+                            </p:childTnLst>
+                          </p:cTn>
+                        </p:par>
+                      </p:childTnLst>
+                    </p:cTn>
+                  </p:par>
+                </p:childTnLst>
+              </p:cTn>
+              <p:prevCondLst>
+                <p:cond evt="onPrev" delay="0">
+                  <p:tgtEl>
+                    <p:sldTgt/>
+                  </p:tgtEl>
+                </p:cond>
+              </p:prevCondLst>
+              <p:nextCondLst>
+                <p:cond evt="onNext" delay="0">
+                  <p:tgtEl>
+                    <p:sldTgt/>
+                  </p:tgtEl>
+                </p:cond>
+              </p:nextCondLst>
+            </p:seq>
+          </p:childTnLst>
+        </p:cTn>
+      </p:par>
+    </p:tnLst>
+  </p:timing>
+</p:sld>
+</file>
+
+<file path=ppt/slides/slide19.xml><?xml version="1.0" encoding="utf-8"?>
 <p:sld xmlns:a="http://schemas.openxmlformats.org/drawingml/2006/main" xmlns:r="http://schemas.openxmlformats.org/officeDocument/2006/relationships" xmlns:p="http://schemas.openxmlformats.org/presentationml/2006/main">
   <p:cSld>
     <p:spTree>
@@ -8514,338 +13963,7 @@
     </p:spTree>
     <p:extLst>
       <p:ext uri="{BB962C8B-B14F-4D97-AF65-F5344CB8AC3E}">
-        <p14:creationId xmlns:p14="http://schemas.microsoft.com/office/powerpoint/2010/main" val="4131986171"/>
-      </p:ext>
-    </p:extLst>
-  </p:cSld>
-  <p:clrMapOvr>
-    <a:masterClrMapping/>
-  </p:clrMapOvr>
-  <mc:AlternateContent xmlns:mc="http://schemas.openxmlformats.org/markup-compatibility/2006" xmlns:p14="http://schemas.microsoft.com/office/powerpoint/2010/main">
-    <mc:Choice Requires="p14">
-      <p:transition spd="slow" p14:dur="1400">
-        <p14:reveal/>
-      </p:transition>
-    </mc:Choice>
-    <mc:Fallback xmlns="">
-      <p:transition spd="slow">
-        <p:fade/>
-      </p:transition>
-    </mc:Fallback>
-  </mc:AlternateContent>
-</p:sld>
-</file>
-
-<file path=ppt/slides/slide15.xml><?xml version="1.0" encoding="utf-8"?>
-<p:sld xmlns:a="http://schemas.openxmlformats.org/drawingml/2006/main" xmlns:r="http://schemas.openxmlformats.org/officeDocument/2006/relationships" xmlns:p="http://schemas.openxmlformats.org/presentationml/2006/main">
-  <p:cSld>
-    <p:spTree>
-      <p:nvGrpSpPr>
-        <p:cNvPr id="1" name=""/>
-        <p:cNvGrpSpPr/>
-        <p:nvPr/>
-      </p:nvGrpSpPr>
-      <p:grpSpPr>
-        <a:xfrm>
-          <a:off x="0" y="0"/>
-          <a:ext cx="0" cy="0"/>
-          <a:chOff x="0" y="0"/>
-          <a:chExt cx="0" cy="0"/>
-        </a:xfrm>
-      </p:grpSpPr>
-      <p:pic>
-        <p:nvPicPr>
-          <p:cNvPr id="4" name="图片 3"/>
-          <p:cNvPicPr>
-            <a:picLocks noChangeAspect="1"/>
-          </p:cNvPicPr>
-          <p:nvPr/>
-        </p:nvPicPr>
-        <p:blipFill>
-          <a:blip r:embed="rId2"/>
-          <a:stretch>
-            <a:fillRect/>
-          </a:stretch>
-        </p:blipFill>
-        <p:spPr>
-          <a:xfrm>
-            <a:off x="0" y="0"/>
-            <a:ext cx="12192000" cy="6858000"/>
-          </a:xfrm>
-          <a:prstGeom prst="rect">
-            <a:avLst/>
-          </a:prstGeom>
-        </p:spPr>
-      </p:pic>
-      <p:sp>
-        <p:nvSpPr>
-          <p:cNvPr id="15" name="矩形 14"/>
-          <p:cNvSpPr/>
-          <p:nvPr/>
-        </p:nvSpPr>
-        <p:spPr>
-          <a:xfrm>
-            <a:off x="0" y="0"/>
-            <a:ext cx="12192000" cy="6858000"/>
-          </a:xfrm>
-          <a:prstGeom prst="rect">
-            <a:avLst/>
-          </a:prstGeom>
-          <a:solidFill>
-            <a:schemeClr val="tx1">
-              <a:alpha val="15000"/>
-            </a:schemeClr>
-          </a:solidFill>
-          <a:ln w="12700" cap="flat" cmpd="sng" algn="ctr">
-            <a:noFill/>
-            <a:prstDash val="solid"/>
-            <a:miter lim="800000"/>
-          </a:ln>
-          <a:effectLst/>
-        </p:spPr>
-        <p:style>
-          <a:lnRef idx="2">
-            <a:schemeClr val="accent1">
-              <a:shade val="50000"/>
-            </a:schemeClr>
-          </a:lnRef>
-          <a:fillRef idx="1">
-            <a:schemeClr val="accent1"/>
-          </a:fillRef>
-          <a:effectRef idx="0">
-            <a:schemeClr val="accent1"/>
-          </a:effectRef>
-          <a:fontRef idx="minor">
-            <a:schemeClr val="lt1"/>
-          </a:fontRef>
-        </p:style>
-        <p:txBody>
-          <a:bodyPr rtlCol="0" anchor="ctr"/>
-          <a:lstStyle/>
-          <a:p>
-            <a:pPr algn="ctr"/>
-            <a:endParaRPr lang="zh-CN" altLang="en-US"/>
-          </a:p>
-        </p:txBody>
-      </p:sp>
-      <p:sp>
-        <p:nvSpPr>
-          <p:cNvPr id="12" name="六边形 11"/>
-          <p:cNvSpPr/>
-          <p:nvPr/>
-        </p:nvSpPr>
-        <p:spPr>
-          <a:xfrm>
-            <a:off x="4739640" y="1924444"/>
-            <a:ext cx="2712720" cy="2338552"/>
-          </a:xfrm>
-          <a:prstGeom prst="hexagon">
-            <a:avLst/>
-          </a:prstGeom>
-          <a:noFill/>
-          <a:ln w="22225">
-            <a:gradFill>
-              <a:gsLst>
-                <a:gs pos="0">
-                  <a:schemeClr val="tx1"/>
-                </a:gs>
-                <a:gs pos="29000">
-                  <a:schemeClr val="bg2">
-                    <a:lumMod val="75000"/>
-                  </a:schemeClr>
-                </a:gs>
-                <a:gs pos="83000">
-                  <a:schemeClr val="tx1">
-                    <a:lumMod val="65000"/>
-                    <a:lumOff val="35000"/>
-                  </a:schemeClr>
-                </a:gs>
-                <a:gs pos="100000">
-                  <a:schemeClr val="tx1"/>
-                </a:gs>
-              </a:gsLst>
-              <a:lin ang="5400000" scaled="1"/>
-            </a:gradFill>
-          </a:ln>
-          <a:scene3d>
-            <a:camera prst="orthographicFront"/>
-            <a:lightRig rig="freezing" dir="t"/>
-          </a:scene3d>
-        </p:spPr>
-        <p:style>
-          <a:lnRef idx="2">
-            <a:schemeClr val="accent1">
-              <a:shade val="50000"/>
-            </a:schemeClr>
-          </a:lnRef>
-          <a:fillRef idx="1">
-            <a:schemeClr val="accent1"/>
-          </a:fillRef>
-          <a:effectRef idx="0">
-            <a:schemeClr val="accent1"/>
-          </a:effectRef>
-          <a:fontRef idx="minor">
-            <a:schemeClr val="lt1"/>
-          </a:fontRef>
-        </p:style>
-        <p:txBody>
-          <a:bodyPr rtlCol="0" anchor="ctr"/>
-          <a:lstStyle/>
-          <a:p>
-            <a:pPr algn="ctr"/>
-            <a:endParaRPr lang="zh-CN" altLang="en-US"/>
-          </a:p>
-        </p:txBody>
-      </p:sp>
-      <p:sp>
-        <p:nvSpPr>
-          <p:cNvPr id="13" name="文本框 12"/>
-          <p:cNvSpPr txBox="1"/>
-          <p:nvPr/>
-        </p:nvSpPr>
-        <p:spPr>
-          <a:xfrm>
-            <a:off x="4997114" y="2216557"/>
-            <a:ext cx="2197772" cy="1754326"/>
-          </a:xfrm>
-          <a:prstGeom prst="rect">
-            <a:avLst/>
-          </a:prstGeom>
-          <a:noFill/>
-          <a:scene3d>
-            <a:camera prst="orthographicFront"/>
-            <a:lightRig rig="freezing" dir="t"/>
-          </a:scene3d>
-          <a:sp3d prstMaterial="powder"/>
-        </p:spPr>
-        <p:txBody>
-          <a:bodyPr wrap="square" rtlCol="0">
-            <a:spAutoFit/>
-            <a:sp3d extrusionH="6350" prstMaterial="translucentPowder"/>
-          </a:bodyPr>
-          <a:lstStyle/>
-          <a:p>
-            <a:pPr algn="ctr"/>
-            <a:r>
-              <a:rPr lang="en-US" altLang="zh-CN" sz="5400" dirty="0">
-                <a:solidFill>
-                  <a:schemeClr val="bg2">
-                    <a:lumMod val="10000"/>
-                  </a:schemeClr>
-                </a:solidFill>
-                <a:latin typeface="LiHei Pro" panose="020B0500000000000000" pitchFamily="34" charset="-122"/>
-                <a:ea typeface="LiHei Pro" panose="020B0500000000000000" pitchFamily="34" charset="-122"/>
-              </a:rPr>
-              <a:t>Thank</a:t>
-            </a:r>
-          </a:p>
-          <a:p>
-            <a:pPr algn="ctr"/>
-            <a:r>
-              <a:rPr lang="en-US" altLang="zh-CN" sz="5400" dirty="0">
-                <a:solidFill>
-                  <a:schemeClr val="bg2">
-                    <a:lumMod val="10000"/>
-                  </a:schemeClr>
-                </a:solidFill>
-                <a:latin typeface="LiHei Pro" panose="020B0500000000000000" pitchFamily="34" charset="-122"/>
-                <a:ea typeface="LiHei Pro" panose="020B0500000000000000" pitchFamily="34" charset="-122"/>
-              </a:rPr>
-              <a:t>you</a:t>
-            </a:r>
-            <a:endParaRPr lang="zh-CN" altLang="en-US" sz="5400" dirty="0">
-              <a:solidFill>
-                <a:schemeClr val="bg2">
-                  <a:lumMod val="10000"/>
-                </a:schemeClr>
-              </a:solidFill>
-              <a:latin typeface="LiHei Pro" panose="020B0500000000000000" pitchFamily="34" charset="-122"/>
-              <a:ea typeface="LiHei Pro" panose="020B0500000000000000" pitchFamily="34" charset="-122"/>
-            </a:endParaRPr>
-          </a:p>
-        </p:txBody>
-      </p:sp>
-      <p:sp>
-        <p:nvSpPr>
-          <p:cNvPr id="14" name="六边形 13"/>
-          <p:cNvSpPr/>
-          <p:nvPr/>
-        </p:nvSpPr>
-        <p:spPr>
-          <a:xfrm>
-            <a:off x="4522623" y="1737360"/>
-            <a:ext cx="3146754" cy="2712720"/>
-          </a:xfrm>
-          <a:prstGeom prst="hexagon">
-            <a:avLst/>
-          </a:prstGeom>
-          <a:noFill/>
-          <a:ln w="47625" cmpd="dbl">
-            <a:gradFill>
-              <a:gsLst>
-                <a:gs pos="0">
-                  <a:schemeClr val="tx1"/>
-                </a:gs>
-                <a:gs pos="52000">
-                  <a:schemeClr val="bg2">
-                    <a:lumMod val="25000"/>
-                  </a:schemeClr>
-                </a:gs>
-                <a:gs pos="75000">
-                  <a:schemeClr val="bg2">
-                    <a:lumMod val="75000"/>
-                  </a:schemeClr>
-                </a:gs>
-                <a:gs pos="27000">
-                  <a:schemeClr val="bg2">
-                    <a:lumMod val="75000"/>
-                  </a:schemeClr>
-                </a:gs>
-                <a:gs pos="100000">
-                  <a:schemeClr val="tx1"/>
-                </a:gs>
-              </a:gsLst>
-              <a:lin ang="5400000" scaled="1"/>
-            </a:gradFill>
-          </a:ln>
-          <a:scene3d>
-            <a:camera prst="orthographicFront"/>
-            <a:lightRig rig="freezing" dir="t"/>
-          </a:scene3d>
-          <a:sp3d extrusionH="82550">
-            <a:bevelT w="19050"/>
-            <a:bevelB w="19050"/>
-          </a:sp3d>
-        </p:spPr>
-        <p:style>
-          <a:lnRef idx="2">
-            <a:schemeClr val="accent1">
-              <a:shade val="50000"/>
-            </a:schemeClr>
-          </a:lnRef>
-          <a:fillRef idx="1">
-            <a:schemeClr val="accent1"/>
-          </a:fillRef>
-          <a:effectRef idx="0">
-            <a:schemeClr val="accent1"/>
-          </a:effectRef>
-          <a:fontRef idx="minor">
-            <a:schemeClr val="lt1"/>
-          </a:fontRef>
-        </p:style>
-        <p:txBody>
-          <a:bodyPr rtlCol="0" anchor="ctr"/>
-          <a:lstStyle/>
-          <a:p>
-            <a:pPr algn="ctr"/>
-            <a:endParaRPr lang="zh-CN" altLang="en-US"/>
-          </a:p>
-        </p:txBody>
-      </p:sp>
-    </p:spTree>
-    <p:extLst>
-      <p:ext uri="{BB962C8B-B14F-4D97-AF65-F5344CB8AC3E}">
-        <p14:creationId xmlns:p14="http://schemas.microsoft.com/office/powerpoint/2010/main" val="2823813891"/>
+        <p14:creationId xmlns:p14="http://schemas.microsoft.com/office/powerpoint/2010/main" val="996614856"/>
       </p:ext>
     </p:extLst>
   </p:cSld>
@@ -9763,6 +14881,1581 @@
   <p:transition spd="slow">
     <p:push/>
   </p:transition>
+</p:sld>
+</file>
+
+<file path=ppt/slides/slide20.xml><?xml version="1.0" encoding="utf-8"?>
+<p:sld xmlns:a="http://schemas.openxmlformats.org/drawingml/2006/main" xmlns:r="http://schemas.openxmlformats.org/officeDocument/2006/relationships" xmlns:p="http://schemas.openxmlformats.org/presentationml/2006/main">
+  <p:cSld>
+    <p:spTree>
+      <p:nvGrpSpPr>
+        <p:cNvPr id="1" name=""/>
+        <p:cNvGrpSpPr/>
+        <p:nvPr/>
+      </p:nvGrpSpPr>
+      <p:grpSpPr>
+        <a:xfrm>
+          <a:off x="0" y="0"/>
+          <a:ext cx="0" cy="0"/>
+          <a:chOff x="0" y="0"/>
+          <a:chExt cx="0" cy="0"/>
+        </a:xfrm>
+      </p:grpSpPr>
+      <p:grpSp>
+        <p:nvGrpSpPr>
+          <p:cNvPr id="3" name="组合 2"/>
+          <p:cNvGrpSpPr/>
+          <p:nvPr/>
+        </p:nvGrpSpPr>
+        <p:grpSpPr>
+          <a:xfrm>
+            <a:off x="0" y="-11160"/>
+            <a:ext cx="12192000" cy="1346125"/>
+            <a:chOff x="-1" y="-41200"/>
+            <a:chExt cx="12192000" cy="1346125"/>
+          </a:xfrm>
+        </p:grpSpPr>
+        <p:sp>
+          <p:nvSpPr>
+            <p:cNvPr id="33" name="矩形 32"/>
+            <p:cNvSpPr/>
+            <p:nvPr/>
+          </p:nvSpPr>
+          <p:spPr>
+            <a:xfrm>
+              <a:off x="-1" y="-17718"/>
+              <a:ext cx="12192000" cy="1302345"/>
+            </a:xfrm>
+            <a:prstGeom prst="rect">
+              <a:avLst/>
+            </a:prstGeom>
+            <a:solidFill>
+              <a:schemeClr val="accent3">
+                <a:lumMod val="50000"/>
+              </a:schemeClr>
+            </a:solidFill>
+            <a:ln>
+              <a:noFill/>
+            </a:ln>
+          </p:spPr>
+          <p:style>
+            <a:lnRef idx="2">
+              <a:schemeClr val="accent1">
+                <a:shade val="50000"/>
+              </a:schemeClr>
+            </a:lnRef>
+            <a:fillRef idx="1">
+              <a:schemeClr val="accent1"/>
+            </a:fillRef>
+            <a:effectRef idx="0">
+              <a:schemeClr val="accent1"/>
+            </a:effectRef>
+            <a:fontRef idx="minor">
+              <a:schemeClr val="lt1"/>
+            </a:fontRef>
+          </p:style>
+          <p:txBody>
+            <a:bodyPr rtlCol="0" anchor="ctr"/>
+            <a:lstStyle/>
+            <a:p>
+              <a:pPr algn="ctr"/>
+              <a:endParaRPr lang="zh-CN" altLang="en-US"/>
+            </a:p>
+          </p:txBody>
+        </p:sp>
+        <p:sp>
+          <p:nvSpPr>
+            <p:cNvPr id="34" name="TextBox 12"/>
+            <p:cNvSpPr txBox="1"/>
+            <p:nvPr/>
+          </p:nvSpPr>
+          <p:spPr>
+            <a:xfrm>
+              <a:off x="5080348" y="377727"/>
+              <a:ext cx="2031325" cy="646331"/>
+            </a:xfrm>
+            <a:prstGeom prst="rect">
+              <a:avLst/>
+            </a:prstGeom>
+            <a:noFill/>
+          </p:spPr>
+          <p:txBody>
+            <a:bodyPr wrap="none" rtlCol="0">
+              <a:spAutoFit/>
+            </a:bodyPr>
+            <a:lstStyle/>
+            <a:p>
+              <a:pPr algn="ctr"/>
+              <a:r>
+                <a:rPr lang="zh-CN" altLang="en-US" sz="3600" b="1" dirty="0">
+                  <a:solidFill>
+                    <a:schemeClr val="bg1"/>
+                  </a:solidFill>
+                  <a:latin typeface="+mj-lt"/>
+                </a:rPr>
+                <a:t>成果展示</a:t>
+              </a:r>
+              <a:endParaRPr lang="en-US" sz="3600" b="1" dirty="0">
+                <a:solidFill>
+                  <a:schemeClr val="bg1"/>
+                </a:solidFill>
+                <a:latin typeface="+mj-lt"/>
+              </a:endParaRPr>
+            </a:p>
+          </p:txBody>
+        </p:sp>
+        <p:sp>
+          <p:nvSpPr>
+            <p:cNvPr id="64" name="直角三角形 63"/>
+            <p:cNvSpPr/>
+            <p:nvPr/>
+          </p:nvSpPr>
+          <p:spPr>
+            <a:xfrm rot="10800000">
+              <a:off x="10410100" y="-1"/>
+              <a:ext cx="1781899" cy="1302345"/>
+            </a:xfrm>
+            <a:prstGeom prst="rtTriangle">
+              <a:avLst/>
+            </a:prstGeom>
+            <a:gradFill flip="none" rotWithShape="1">
+              <a:gsLst>
+                <a:gs pos="0">
+                  <a:srgbClr val="6EA049">
+                    <a:alpha val="49000"/>
+                  </a:srgbClr>
+                </a:gs>
+                <a:gs pos="100000">
+                  <a:srgbClr val="525252">
+                    <a:alpha val="86000"/>
+                  </a:srgbClr>
+                </a:gs>
+              </a:gsLst>
+              <a:lin ang="0" scaled="1"/>
+              <a:tileRect/>
+            </a:gradFill>
+            <a:ln>
+              <a:noFill/>
+            </a:ln>
+          </p:spPr>
+          <p:style>
+            <a:lnRef idx="2">
+              <a:schemeClr val="accent1">
+                <a:shade val="50000"/>
+              </a:schemeClr>
+            </a:lnRef>
+            <a:fillRef idx="1">
+              <a:schemeClr val="accent1"/>
+            </a:fillRef>
+            <a:effectRef idx="0">
+              <a:schemeClr val="accent1"/>
+            </a:effectRef>
+            <a:fontRef idx="minor">
+              <a:schemeClr val="lt1"/>
+            </a:fontRef>
+          </p:style>
+          <p:txBody>
+            <a:bodyPr rtlCol="0" anchor="ctr"/>
+            <a:lstStyle/>
+            <a:p>
+              <a:pPr algn="ctr"/>
+              <a:endParaRPr lang="zh-CN" altLang="en-US"/>
+            </a:p>
+          </p:txBody>
+        </p:sp>
+        <p:sp>
+          <p:nvSpPr>
+            <p:cNvPr id="65" name="直角三角形 64"/>
+            <p:cNvSpPr/>
+            <p:nvPr/>
+          </p:nvSpPr>
+          <p:spPr>
+            <a:xfrm>
+              <a:off x="0" y="-41200"/>
+              <a:ext cx="1781908" cy="1346125"/>
+            </a:xfrm>
+            <a:prstGeom prst="rtTriangle">
+              <a:avLst/>
+            </a:prstGeom>
+            <a:gradFill flip="none" rotWithShape="1">
+              <a:gsLst>
+                <a:gs pos="0">
+                  <a:srgbClr val="6EA049">
+                    <a:alpha val="49000"/>
+                  </a:srgbClr>
+                </a:gs>
+                <a:gs pos="100000">
+                  <a:srgbClr val="525252">
+                    <a:alpha val="86000"/>
+                  </a:srgbClr>
+                </a:gs>
+              </a:gsLst>
+              <a:lin ang="0" scaled="1"/>
+              <a:tileRect/>
+            </a:gradFill>
+            <a:ln>
+              <a:noFill/>
+            </a:ln>
+          </p:spPr>
+          <p:style>
+            <a:lnRef idx="2">
+              <a:schemeClr val="accent1">
+                <a:shade val="50000"/>
+              </a:schemeClr>
+            </a:lnRef>
+            <a:fillRef idx="1">
+              <a:schemeClr val="accent1"/>
+            </a:fillRef>
+            <a:effectRef idx="0">
+              <a:schemeClr val="accent1"/>
+            </a:effectRef>
+            <a:fontRef idx="minor">
+              <a:schemeClr val="lt1"/>
+            </a:fontRef>
+          </p:style>
+          <p:txBody>
+            <a:bodyPr rtlCol="0" anchor="ctr"/>
+            <a:lstStyle/>
+            <a:p>
+              <a:pPr algn="ctr"/>
+              <a:endParaRPr lang="zh-CN" altLang="en-US"/>
+            </a:p>
+          </p:txBody>
+        </p:sp>
+      </p:grpSp>
+      <p:grpSp>
+        <p:nvGrpSpPr>
+          <p:cNvPr id="7" name="Group 9">
+            <a:extLst>
+              <a:ext uri="{FF2B5EF4-FFF2-40B4-BE49-F238E27FC236}">
+                <a16:creationId xmlns:a16="http://schemas.microsoft.com/office/drawing/2014/main" id="{F7DA35F5-1A8A-455B-9A22-B751DDB5E528}"/>
+              </a:ext>
+            </a:extLst>
+          </p:cNvPr>
+          <p:cNvGrpSpPr/>
+          <p:nvPr/>
+        </p:nvGrpSpPr>
+        <p:grpSpPr>
+          <a:xfrm>
+            <a:off x="394135" y="1669165"/>
+            <a:ext cx="1914059" cy="1127301"/>
+            <a:chOff x="1593022" y="1409888"/>
+            <a:chExt cx="1558675" cy="737331"/>
+          </a:xfrm>
+          <a:solidFill>
+            <a:schemeClr val="tx1"/>
+          </a:solidFill>
+        </p:grpSpPr>
+        <p:sp>
+          <p:nvSpPr>
+            <p:cNvPr id="8" name="Pentagon 50">
+              <a:extLst>
+                <a:ext uri="{FF2B5EF4-FFF2-40B4-BE49-F238E27FC236}">
+                  <a16:creationId xmlns:a16="http://schemas.microsoft.com/office/drawing/2014/main" id="{BE79680E-CE80-4D60-A73B-F3FB8B06A79F}"/>
+                </a:ext>
+              </a:extLst>
+            </p:cNvPr>
+            <p:cNvSpPr/>
+            <p:nvPr/>
+          </p:nvSpPr>
+          <p:spPr>
+            <a:xfrm>
+              <a:off x="1679080" y="1409888"/>
+              <a:ext cx="776811" cy="316767"/>
+            </a:xfrm>
+            <a:prstGeom prst="homePlate">
+              <a:avLst>
+                <a:gd name="adj" fmla="val 25095"/>
+              </a:avLst>
+            </a:prstGeom>
+            <a:grpFill/>
+            <a:ln>
+              <a:noFill/>
+            </a:ln>
+          </p:spPr>
+          <p:style>
+            <a:lnRef idx="2">
+              <a:schemeClr val="accent1">
+                <a:shade val="50000"/>
+              </a:schemeClr>
+            </a:lnRef>
+            <a:fillRef idx="1">
+              <a:schemeClr val="accent1"/>
+            </a:fillRef>
+            <a:effectRef idx="0">
+              <a:schemeClr val="accent1"/>
+            </a:effectRef>
+            <a:fontRef idx="minor">
+              <a:schemeClr val="lt1"/>
+            </a:fontRef>
+          </p:style>
+          <p:txBody>
+            <a:bodyPr rtlCol="0" anchor="ctr"/>
+            <a:lstStyle/>
+            <a:p>
+              <a:pPr algn="ctr"/>
+              <a:endParaRPr lang="en-US" sz="1200"/>
+            </a:p>
+          </p:txBody>
+        </p:sp>
+        <p:grpSp>
+          <p:nvGrpSpPr>
+            <p:cNvPr id="9" name="Group 51">
+              <a:extLst>
+                <a:ext uri="{FF2B5EF4-FFF2-40B4-BE49-F238E27FC236}">
+                  <a16:creationId xmlns:a16="http://schemas.microsoft.com/office/drawing/2014/main" id="{EC599EFD-4280-4BB3-95A0-D31412F51041}"/>
+                </a:ext>
+              </a:extLst>
+            </p:cNvPr>
+            <p:cNvGrpSpPr/>
+            <p:nvPr/>
+          </p:nvGrpSpPr>
+          <p:grpSpPr>
+            <a:xfrm>
+              <a:off x="1593022" y="1409889"/>
+              <a:ext cx="1558675" cy="737330"/>
+              <a:chOff x="1654906" y="1478227"/>
+              <a:chExt cx="1654160" cy="832739"/>
+            </a:xfrm>
+            <a:grpFill/>
+          </p:grpSpPr>
+          <p:sp>
+            <p:nvSpPr>
+              <p:cNvPr id="10" name="Pentagon 52">
+                <a:extLst>
+                  <a:ext uri="{FF2B5EF4-FFF2-40B4-BE49-F238E27FC236}">
+                    <a16:creationId xmlns:a16="http://schemas.microsoft.com/office/drawing/2014/main" id="{AB44F7D2-34F7-4943-B53F-C8086E85058F}"/>
+                  </a:ext>
+                </a:extLst>
+              </p:cNvPr>
+              <p:cNvSpPr/>
+              <p:nvPr/>
+            </p:nvSpPr>
+            <p:spPr>
+              <a:xfrm>
+                <a:off x="1654906" y="1478227"/>
+                <a:ext cx="1654160" cy="832739"/>
+              </a:xfrm>
+              <a:prstGeom prst="homePlate">
+                <a:avLst>
+                  <a:gd name="adj" fmla="val 25095"/>
+                </a:avLst>
+              </a:prstGeom>
+              <a:grpFill/>
+              <a:ln>
+                <a:noFill/>
+              </a:ln>
+            </p:spPr>
+            <p:style>
+              <a:lnRef idx="2">
+                <a:schemeClr val="accent1">
+                  <a:shade val="50000"/>
+                </a:schemeClr>
+              </a:lnRef>
+              <a:fillRef idx="1">
+                <a:schemeClr val="accent1"/>
+              </a:fillRef>
+              <a:effectRef idx="0">
+                <a:schemeClr val="accent1"/>
+              </a:effectRef>
+              <a:fontRef idx="minor">
+                <a:schemeClr val="lt1"/>
+              </a:fontRef>
+            </p:style>
+            <p:txBody>
+              <a:bodyPr rtlCol="0" anchor="ctr"/>
+              <a:lstStyle/>
+              <a:p>
+                <a:pPr algn="ctr"/>
+                <a:endParaRPr lang="en-US" sz="1200"/>
+              </a:p>
+            </p:txBody>
+          </p:sp>
+          <p:sp>
+            <p:nvSpPr>
+              <p:cNvPr id="11" name="Subtitle 2">
+                <a:extLst>
+                  <a:ext uri="{FF2B5EF4-FFF2-40B4-BE49-F238E27FC236}">
+                    <a16:creationId xmlns:a16="http://schemas.microsoft.com/office/drawing/2014/main" id="{C4C0C295-B4CA-4FF1-89F8-A17060C4E3DC}"/>
+                  </a:ext>
+                </a:extLst>
+              </p:cNvPr>
+              <p:cNvSpPr txBox="1">
+                <a:spLocks/>
+              </p:cNvSpPr>
+              <p:nvPr/>
+            </p:nvSpPr>
+            <p:spPr>
+              <a:xfrm>
+                <a:off x="1746236" y="1524238"/>
+                <a:ext cx="1209668" cy="623486"/>
+              </a:xfrm>
+              <a:prstGeom prst="rect">
+                <a:avLst/>
+              </a:prstGeom>
+              <a:grpFill/>
+            </p:spPr>
+            <p:txBody>
+              <a:bodyPr vert="horz" lIns="91440" tIns="45720" rIns="91440" bIns="45720" rtlCol="0">
+                <a:noAutofit/>
+              </a:bodyPr>
+              <a:lstStyle>
+                <a:lvl1pPr marL="342900" indent="-342900" algn="l" defTabSz="914400" rtl="0" eaLnBrk="1" latinLnBrk="0" hangingPunct="1">
+                  <a:spcBef>
+                    <a:spcPct val="20000"/>
+                  </a:spcBef>
+                  <a:buFont typeface="Arial" pitchFamily="34" charset="0"/>
+                  <a:buChar char="•"/>
+                  <a:defRPr sz="3200" kern="1200">
+                    <a:solidFill>
+                      <a:schemeClr val="tx1"/>
+                    </a:solidFill>
+                    <a:latin typeface="+mn-lt"/>
+                    <a:ea typeface="+mn-ea"/>
+                    <a:cs typeface="+mn-cs"/>
+                  </a:defRPr>
+                </a:lvl1pPr>
+                <a:lvl2pPr marL="742950" indent="-285750" algn="l" defTabSz="914400" rtl="0" eaLnBrk="1" latinLnBrk="0" hangingPunct="1">
+                  <a:spcBef>
+                    <a:spcPct val="20000"/>
+                  </a:spcBef>
+                  <a:buFont typeface="Arial" pitchFamily="34" charset="0"/>
+                  <a:buChar char="–"/>
+                  <a:defRPr sz="2800" kern="1200">
+                    <a:solidFill>
+                      <a:schemeClr val="tx1"/>
+                    </a:solidFill>
+                    <a:latin typeface="+mn-lt"/>
+                    <a:ea typeface="+mn-ea"/>
+                    <a:cs typeface="+mn-cs"/>
+                  </a:defRPr>
+                </a:lvl2pPr>
+                <a:lvl3pPr marL="1143000" indent="-228600" algn="l" defTabSz="914400" rtl="0" eaLnBrk="1" latinLnBrk="0" hangingPunct="1">
+                  <a:spcBef>
+                    <a:spcPct val="20000"/>
+                  </a:spcBef>
+                  <a:buFont typeface="Arial" pitchFamily="34" charset="0"/>
+                  <a:buChar char="•"/>
+                  <a:defRPr sz="2400" kern="1200">
+                    <a:solidFill>
+                      <a:schemeClr val="tx1"/>
+                    </a:solidFill>
+                    <a:latin typeface="+mn-lt"/>
+                    <a:ea typeface="+mn-ea"/>
+                    <a:cs typeface="+mn-cs"/>
+                  </a:defRPr>
+                </a:lvl3pPr>
+                <a:lvl4pPr marL="1600200" indent="-228600" algn="l" defTabSz="914400" rtl="0" eaLnBrk="1" latinLnBrk="0" hangingPunct="1">
+                  <a:spcBef>
+                    <a:spcPct val="20000"/>
+                  </a:spcBef>
+                  <a:buFont typeface="Arial" pitchFamily="34" charset="0"/>
+                  <a:buChar char="–"/>
+                  <a:defRPr sz="2000" kern="1200">
+                    <a:solidFill>
+                      <a:schemeClr val="tx1"/>
+                    </a:solidFill>
+                    <a:latin typeface="+mn-lt"/>
+                    <a:ea typeface="+mn-ea"/>
+                    <a:cs typeface="+mn-cs"/>
+                  </a:defRPr>
+                </a:lvl4pPr>
+                <a:lvl5pPr marL="2057400" indent="-228600" algn="l" defTabSz="914400" rtl="0" eaLnBrk="1" latinLnBrk="0" hangingPunct="1">
+                  <a:spcBef>
+                    <a:spcPct val="20000"/>
+                  </a:spcBef>
+                  <a:buFont typeface="Arial" pitchFamily="34" charset="0"/>
+                  <a:buChar char="»"/>
+                  <a:defRPr sz="2000" kern="1200">
+                    <a:solidFill>
+                      <a:schemeClr val="tx1"/>
+                    </a:solidFill>
+                    <a:latin typeface="+mn-lt"/>
+                    <a:ea typeface="+mn-ea"/>
+                    <a:cs typeface="+mn-cs"/>
+                  </a:defRPr>
+                </a:lvl5pPr>
+                <a:lvl6pPr marL="2514600" indent="-228600" algn="l" defTabSz="914400" rtl="0" eaLnBrk="1" latinLnBrk="0" hangingPunct="1">
+                  <a:spcBef>
+                    <a:spcPct val="20000"/>
+                  </a:spcBef>
+                  <a:buFont typeface="Arial" pitchFamily="34" charset="0"/>
+                  <a:buChar char="•"/>
+                  <a:defRPr sz="2000" kern="1200">
+                    <a:solidFill>
+                      <a:schemeClr val="tx1"/>
+                    </a:solidFill>
+                    <a:latin typeface="+mn-lt"/>
+                    <a:ea typeface="+mn-ea"/>
+                    <a:cs typeface="+mn-cs"/>
+                  </a:defRPr>
+                </a:lvl6pPr>
+                <a:lvl7pPr marL="2971800" indent="-228600" algn="l" defTabSz="914400" rtl="0" eaLnBrk="1" latinLnBrk="0" hangingPunct="1">
+                  <a:spcBef>
+                    <a:spcPct val="20000"/>
+                  </a:spcBef>
+                  <a:buFont typeface="Arial" pitchFamily="34" charset="0"/>
+                  <a:buChar char="•"/>
+                  <a:defRPr sz="2000" kern="1200">
+                    <a:solidFill>
+                      <a:schemeClr val="tx1"/>
+                    </a:solidFill>
+                    <a:latin typeface="+mn-lt"/>
+                    <a:ea typeface="+mn-ea"/>
+                    <a:cs typeface="+mn-cs"/>
+                  </a:defRPr>
+                </a:lvl7pPr>
+                <a:lvl8pPr marL="3429000" indent="-228600" algn="l" defTabSz="914400" rtl="0" eaLnBrk="1" latinLnBrk="0" hangingPunct="1">
+                  <a:spcBef>
+                    <a:spcPct val="20000"/>
+                  </a:spcBef>
+                  <a:buFont typeface="Arial" pitchFamily="34" charset="0"/>
+                  <a:buChar char="•"/>
+                  <a:defRPr sz="2000" kern="1200">
+                    <a:solidFill>
+                      <a:schemeClr val="tx1"/>
+                    </a:solidFill>
+                    <a:latin typeface="+mn-lt"/>
+                    <a:ea typeface="+mn-ea"/>
+                    <a:cs typeface="+mn-cs"/>
+                  </a:defRPr>
+                </a:lvl8pPr>
+                <a:lvl9pPr marL="3886200" indent="-228600" algn="l" defTabSz="914400" rtl="0" eaLnBrk="1" latinLnBrk="0" hangingPunct="1">
+                  <a:spcBef>
+                    <a:spcPct val="20000"/>
+                  </a:spcBef>
+                  <a:buFont typeface="Arial" pitchFamily="34" charset="0"/>
+                  <a:buChar char="•"/>
+                  <a:defRPr sz="2000" kern="1200">
+                    <a:solidFill>
+                      <a:schemeClr val="tx1"/>
+                    </a:solidFill>
+                    <a:latin typeface="+mn-lt"/>
+                    <a:ea typeface="+mn-ea"/>
+                    <a:cs typeface="+mn-cs"/>
+                  </a:defRPr>
+                </a:lvl9pPr>
+              </a:lstStyle>
+              <a:p>
+                <a:pPr marL="0" indent="0">
+                  <a:buNone/>
+                </a:pPr>
+                <a:r>
+                  <a:rPr lang="zh-CN" altLang="en-US" sz="2000" b="1" spc="100" dirty="0">
+                    <a:solidFill>
+                      <a:schemeClr val="bg1"/>
+                    </a:solidFill>
+                    <a:latin typeface="Signika Negative" pitchFamily="2" charset="0"/>
+                    <a:ea typeface="Franchise" pitchFamily="49" charset="0"/>
+                  </a:rPr>
+                  <a:t>选</a:t>
+                </a:r>
+                <a:r>
+                  <a:rPr lang="en-US" altLang="zh-CN" sz="2000" b="1" spc="100" dirty="0">
+                    <a:solidFill>
+                      <a:schemeClr val="bg1"/>
+                    </a:solidFill>
+                    <a:latin typeface="Signika Negative" pitchFamily="2" charset="0"/>
+                    <a:ea typeface="Franchise" pitchFamily="49" charset="0"/>
+                  </a:rPr>
+                  <a:t>3</a:t>
+                </a:r>
+                <a:r>
+                  <a:rPr lang="zh-CN" altLang="en-US" sz="2000" b="1" spc="100" dirty="0">
+                    <a:solidFill>
+                      <a:schemeClr val="bg1"/>
+                    </a:solidFill>
+                    <a:latin typeface="Signika Negative" pitchFamily="2" charset="0"/>
+                    <a:ea typeface="Franchise" pitchFamily="49" charset="0"/>
+                  </a:rPr>
+                  <a:t>删除其中一组账号</a:t>
+                </a:r>
+                <a:endParaRPr lang="en-US" altLang="zh-CN" sz="2000" b="1" spc="100" dirty="0">
+                  <a:solidFill>
+                    <a:schemeClr val="bg1"/>
+                  </a:solidFill>
+                  <a:latin typeface="Signika Negative" pitchFamily="2" charset="0"/>
+                  <a:ea typeface="Franchise" pitchFamily="49" charset="0"/>
+                </a:endParaRPr>
+              </a:p>
+            </p:txBody>
+          </p:sp>
+        </p:grpSp>
+      </p:grpSp>
+      <p:pic>
+        <p:nvPicPr>
+          <p:cNvPr id="2" name="图片 1">
+            <a:extLst>
+              <a:ext uri="{FF2B5EF4-FFF2-40B4-BE49-F238E27FC236}">
+                <a16:creationId xmlns:a16="http://schemas.microsoft.com/office/drawing/2014/main" id="{121A6E8C-467B-490E-9539-9F4BD4B4350A}"/>
+              </a:ext>
+            </a:extLst>
+          </p:cNvPr>
+          <p:cNvPicPr>
+            <a:picLocks noChangeAspect="1"/>
+          </p:cNvPicPr>
+          <p:nvPr/>
+        </p:nvPicPr>
+        <p:blipFill>
+          <a:blip r:embed="rId2"/>
+          <a:stretch>
+            <a:fillRect/>
+          </a:stretch>
+        </p:blipFill>
+        <p:spPr>
+          <a:xfrm>
+            <a:off x="2695852" y="1598143"/>
+            <a:ext cx="6545802" cy="1984015"/>
+          </a:xfrm>
+          <a:prstGeom prst="rect">
+            <a:avLst/>
+          </a:prstGeom>
+        </p:spPr>
+      </p:pic>
+      <p:pic>
+        <p:nvPicPr>
+          <p:cNvPr id="4" name="图片 3">
+            <a:extLst>
+              <a:ext uri="{FF2B5EF4-FFF2-40B4-BE49-F238E27FC236}">
+                <a16:creationId xmlns:a16="http://schemas.microsoft.com/office/drawing/2014/main" id="{836B5661-C388-4797-8103-91BBD75FDF63}"/>
+              </a:ext>
+            </a:extLst>
+          </p:cNvPr>
+          <p:cNvPicPr>
+            <a:picLocks noChangeAspect="1"/>
+          </p:cNvPicPr>
+          <p:nvPr/>
+        </p:nvPicPr>
+        <p:blipFill>
+          <a:blip r:embed="rId3"/>
+          <a:stretch>
+            <a:fillRect/>
+          </a:stretch>
+        </p:blipFill>
+        <p:spPr>
+          <a:xfrm>
+            <a:off x="2695851" y="3883978"/>
+            <a:ext cx="6741111" cy="2503513"/>
+          </a:xfrm>
+          <a:prstGeom prst="rect">
+            <a:avLst/>
+          </a:prstGeom>
+        </p:spPr>
+      </p:pic>
+      <p:grpSp>
+        <p:nvGrpSpPr>
+          <p:cNvPr id="14" name="Group 9">
+            <a:extLst>
+              <a:ext uri="{FF2B5EF4-FFF2-40B4-BE49-F238E27FC236}">
+                <a16:creationId xmlns:a16="http://schemas.microsoft.com/office/drawing/2014/main" id="{ED7F7460-B2F9-4C50-97D3-279E99F80669}"/>
+              </a:ext>
+            </a:extLst>
+          </p:cNvPr>
+          <p:cNvGrpSpPr/>
+          <p:nvPr/>
+        </p:nvGrpSpPr>
+        <p:grpSpPr>
+          <a:xfrm>
+            <a:off x="582047" y="4061532"/>
+            <a:ext cx="1832680" cy="1127299"/>
+            <a:chOff x="1593022" y="1409888"/>
+            <a:chExt cx="1558675" cy="737331"/>
+          </a:xfrm>
+          <a:solidFill>
+            <a:schemeClr val="tx1"/>
+          </a:solidFill>
+        </p:grpSpPr>
+        <p:sp>
+          <p:nvSpPr>
+            <p:cNvPr id="15" name="Pentagon 50">
+              <a:extLst>
+                <a:ext uri="{FF2B5EF4-FFF2-40B4-BE49-F238E27FC236}">
+                  <a16:creationId xmlns:a16="http://schemas.microsoft.com/office/drawing/2014/main" id="{AD129EC9-00CE-4C7F-9C1D-661F6733CD54}"/>
+                </a:ext>
+              </a:extLst>
+            </p:cNvPr>
+            <p:cNvSpPr/>
+            <p:nvPr/>
+          </p:nvSpPr>
+          <p:spPr>
+            <a:xfrm>
+              <a:off x="1679080" y="1409888"/>
+              <a:ext cx="776811" cy="316767"/>
+            </a:xfrm>
+            <a:prstGeom prst="homePlate">
+              <a:avLst>
+                <a:gd name="adj" fmla="val 25095"/>
+              </a:avLst>
+            </a:prstGeom>
+            <a:grpFill/>
+            <a:ln>
+              <a:noFill/>
+            </a:ln>
+          </p:spPr>
+          <p:style>
+            <a:lnRef idx="2">
+              <a:schemeClr val="accent1">
+                <a:shade val="50000"/>
+              </a:schemeClr>
+            </a:lnRef>
+            <a:fillRef idx="1">
+              <a:schemeClr val="accent1"/>
+            </a:fillRef>
+            <a:effectRef idx="0">
+              <a:schemeClr val="accent1"/>
+            </a:effectRef>
+            <a:fontRef idx="minor">
+              <a:schemeClr val="lt1"/>
+            </a:fontRef>
+          </p:style>
+          <p:txBody>
+            <a:bodyPr rtlCol="0" anchor="ctr"/>
+            <a:lstStyle/>
+            <a:p>
+              <a:pPr algn="ctr"/>
+              <a:endParaRPr lang="en-US" sz="1200"/>
+            </a:p>
+          </p:txBody>
+        </p:sp>
+        <p:grpSp>
+          <p:nvGrpSpPr>
+            <p:cNvPr id="16" name="Group 51">
+              <a:extLst>
+                <a:ext uri="{FF2B5EF4-FFF2-40B4-BE49-F238E27FC236}">
+                  <a16:creationId xmlns:a16="http://schemas.microsoft.com/office/drawing/2014/main" id="{0A2566B6-038F-40E8-9C79-4DAEE7B53CD0}"/>
+                </a:ext>
+              </a:extLst>
+            </p:cNvPr>
+            <p:cNvGrpSpPr/>
+            <p:nvPr/>
+          </p:nvGrpSpPr>
+          <p:grpSpPr>
+            <a:xfrm>
+              <a:off x="1593022" y="1409889"/>
+              <a:ext cx="1558675" cy="737330"/>
+              <a:chOff x="1654906" y="1478227"/>
+              <a:chExt cx="1654160" cy="832739"/>
+            </a:xfrm>
+            <a:grpFill/>
+          </p:grpSpPr>
+          <p:sp>
+            <p:nvSpPr>
+              <p:cNvPr id="17" name="Pentagon 52">
+                <a:extLst>
+                  <a:ext uri="{FF2B5EF4-FFF2-40B4-BE49-F238E27FC236}">
+                    <a16:creationId xmlns:a16="http://schemas.microsoft.com/office/drawing/2014/main" id="{3E1F75BC-45AE-4B98-B964-D4224ABE567F}"/>
+                  </a:ext>
+                </a:extLst>
+              </p:cNvPr>
+              <p:cNvSpPr/>
+              <p:nvPr/>
+            </p:nvSpPr>
+            <p:spPr>
+              <a:xfrm>
+                <a:off x="1654906" y="1478227"/>
+                <a:ext cx="1654160" cy="832739"/>
+              </a:xfrm>
+              <a:prstGeom prst="homePlate">
+                <a:avLst>
+                  <a:gd name="adj" fmla="val 25095"/>
+                </a:avLst>
+              </a:prstGeom>
+              <a:grpFill/>
+              <a:ln>
+                <a:noFill/>
+              </a:ln>
+            </p:spPr>
+            <p:style>
+              <a:lnRef idx="2">
+                <a:schemeClr val="accent1">
+                  <a:shade val="50000"/>
+                </a:schemeClr>
+              </a:lnRef>
+              <a:fillRef idx="1">
+                <a:schemeClr val="accent1"/>
+              </a:fillRef>
+              <a:effectRef idx="0">
+                <a:schemeClr val="accent1"/>
+              </a:effectRef>
+              <a:fontRef idx="minor">
+                <a:schemeClr val="lt1"/>
+              </a:fontRef>
+            </p:style>
+            <p:txBody>
+              <a:bodyPr rtlCol="0" anchor="ctr"/>
+              <a:lstStyle/>
+              <a:p>
+                <a:pPr algn="ctr"/>
+                <a:endParaRPr lang="en-US" sz="1200"/>
+              </a:p>
+            </p:txBody>
+          </p:sp>
+          <p:sp>
+            <p:nvSpPr>
+              <p:cNvPr id="18" name="Subtitle 2">
+                <a:extLst>
+                  <a:ext uri="{FF2B5EF4-FFF2-40B4-BE49-F238E27FC236}">
+                    <a16:creationId xmlns:a16="http://schemas.microsoft.com/office/drawing/2014/main" id="{F9D4D2DD-7B88-492F-9649-5E261DF65F8F}"/>
+                  </a:ext>
+                </a:extLst>
+              </p:cNvPr>
+              <p:cNvSpPr txBox="1">
+                <a:spLocks/>
+              </p:cNvSpPr>
+              <p:nvPr/>
+            </p:nvSpPr>
+            <p:spPr>
+              <a:xfrm>
+                <a:off x="1746236" y="1524238"/>
+                <a:ext cx="1209668" cy="623486"/>
+              </a:xfrm>
+              <a:prstGeom prst="rect">
+                <a:avLst/>
+              </a:prstGeom>
+              <a:grpFill/>
+            </p:spPr>
+            <p:txBody>
+              <a:bodyPr vert="horz" lIns="91440" tIns="45720" rIns="91440" bIns="45720" rtlCol="0">
+                <a:noAutofit/>
+              </a:bodyPr>
+              <a:lstStyle>
+                <a:lvl1pPr marL="342900" indent="-342900" algn="l" defTabSz="914400" rtl="0" eaLnBrk="1" latinLnBrk="0" hangingPunct="1">
+                  <a:spcBef>
+                    <a:spcPct val="20000"/>
+                  </a:spcBef>
+                  <a:buFont typeface="Arial" pitchFamily="34" charset="0"/>
+                  <a:buChar char="•"/>
+                  <a:defRPr sz="3200" kern="1200">
+                    <a:solidFill>
+                      <a:schemeClr val="tx1"/>
+                    </a:solidFill>
+                    <a:latin typeface="+mn-lt"/>
+                    <a:ea typeface="+mn-ea"/>
+                    <a:cs typeface="+mn-cs"/>
+                  </a:defRPr>
+                </a:lvl1pPr>
+                <a:lvl2pPr marL="742950" indent="-285750" algn="l" defTabSz="914400" rtl="0" eaLnBrk="1" latinLnBrk="0" hangingPunct="1">
+                  <a:spcBef>
+                    <a:spcPct val="20000"/>
+                  </a:spcBef>
+                  <a:buFont typeface="Arial" pitchFamily="34" charset="0"/>
+                  <a:buChar char="–"/>
+                  <a:defRPr sz="2800" kern="1200">
+                    <a:solidFill>
+                      <a:schemeClr val="tx1"/>
+                    </a:solidFill>
+                    <a:latin typeface="+mn-lt"/>
+                    <a:ea typeface="+mn-ea"/>
+                    <a:cs typeface="+mn-cs"/>
+                  </a:defRPr>
+                </a:lvl2pPr>
+                <a:lvl3pPr marL="1143000" indent="-228600" algn="l" defTabSz="914400" rtl="0" eaLnBrk="1" latinLnBrk="0" hangingPunct="1">
+                  <a:spcBef>
+                    <a:spcPct val="20000"/>
+                  </a:spcBef>
+                  <a:buFont typeface="Arial" pitchFamily="34" charset="0"/>
+                  <a:buChar char="•"/>
+                  <a:defRPr sz="2400" kern="1200">
+                    <a:solidFill>
+                      <a:schemeClr val="tx1"/>
+                    </a:solidFill>
+                    <a:latin typeface="+mn-lt"/>
+                    <a:ea typeface="+mn-ea"/>
+                    <a:cs typeface="+mn-cs"/>
+                  </a:defRPr>
+                </a:lvl3pPr>
+                <a:lvl4pPr marL="1600200" indent="-228600" algn="l" defTabSz="914400" rtl="0" eaLnBrk="1" latinLnBrk="0" hangingPunct="1">
+                  <a:spcBef>
+                    <a:spcPct val="20000"/>
+                  </a:spcBef>
+                  <a:buFont typeface="Arial" pitchFamily="34" charset="0"/>
+                  <a:buChar char="–"/>
+                  <a:defRPr sz="2000" kern="1200">
+                    <a:solidFill>
+                      <a:schemeClr val="tx1"/>
+                    </a:solidFill>
+                    <a:latin typeface="+mn-lt"/>
+                    <a:ea typeface="+mn-ea"/>
+                    <a:cs typeface="+mn-cs"/>
+                  </a:defRPr>
+                </a:lvl4pPr>
+                <a:lvl5pPr marL="2057400" indent="-228600" algn="l" defTabSz="914400" rtl="0" eaLnBrk="1" latinLnBrk="0" hangingPunct="1">
+                  <a:spcBef>
+                    <a:spcPct val="20000"/>
+                  </a:spcBef>
+                  <a:buFont typeface="Arial" pitchFamily="34" charset="0"/>
+                  <a:buChar char="»"/>
+                  <a:defRPr sz="2000" kern="1200">
+                    <a:solidFill>
+                      <a:schemeClr val="tx1"/>
+                    </a:solidFill>
+                    <a:latin typeface="+mn-lt"/>
+                    <a:ea typeface="+mn-ea"/>
+                    <a:cs typeface="+mn-cs"/>
+                  </a:defRPr>
+                </a:lvl5pPr>
+                <a:lvl6pPr marL="2514600" indent="-228600" algn="l" defTabSz="914400" rtl="0" eaLnBrk="1" latinLnBrk="0" hangingPunct="1">
+                  <a:spcBef>
+                    <a:spcPct val="20000"/>
+                  </a:spcBef>
+                  <a:buFont typeface="Arial" pitchFamily="34" charset="0"/>
+                  <a:buChar char="•"/>
+                  <a:defRPr sz="2000" kern="1200">
+                    <a:solidFill>
+                      <a:schemeClr val="tx1"/>
+                    </a:solidFill>
+                    <a:latin typeface="+mn-lt"/>
+                    <a:ea typeface="+mn-ea"/>
+                    <a:cs typeface="+mn-cs"/>
+                  </a:defRPr>
+                </a:lvl6pPr>
+                <a:lvl7pPr marL="2971800" indent="-228600" algn="l" defTabSz="914400" rtl="0" eaLnBrk="1" latinLnBrk="0" hangingPunct="1">
+                  <a:spcBef>
+                    <a:spcPct val="20000"/>
+                  </a:spcBef>
+                  <a:buFont typeface="Arial" pitchFamily="34" charset="0"/>
+                  <a:buChar char="•"/>
+                  <a:defRPr sz="2000" kern="1200">
+                    <a:solidFill>
+                      <a:schemeClr val="tx1"/>
+                    </a:solidFill>
+                    <a:latin typeface="+mn-lt"/>
+                    <a:ea typeface="+mn-ea"/>
+                    <a:cs typeface="+mn-cs"/>
+                  </a:defRPr>
+                </a:lvl7pPr>
+                <a:lvl8pPr marL="3429000" indent="-228600" algn="l" defTabSz="914400" rtl="0" eaLnBrk="1" latinLnBrk="0" hangingPunct="1">
+                  <a:spcBef>
+                    <a:spcPct val="20000"/>
+                  </a:spcBef>
+                  <a:buFont typeface="Arial" pitchFamily="34" charset="0"/>
+                  <a:buChar char="•"/>
+                  <a:defRPr sz="2000" kern="1200">
+                    <a:solidFill>
+                      <a:schemeClr val="tx1"/>
+                    </a:solidFill>
+                    <a:latin typeface="+mn-lt"/>
+                    <a:ea typeface="+mn-ea"/>
+                    <a:cs typeface="+mn-cs"/>
+                  </a:defRPr>
+                </a:lvl8pPr>
+                <a:lvl9pPr marL="3886200" indent="-228600" algn="l" defTabSz="914400" rtl="0" eaLnBrk="1" latinLnBrk="0" hangingPunct="1">
+                  <a:spcBef>
+                    <a:spcPct val="20000"/>
+                  </a:spcBef>
+                  <a:buFont typeface="Arial" pitchFamily="34" charset="0"/>
+                  <a:buChar char="•"/>
+                  <a:defRPr sz="2000" kern="1200">
+                    <a:solidFill>
+                      <a:schemeClr val="tx1"/>
+                    </a:solidFill>
+                    <a:latin typeface="+mn-lt"/>
+                    <a:ea typeface="+mn-ea"/>
+                    <a:cs typeface="+mn-cs"/>
+                  </a:defRPr>
+                </a:lvl9pPr>
+              </a:lstStyle>
+              <a:p>
+                <a:pPr marL="0" indent="0">
+                  <a:buNone/>
+                </a:pPr>
+                <a:r>
+                  <a:rPr lang="zh-CN" altLang="en-US" sz="2000" b="1" spc="100" dirty="0">
+                    <a:solidFill>
+                      <a:schemeClr val="bg1"/>
+                    </a:solidFill>
+                    <a:latin typeface="Signika Negative" pitchFamily="2" charset="0"/>
+                    <a:ea typeface="Franchise" pitchFamily="49" charset="0"/>
+                  </a:rPr>
+                  <a:t>再次查看密码本，成功删除</a:t>
+                </a:r>
+                <a:endParaRPr lang="en-US" altLang="zh-CN" sz="2000" b="1" spc="100" dirty="0">
+                  <a:solidFill>
+                    <a:schemeClr val="bg1"/>
+                  </a:solidFill>
+                  <a:latin typeface="Signika Negative" pitchFamily="2" charset="0"/>
+                  <a:ea typeface="Franchise" pitchFamily="49" charset="0"/>
+                </a:endParaRPr>
+              </a:p>
+            </p:txBody>
+          </p:sp>
+        </p:grpSp>
+      </p:grpSp>
+    </p:spTree>
+    <p:extLst>
+      <p:ext uri="{BB962C8B-B14F-4D97-AF65-F5344CB8AC3E}">
+        <p14:creationId xmlns:p14="http://schemas.microsoft.com/office/powerpoint/2010/main" val="2575416880"/>
+      </p:ext>
+    </p:extLst>
+  </p:cSld>
+  <p:clrMapOvr>
+    <a:masterClrMapping/>
+  </p:clrMapOvr>
+  <mc:AlternateContent xmlns:mc="http://schemas.openxmlformats.org/markup-compatibility/2006" xmlns:p14="http://schemas.microsoft.com/office/powerpoint/2010/main">
+    <mc:Choice Requires="p14">
+      <p:transition spd="slow" p14:dur="1400">
+        <p14:reveal/>
+      </p:transition>
+    </mc:Choice>
+    <mc:Fallback xmlns="">
+      <p:transition spd="slow">
+        <p:fade/>
+      </p:transition>
+    </mc:Fallback>
+  </mc:AlternateContent>
+  <p:timing>
+    <p:tnLst>
+      <p:par>
+        <p:cTn id="1" dur="indefinite" restart="never" nodeType="tmRoot">
+          <p:childTnLst>
+            <p:seq concurrent="1" nextAc="seek">
+              <p:cTn id="2" dur="indefinite" nodeType="mainSeq">
+                <p:childTnLst>
+                  <p:par>
+                    <p:cTn id="3" fill="hold">
+                      <p:stCondLst>
+                        <p:cond delay="indefinite"/>
+                        <p:cond evt="onBegin" delay="0">
+                          <p:tn val="2"/>
+                        </p:cond>
+                      </p:stCondLst>
+                      <p:childTnLst>
+                        <p:par>
+                          <p:cTn id="4" fill="hold">
+                            <p:stCondLst>
+                              <p:cond delay="0"/>
+                            </p:stCondLst>
+                            <p:childTnLst>
+                              <p:par>
+                                <p:cTn id="5" presetID="42" presetClass="entr" presetSubtype="0" fill="hold" nodeType="afterEffect">
+                                  <p:stCondLst>
+                                    <p:cond delay="0"/>
+                                  </p:stCondLst>
+                                  <p:childTnLst>
+                                    <p:set>
+                                      <p:cBhvr>
+                                        <p:cTn id="6" dur="1" fill="hold">
+                                          <p:stCondLst>
+                                            <p:cond delay="0"/>
+                                          </p:stCondLst>
+                                        </p:cTn>
+                                        <p:tgtEl>
+                                          <p:spTgt spid="7"/>
+                                        </p:tgtEl>
+                                        <p:attrNameLst>
+                                          <p:attrName>style.visibility</p:attrName>
+                                        </p:attrNameLst>
+                                      </p:cBhvr>
+                                      <p:to>
+                                        <p:strVal val="visible"/>
+                                      </p:to>
+                                    </p:set>
+                                    <p:animEffect transition="in" filter="fade">
+                                      <p:cBhvr>
+                                        <p:cTn id="7" dur="750"/>
+                                        <p:tgtEl>
+                                          <p:spTgt spid="7"/>
+                                        </p:tgtEl>
+                                      </p:cBhvr>
+                                    </p:animEffect>
+                                    <p:anim calcmode="lin" valueType="num">
+                                      <p:cBhvr>
+                                        <p:cTn id="8" dur="750" fill="hold"/>
+                                        <p:tgtEl>
+                                          <p:spTgt spid="7"/>
+                                        </p:tgtEl>
+                                        <p:attrNameLst>
+                                          <p:attrName>ppt_x</p:attrName>
+                                        </p:attrNameLst>
+                                      </p:cBhvr>
+                                      <p:tavLst>
+                                        <p:tav tm="0">
+                                          <p:val>
+                                            <p:strVal val="#ppt_x"/>
+                                          </p:val>
+                                        </p:tav>
+                                        <p:tav tm="100000">
+                                          <p:val>
+                                            <p:strVal val="#ppt_x"/>
+                                          </p:val>
+                                        </p:tav>
+                                      </p:tavLst>
+                                    </p:anim>
+                                    <p:anim calcmode="lin" valueType="num">
+                                      <p:cBhvr>
+                                        <p:cTn id="9" dur="750" fill="hold"/>
+                                        <p:tgtEl>
+                                          <p:spTgt spid="7"/>
+                                        </p:tgtEl>
+                                        <p:attrNameLst>
+                                          <p:attrName>ppt_y</p:attrName>
+                                        </p:attrNameLst>
+                                      </p:cBhvr>
+                                      <p:tavLst>
+                                        <p:tav tm="0">
+                                          <p:val>
+                                            <p:strVal val="#ppt_y+.1"/>
+                                          </p:val>
+                                        </p:tav>
+                                        <p:tav tm="100000">
+                                          <p:val>
+                                            <p:strVal val="#ppt_y"/>
+                                          </p:val>
+                                        </p:tav>
+                                      </p:tavLst>
+                                    </p:anim>
+                                  </p:childTnLst>
+                                </p:cTn>
+                              </p:par>
+                            </p:childTnLst>
+                          </p:cTn>
+                        </p:par>
+                        <p:par>
+                          <p:cTn id="10" fill="hold">
+                            <p:stCondLst>
+                              <p:cond delay="750"/>
+                            </p:stCondLst>
+                            <p:childTnLst>
+                              <p:par>
+                                <p:cTn id="11" presetID="42" presetClass="entr" presetSubtype="0" fill="hold" nodeType="afterEffect">
+                                  <p:stCondLst>
+                                    <p:cond delay="0"/>
+                                  </p:stCondLst>
+                                  <p:childTnLst>
+                                    <p:set>
+                                      <p:cBhvr>
+                                        <p:cTn id="12" dur="1" fill="hold">
+                                          <p:stCondLst>
+                                            <p:cond delay="0"/>
+                                          </p:stCondLst>
+                                        </p:cTn>
+                                        <p:tgtEl>
+                                          <p:spTgt spid="14"/>
+                                        </p:tgtEl>
+                                        <p:attrNameLst>
+                                          <p:attrName>style.visibility</p:attrName>
+                                        </p:attrNameLst>
+                                      </p:cBhvr>
+                                      <p:to>
+                                        <p:strVal val="visible"/>
+                                      </p:to>
+                                    </p:set>
+                                    <p:animEffect transition="in" filter="fade">
+                                      <p:cBhvr>
+                                        <p:cTn id="13" dur="750"/>
+                                        <p:tgtEl>
+                                          <p:spTgt spid="14"/>
+                                        </p:tgtEl>
+                                      </p:cBhvr>
+                                    </p:animEffect>
+                                    <p:anim calcmode="lin" valueType="num">
+                                      <p:cBhvr>
+                                        <p:cTn id="14" dur="750" fill="hold"/>
+                                        <p:tgtEl>
+                                          <p:spTgt spid="14"/>
+                                        </p:tgtEl>
+                                        <p:attrNameLst>
+                                          <p:attrName>ppt_x</p:attrName>
+                                        </p:attrNameLst>
+                                      </p:cBhvr>
+                                      <p:tavLst>
+                                        <p:tav tm="0">
+                                          <p:val>
+                                            <p:strVal val="#ppt_x"/>
+                                          </p:val>
+                                        </p:tav>
+                                        <p:tav tm="100000">
+                                          <p:val>
+                                            <p:strVal val="#ppt_x"/>
+                                          </p:val>
+                                        </p:tav>
+                                      </p:tavLst>
+                                    </p:anim>
+                                    <p:anim calcmode="lin" valueType="num">
+                                      <p:cBhvr>
+                                        <p:cTn id="15" dur="750" fill="hold"/>
+                                        <p:tgtEl>
+                                          <p:spTgt spid="14"/>
+                                        </p:tgtEl>
+                                        <p:attrNameLst>
+                                          <p:attrName>ppt_y</p:attrName>
+                                        </p:attrNameLst>
+                                      </p:cBhvr>
+                                      <p:tavLst>
+                                        <p:tav tm="0">
+                                          <p:val>
+                                            <p:strVal val="#ppt_y+.1"/>
+                                          </p:val>
+                                        </p:tav>
+                                        <p:tav tm="100000">
+                                          <p:val>
+                                            <p:strVal val="#ppt_y"/>
+                                          </p:val>
+                                        </p:tav>
+                                      </p:tavLst>
+                                    </p:anim>
+                                  </p:childTnLst>
+                                </p:cTn>
+                              </p:par>
+                            </p:childTnLst>
+                          </p:cTn>
+                        </p:par>
+                      </p:childTnLst>
+                    </p:cTn>
+                  </p:par>
+                </p:childTnLst>
+              </p:cTn>
+              <p:prevCondLst>
+                <p:cond evt="onPrev" delay="0">
+                  <p:tgtEl>
+                    <p:sldTgt/>
+                  </p:tgtEl>
+                </p:cond>
+              </p:prevCondLst>
+              <p:nextCondLst>
+                <p:cond evt="onNext" delay="0">
+                  <p:tgtEl>
+                    <p:sldTgt/>
+                  </p:tgtEl>
+                </p:cond>
+              </p:nextCondLst>
+            </p:seq>
+          </p:childTnLst>
+        </p:cTn>
+      </p:par>
+    </p:tnLst>
+  </p:timing>
+</p:sld>
+</file>
+
+<file path=ppt/slides/slide21.xml><?xml version="1.0" encoding="utf-8"?>
+<p:sld xmlns:a="http://schemas.openxmlformats.org/drawingml/2006/main" xmlns:r="http://schemas.openxmlformats.org/officeDocument/2006/relationships" xmlns:p="http://schemas.openxmlformats.org/presentationml/2006/main">
+  <p:cSld>
+    <p:spTree>
+      <p:nvGrpSpPr>
+        <p:cNvPr id="1" name=""/>
+        <p:cNvGrpSpPr/>
+        <p:nvPr/>
+      </p:nvGrpSpPr>
+      <p:grpSpPr>
+        <a:xfrm>
+          <a:off x="0" y="0"/>
+          <a:ext cx="0" cy="0"/>
+          <a:chOff x="0" y="0"/>
+          <a:chExt cx="0" cy="0"/>
+        </a:xfrm>
+      </p:grpSpPr>
+      <p:pic>
+        <p:nvPicPr>
+          <p:cNvPr id="4" name="图片 3"/>
+          <p:cNvPicPr>
+            <a:picLocks noChangeAspect="1"/>
+          </p:cNvPicPr>
+          <p:nvPr/>
+        </p:nvPicPr>
+        <p:blipFill>
+          <a:blip r:embed="rId2"/>
+          <a:stretch>
+            <a:fillRect/>
+          </a:stretch>
+        </p:blipFill>
+        <p:spPr>
+          <a:xfrm>
+            <a:off x="0" y="0"/>
+            <a:ext cx="12192000" cy="6858000"/>
+          </a:xfrm>
+          <a:prstGeom prst="rect">
+            <a:avLst/>
+          </a:prstGeom>
+        </p:spPr>
+      </p:pic>
+      <p:sp>
+        <p:nvSpPr>
+          <p:cNvPr id="15" name="矩形 14"/>
+          <p:cNvSpPr/>
+          <p:nvPr/>
+        </p:nvSpPr>
+        <p:spPr>
+          <a:xfrm>
+            <a:off x="0" y="0"/>
+            <a:ext cx="12192000" cy="6858000"/>
+          </a:xfrm>
+          <a:prstGeom prst="rect">
+            <a:avLst/>
+          </a:prstGeom>
+          <a:solidFill>
+            <a:schemeClr val="tx1">
+              <a:alpha val="15000"/>
+            </a:schemeClr>
+          </a:solidFill>
+          <a:ln w="12700" cap="flat" cmpd="sng" algn="ctr">
+            <a:noFill/>
+            <a:prstDash val="solid"/>
+            <a:miter lim="800000"/>
+          </a:ln>
+          <a:effectLst/>
+        </p:spPr>
+        <p:style>
+          <a:lnRef idx="2">
+            <a:schemeClr val="accent1">
+              <a:shade val="50000"/>
+            </a:schemeClr>
+          </a:lnRef>
+          <a:fillRef idx="1">
+            <a:schemeClr val="accent1"/>
+          </a:fillRef>
+          <a:effectRef idx="0">
+            <a:schemeClr val="accent1"/>
+          </a:effectRef>
+          <a:fontRef idx="minor">
+            <a:schemeClr val="lt1"/>
+          </a:fontRef>
+        </p:style>
+        <p:txBody>
+          <a:bodyPr rtlCol="0" anchor="ctr"/>
+          <a:lstStyle/>
+          <a:p>
+            <a:pPr algn="ctr"/>
+            <a:endParaRPr lang="zh-CN" altLang="en-US"/>
+          </a:p>
+        </p:txBody>
+      </p:sp>
+      <p:sp>
+        <p:nvSpPr>
+          <p:cNvPr id="12" name="六边形 11"/>
+          <p:cNvSpPr/>
+          <p:nvPr/>
+        </p:nvSpPr>
+        <p:spPr>
+          <a:xfrm>
+            <a:off x="4739640" y="1924444"/>
+            <a:ext cx="2712720" cy="2338552"/>
+          </a:xfrm>
+          <a:prstGeom prst="hexagon">
+            <a:avLst/>
+          </a:prstGeom>
+          <a:noFill/>
+          <a:ln w="22225">
+            <a:gradFill>
+              <a:gsLst>
+                <a:gs pos="0">
+                  <a:schemeClr val="tx1"/>
+                </a:gs>
+                <a:gs pos="29000">
+                  <a:schemeClr val="bg2">
+                    <a:lumMod val="75000"/>
+                  </a:schemeClr>
+                </a:gs>
+                <a:gs pos="83000">
+                  <a:schemeClr val="tx1">
+                    <a:lumMod val="65000"/>
+                    <a:lumOff val="35000"/>
+                  </a:schemeClr>
+                </a:gs>
+                <a:gs pos="100000">
+                  <a:schemeClr val="tx1"/>
+                </a:gs>
+              </a:gsLst>
+              <a:lin ang="5400000" scaled="1"/>
+            </a:gradFill>
+          </a:ln>
+          <a:scene3d>
+            <a:camera prst="orthographicFront"/>
+            <a:lightRig rig="freezing" dir="t"/>
+          </a:scene3d>
+        </p:spPr>
+        <p:style>
+          <a:lnRef idx="2">
+            <a:schemeClr val="accent1">
+              <a:shade val="50000"/>
+            </a:schemeClr>
+          </a:lnRef>
+          <a:fillRef idx="1">
+            <a:schemeClr val="accent1"/>
+          </a:fillRef>
+          <a:effectRef idx="0">
+            <a:schemeClr val="accent1"/>
+          </a:effectRef>
+          <a:fontRef idx="minor">
+            <a:schemeClr val="lt1"/>
+          </a:fontRef>
+        </p:style>
+        <p:txBody>
+          <a:bodyPr rtlCol="0" anchor="ctr"/>
+          <a:lstStyle/>
+          <a:p>
+            <a:pPr algn="ctr"/>
+            <a:endParaRPr lang="zh-CN" altLang="en-US"/>
+          </a:p>
+        </p:txBody>
+      </p:sp>
+      <p:sp>
+        <p:nvSpPr>
+          <p:cNvPr id="13" name="文本框 12"/>
+          <p:cNvSpPr txBox="1"/>
+          <p:nvPr/>
+        </p:nvSpPr>
+        <p:spPr>
+          <a:xfrm>
+            <a:off x="4997114" y="2216557"/>
+            <a:ext cx="2197772" cy="1754326"/>
+          </a:xfrm>
+          <a:prstGeom prst="rect">
+            <a:avLst/>
+          </a:prstGeom>
+          <a:noFill/>
+          <a:scene3d>
+            <a:camera prst="orthographicFront"/>
+            <a:lightRig rig="freezing" dir="t"/>
+          </a:scene3d>
+          <a:sp3d prstMaterial="powder"/>
+        </p:spPr>
+        <p:txBody>
+          <a:bodyPr wrap="square" rtlCol="0">
+            <a:spAutoFit/>
+            <a:sp3d extrusionH="6350" prstMaterial="translucentPowder"/>
+          </a:bodyPr>
+          <a:lstStyle/>
+          <a:p>
+            <a:pPr algn="ctr"/>
+            <a:r>
+              <a:rPr lang="en-US" altLang="zh-CN" sz="5400" dirty="0">
+                <a:solidFill>
+                  <a:schemeClr val="bg2">
+                    <a:lumMod val="10000"/>
+                  </a:schemeClr>
+                </a:solidFill>
+                <a:latin typeface="LiHei Pro" panose="020B0500000000000000" pitchFamily="34" charset="-122"/>
+                <a:ea typeface="LiHei Pro" panose="020B0500000000000000" pitchFamily="34" charset="-122"/>
+              </a:rPr>
+              <a:t>Thank</a:t>
+            </a:r>
+          </a:p>
+          <a:p>
+            <a:pPr algn="ctr"/>
+            <a:r>
+              <a:rPr lang="en-US" altLang="zh-CN" sz="5400" dirty="0">
+                <a:solidFill>
+                  <a:schemeClr val="bg2">
+                    <a:lumMod val="10000"/>
+                  </a:schemeClr>
+                </a:solidFill>
+                <a:latin typeface="LiHei Pro" panose="020B0500000000000000" pitchFamily="34" charset="-122"/>
+                <a:ea typeface="LiHei Pro" panose="020B0500000000000000" pitchFamily="34" charset="-122"/>
+              </a:rPr>
+              <a:t>you</a:t>
+            </a:r>
+            <a:endParaRPr lang="zh-CN" altLang="en-US" sz="5400" dirty="0">
+              <a:solidFill>
+                <a:schemeClr val="bg2">
+                  <a:lumMod val="10000"/>
+                </a:schemeClr>
+              </a:solidFill>
+              <a:latin typeface="LiHei Pro" panose="020B0500000000000000" pitchFamily="34" charset="-122"/>
+              <a:ea typeface="LiHei Pro" panose="020B0500000000000000" pitchFamily="34" charset="-122"/>
+            </a:endParaRPr>
+          </a:p>
+        </p:txBody>
+      </p:sp>
+      <p:sp>
+        <p:nvSpPr>
+          <p:cNvPr id="14" name="六边形 13"/>
+          <p:cNvSpPr/>
+          <p:nvPr/>
+        </p:nvSpPr>
+        <p:spPr>
+          <a:xfrm>
+            <a:off x="4522623" y="1737360"/>
+            <a:ext cx="3146754" cy="2712720"/>
+          </a:xfrm>
+          <a:prstGeom prst="hexagon">
+            <a:avLst/>
+          </a:prstGeom>
+          <a:noFill/>
+          <a:ln w="47625" cmpd="dbl">
+            <a:gradFill>
+              <a:gsLst>
+                <a:gs pos="0">
+                  <a:schemeClr val="tx1"/>
+                </a:gs>
+                <a:gs pos="52000">
+                  <a:schemeClr val="bg2">
+                    <a:lumMod val="25000"/>
+                  </a:schemeClr>
+                </a:gs>
+                <a:gs pos="75000">
+                  <a:schemeClr val="bg2">
+                    <a:lumMod val="75000"/>
+                  </a:schemeClr>
+                </a:gs>
+                <a:gs pos="27000">
+                  <a:schemeClr val="bg2">
+                    <a:lumMod val="75000"/>
+                  </a:schemeClr>
+                </a:gs>
+                <a:gs pos="100000">
+                  <a:schemeClr val="tx1"/>
+                </a:gs>
+              </a:gsLst>
+              <a:lin ang="5400000" scaled="1"/>
+            </a:gradFill>
+          </a:ln>
+          <a:scene3d>
+            <a:camera prst="orthographicFront"/>
+            <a:lightRig rig="freezing" dir="t"/>
+          </a:scene3d>
+          <a:sp3d extrusionH="82550">
+            <a:bevelT w="19050"/>
+            <a:bevelB w="19050"/>
+          </a:sp3d>
+        </p:spPr>
+        <p:style>
+          <a:lnRef idx="2">
+            <a:schemeClr val="accent1">
+              <a:shade val="50000"/>
+            </a:schemeClr>
+          </a:lnRef>
+          <a:fillRef idx="1">
+            <a:schemeClr val="accent1"/>
+          </a:fillRef>
+          <a:effectRef idx="0">
+            <a:schemeClr val="accent1"/>
+          </a:effectRef>
+          <a:fontRef idx="minor">
+            <a:schemeClr val="lt1"/>
+          </a:fontRef>
+        </p:style>
+        <p:txBody>
+          <a:bodyPr rtlCol="0" anchor="ctr"/>
+          <a:lstStyle/>
+          <a:p>
+            <a:pPr algn="ctr"/>
+            <a:endParaRPr lang="zh-CN" altLang="en-US"/>
+          </a:p>
+        </p:txBody>
+      </p:sp>
+    </p:spTree>
+    <p:extLst>
+      <p:ext uri="{BB962C8B-B14F-4D97-AF65-F5344CB8AC3E}">
+        <p14:creationId xmlns:p14="http://schemas.microsoft.com/office/powerpoint/2010/main" val="2823813891"/>
+      </p:ext>
+    </p:extLst>
+  </p:cSld>
+  <p:clrMapOvr>
+    <a:masterClrMapping/>
+  </p:clrMapOvr>
+  <mc:AlternateContent xmlns:mc="http://schemas.openxmlformats.org/markup-compatibility/2006" xmlns:p14="http://schemas.microsoft.com/office/powerpoint/2010/main">
+    <mc:Choice Requires="p14">
+      <p:transition spd="slow" p14:dur="1400">
+        <p14:reveal/>
+      </p:transition>
+    </mc:Choice>
+    <mc:Fallback xmlns="">
+      <p:transition spd="slow">
+        <p:fade/>
+      </p:transition>
+    </mc:Fallback>
+  </mc:AlternateContent>
 </p:sld>
 </file>
 
@@ -12213,6 +18906,908 @@
           <a:chExt cx="0" cy="0"/>
         </a:xfrm>
       </p:grpSpPr>
+      <p:cxnSp>
+        <p:nvCxnSpPr>
+          <p:cNvPr id="53" name="直接连接符 52"/>
+          <p:cNvCxnSpPr/>
+          <p:nvPr/>
+        </p:nvCxnSpPr>
+        <p:spPr>
+          <a:xfrm>
+            <a:off x="0" y="304799"/>
+            <a:ext cx="2898669" cy="0"/>
+          </a:xfrm>
+          <a:prstGeom prst="line">
+            <a:avLst/>
+          </a:prstGeom>
+          <a:ln w="9525">
+            <a:solidFill>
+              <a:srgbClr val="7CAE57"/>
+            </a:solidFill>
+            <a:prstDash val="solid"/>
+          </a:ln>
+        </p:spPr>
+        <p:style>
+          <a:lnRef idx="1">
+            <a:schemeClr val="accent1"/>
+          </a:lnRef>
+          <a:fillRef idx="0">
+            <a:schemeClr val="accent1"/>
+          </a:fillRef>
+          <a:effectRef idx="0">
+            <a:schemeClr val="accent1"/>
+          </a:effectRef>
+          <a:fontRef idx="minor">
+            <a:schemeClr val="tx1"/>
+          </a:fontRef>
+        </p:style>
+      </p:cxnSp>
+      <p:cxnSp>
+        <p:nvCxnSpPr>
+          <p:cNvPr id="54" name="直接连接符 53"/>
+          <p:cNvCxnSpPr/>
+          <p:nvPr/>
+        </p:nvCxnSpPr>
+        <p:spPr>
+          <a:xfrm>
+            <a:off x="292277" y="0"/>
+            <a:ext cx="0" cy="2104784"/>
+          </a:xfrm>
+          <a:prstGeom prst="line">
+            <a:avLst/>
+          </a:prstGeom>
+          <a:ln w="9525">
+            <a:solidFill>
+              <a:srgbClr val="6EA049"/>
+            </a:solidFill>
+          </a:ln>
+        </p:spPr>
+        <p:style>
+          <a:lnRef idx="1">
+            <a:schemeClr val="accent1"/>
+          </a:lnRef>
+          <a:fillRef idx="0">
+            <a:schemeClr val="accent1"/>
+          </a:fillRef>
+          <a:effectRef idx="0">
+            <a:schemeClr val="accent1"/>
+          </a:effectRef>
+          <a:fontRef idx="minor">
+            <a:schemeClr val="tx1"/>
+          </a:fontRef>
+        </p:style>
+      </p:cxnSp>
+      <p:sp>
+        <p:nvSpPr>
+          <p:cNvPr id="55" name="矩形 54"/>
+          <p:cNvSpPr/>
+          <p:nvPr/>
+        </p:nvSpPr>
+        <p:spPr>
+          <a:xfrm>
+            <a:off x="-54309" y="0"/>
+            <a:ext cx="346586" cy="304799"/>
+          </a:xfrm>
+          <a:prstGeom prst="rect">
+            <a:avLst/>
+          </a:prstGeom>
+          <a:solidFill>
+            <a:srgbClr val="6EA049"/>
+          </a:solidFill>
+          <a:ln>
+            <a:noFill/>
+          </a:ln>
+        </p:spPr>
+        <p:style>
+          <a:lnRef idx="2">
+            <a:schemeClr val="accent1">
+              <a:shade val="50000"/>
+            </a:schemeClr>
+          </a:lnRef>
+          <a:fillRef idx="1">
+            <a:schemeClr val="accent1"/>
+          </a:fillRef>
+          <a:effectRef idx="0">
+            <a:schemeClr val="accent1"/>
+          </a:effectRef>
+          <a:fontRef idx="minor">
+            <a:schemeClr val="lt1"/>
+          </a:fontRef>
+        </p:style>
+        <p:txBody>
+          <a:bodyPr rtlCol="0" anchor="ctr"/>
+          <a:lstStyle/>
+          <a:p>
+            <a:pPr algn="ctr"/>
+            <a:endParaRPr lang="zh-CN" altLang="en-US"/>
+          </a:p>
+        </p:txBody>
+      </p:sp>
+      <p:sp>
+        <p:nvSpPr>
+          <p:cNvPr id="69" name="TextBox 12"/>
+          <p:cNvSpPr txBox="1"/>
+          <p:nvPr/>
+        </p:nvSpPr>
+        <p:spPr>
+          <a:xfrm>
+            <a:off x="4028773" y="362196"/>
+            <a:ext cx="4134465" cy="769441"/>
+          </a:xfrm>
+          <a:prstGeom prst="rect">
+            <a:avLst/>
+          </a:prstGeom>
+          <a:noFill/>
+        </p:spPr>
+        <p:txBody>
+          <a:bodyPr wrap="none" rtlCol="0">
+            <a:spAutoFit/>
+          </a:bodyPr>
+          <a:lstStyle/>
+          <a:p>
+            <a:pPr algn="ctr"/>
+            <a:r>
+              <a:rPr lang="zh-CN" altLang="en-US" sz="4400" b="1" dirty="0">
+                <a:solidFill>
+                  <a:schemeClr val="accent3">
+                    <a:lumMod val="50000"/>
+                  </a:schemeClr>
+                </a:solidFill>
+                <a:latin typeface="+mj-lt"/>
+              </a:rPr>
+              <a:t>我们的团队合作</a:t>
+            </a:r>
+            <a:endParaRPr lang="en-US" sz="4400" b="1" dirty="0">
+              <a:solidFill>
+                <a:schemeClr val="accent3">
+                  <a:lumMod val="50000"/>
+                </a:schemeClr>
+              </a:solidFill>
+              <a:latin typeface="+mj-lt"/>
+            </a:endParaRPr>
+          </a:p>
+        </p:txBody>
+      </p:sp>
+      <p:cxnSp>
+        <p:nvCxnSpPr>
+          <p:cNvPr id="71" name="直接连接符 70"/>
+          <p:cNvCxnSpPr/>
+          <p:nvPr/>
+        </p:nvCxnSpPr>
+        <p:spPr>
+          <a:xfrm>
+            <a:off x="-54309" y="1582994"/>
+            <a:ext cx="12246309" cy="0"/>
+          </a:xfrm>
+          <a:prstGeom prst="line">
+            <a:avLst/>
+          </a:prstGeom>
+          <a:ln w="12700">
+            <a:solidFill>
+              <a:srgbClr val="7CAE57"/>
+            </a:solidFill>
+          </a:ln>
+        </p:spPr>
+        <p:style>
+          <a:lnRef idx="1">
+            <a:schemeClr val="accent1"/>
+          </a:lnRef>
+          <a:fillRef idx="0">
+            <a:schemeClr val="accent1"/>
+          </a:fillRef>
+          <a:effectRef idx="0">
+            <a:schemeClr val="accent1"/>
+          </a:effectRef>
+          <a:fontRef idx="minor">
+            <a:schemeClr val="tx1"/>
+          </a:fontRef>
+        </p:style>
+      </p:cxnSp>
+      <p:cxnSp>
+        <p:nvCxnSpPr>
+          <p:cNvPr id="13" name="直接连接符 12">
+            <a:extLst>
+              <a:ext uri="{FF2B5EF4-FFF2-40B4-BE49-F238E27FC236}">
+                <a16:creationId xmlns:a16="http://schemas.microsoft.com/office/drawing/2014/main" id="{07DAE877-FA03-452B-8A2E-0DF098559707}"/>
+              </a:ext>
+            </a:extLst>
+          </p:cNvPr>
+          <p:cNvCxnSpPr/>
+          <p:nvPr/>
+        </p:nvCxnSpPr>
+        <p:spPr>
+          <a:xfrm>
+            <a:off x="1156716" y="1078373"/>
+            <a:ext cx="11035284" cy="0"/>
+          </a:xfrm>
+          <a:prstGeom prst="line">
+            <a:avLst/>
+          </a:prstGeom>
+          <a:noFill/>
+          <a:ln w="12700">
+            <a:solidFill>
+              <a:schemeClr val="tx1">
+                <a:lumMod val="75000"/>
+                <a:lumOff val="25000"/>
+              </a:schemeClr>
+            </a:solidFill>
+          </a:ln>
+        </p:spPr>
+        <p:style>
+          <a:lnRef idx="2">
+            <a:schemeClr val="accent1">
+              <a:shade val="50000"/>
+            </a:schemeClr>
+          </a:lnRef>
+          <a:fillRef idx="1">
+            <a:schemeClr val="accent1"/>
+          </a:fillRef>
+          <a:effectRef idx="0">
+            <a:schemeClr val="accent1"/>
+          </a:effectRef>
+          <a:fontRef idx="minor">
+            <a:schemeClr val="lt1"/>
+          </a:fontRef>
+        </p:style>
+      </p:cxnSp>
+      <p:sp>
+        <p:nvSpPr>
+          <p:cNvPr id="2" name="矩形 1">
+            <a:extLst>
+              <a:ext uri="{FF2B5EF4-FFF2-40B4-BE49-F238E27FC236}">
+                <a16:creationId xmlns:a16="http://schemas.microsoft.com/office/drawing/2014/main" id="{12DF8C5E-BD10-4A0B-8985-EC5E641C5AB4}"/>
+              </a:ext>
+            </a:extLst>
+          </p:cNvPr>
+          <p:cNvSpPr/>
+          <p:nvPr/>
+        </p:nvSpPr>
+        <p:spPr>
+          <a:xfrm>
+            <a:off x="4432820" y="1135609"/>
+            <a:ext cx="3272050" cy="369332"/>
+          </a:xfrm>
+          <a:prstGeom prst="rect">
+            <a:avLst/>
+          </a:prstGeom>
+        </p:spPr>
+        <p:txBody>
+          <a:bodyPr wrap="none">
+            <a:spAutoFit/>
+          </a:bodyPr>
+          <a:lstStyle/>
+          <a:p>
+            <a:r>
+              <a:rPr lang="en-US" altLang="zh-CN" dirty="0"/>
+              <a:t>—— </a:t>
+            </a:r>
+            <a:r>
+              <a:rPr lang="zh-CN" altLang="en-US" dirty="0"/>
+              <a:t>使用</a:t>
+            </a:r>
+            <a:r>
+              <a:rPr lang="en-US" altLang="zh-CN" dirty="0"/>
+              <a:t>Git</a:t>
+            </a:r>
+            <a:r>
+              <a:rPr lang="zh-CN" altLang="en-US" dirty="0"/>
+              <a:t>和</a:t>
+            </a:r>
+            <a:r>
+              <a:rPr lang="en-US" altLang="zh-CN" dirty="0" err="1"/>
+              <a:t>Github</a:t>
+            </a:r>
+            <a:r>
+              <a:rPr lang="zh-CN" altLang="en-US" dirty="0"/>
+              <a:t>多人协作</a:t>
+            </a:r>
+          </a:p>
+        </p:txBody>
+      </p:sp>
+      <p:pic>
+        <p:nvPicPr>
+          <p:cNvPr id="4" name="图片 3">
+            <a:extLst>
+              <a:ext uri="{FF2B5EF4-FFF2-40B4-BE49-F238E27FC236}">
+                <a16:creationId xmlns:a16="http://schemas.microsoft.com/office/drawing/2014/main" id="{95242BB3-5B9F-4029-BED0-588704DBCBBF}"/>
+              </a:ext>
+            </a:extLst>
+          </p:cNvPr>
+          <p:cNvPicPr>
+            <a:picLocks noChangeAspect="1"/>
+          </p:cNvPicPr>
+          <p:nvPr/>
+        </p:nvPicPr>
+        <p:blipFill>
+          <a:blip r:embed="rId2"/>
+          <a:stretch>
+            <a:fillRect/>
+          </a:stretch>
+        </p:blipFill>
+        <p:spPr>
+          <a:xfrm>
+            <a:off x="1892393" y="1504941"/>
+            <a:ext cx="9563929" cy="5799323"/>
+          </a:xfrm>
+          <a:prstGeom prst="rect">
+            <a:avLst/>
+          </a:prstGeom>
+        </p:spPr>
+      </p:pic>
+      <p:grpSp>
+        <p:nvGrpSpPr>
+          <p:cNvPr id="74" name="Group 9">
+            <a:extLst>
+              <a:ext uri="{FF2B5EF4-FFF2-40B4-BE49-F238E27FC236}">
+                <a16:creationId xmlns:a16="http://schemas.microsoft.com/office/drawing/2014/main" id="{9274A7C4-C1EC-4372-ACE8-E5C087ADFCA4}"/>
+              </a:ext>
+            </a:extLst>
+          </p:cNvPr>
+          <p:cNvGrpSpPr/>
+          <p:nvPr/>
+        </p:nvGrpSpPr>
+        <p:grpSpPr>
+          <a:xfrm>
+            <a:off x="137721" y="1669424"/>
+            <a:ext cx="2037990" cy="573680"/>
+            <a:chOff x="1593022" y="1409888"/>
+            <a:chExt cx="1558675" cy="737331"/>
+          </a:xfrm>
+          <a:solidFill>
+            <a:schemeClr val="tx1"/>
+          </a:solidFill>
+        </p:grpSpPr>
+        <p:sp>
+          <p:nvSpPr>
+            <p:cNvPr id="76" name="Pentagon 50">
+              <a:extLst>
+                <a:ext uri="{FF2B5EF4-FFF2-40B4-BE49-F238E27FC236}">
+                  <a16:creationId xmlns:a16="http://schemas.microsoft.com/office/drawing/2014/main" id="{D45731E4-443E-4958-9569-7FE3F93EC969}"/>
+                </a:ext>
+              </a:extLst>
+            </p:cNvPr>
+            <p:cNvSpPr/>
+            <p:nvPr/>
+          </p:nvSpPr>
+          <p:spPr>
+            <a:xfrm>
+              <a:off x="1679080" y="1409888"/>
+              <a:ext cx="776811" cy="316767"/>
+            </a:xfrm>
+            <a:prstGeom prst="homePlate">
+              <a:avLst>
+                <a:gd name="adj" fmla="val 25095"/>
+              </a:avLst>
+            </a:prstGeom>
+            <a:grpFill/>
+            <a:ln>
+              <a:noFill/>
+            </a:ln>
+          </p:spPr>
+          <p:style>
+            <a:lnRef idx="2">
+              <a:schemeClr val="accent1">
+                <a:shade val="50000"/>
+              </a:schemeClr>
+            </a:lnRef>
+            <a:fillRef idx="1">
+              <a:schemeClr val="accent1"/>
+            </a:fillRef>
+            <a:effectRef idx="0">
+              <a:schemeClr val="accent1"/>
+            </a:effectRef>
+            <a:fontRef idx="minor">
+              <a:schemeClr val="lt1"/>
+            </a:fontRef>
+          </p:style>
+          <p:txBody>
+            <a:bodyPr rtlCol="0" anchor="ctr"/>
+            <a:lstStyle/>
+            <a:p>
+              <a:pPr algn="ctr"/>
+              <a:endParaRPr lang="en-US" sz="1200"/>
+            </a:p>
+          </p:txBody>
+        </p:sp>
+        <p:grpSp>
+          <p:nvGrpSpPr>
+            <p:cNvPr id="77" name="Group 51">
+              <a:extLst>
+                <a:ext uri="{FF2B5EF4-FFF2-40B4-BE49-F238E27FC236}">
+                  <a16:creationId xmlns:a16="http://schemas.microsoft.com/office/drawing/2014/main" id="{0F74DFC2-4555-4E24-A3DE-58C8A8BEE0F0}"/>
+                </a:ext>
+              </a:extLst>
+            </p:cNvPr>
+            <p:cNvGrpSpPr/>
+            <p:nvPr/>
+          </p:nvGrpSpPr>
+          <p:grpSpPr>
+            <a:xfrm>
+              <a:off x="1593022" y="1409889"/>
+              <a:ext cx="1558675" cy="737330"/>
+              <a:chOff x="1654906" y="1478227"/>
+              <a:chExt cx="1654160" cy="832739"/>
+            </a:xfrm>
+            <a:grpFill/>
+          </p:grpSpPr>
+          <p:sp>
+            <p:nvSpPr>
+              <p:cNvPr id="78" name="Pentagon 52">
+                <a:extLst>
+                  <a:ext uri="{FF2B5EF4-FFF2-40B4-BE49-F238E27FC236}">
+                    <a16:creationId xmlns:a16="http://schemas.microsoft.com/office/drawing/2014/main" id="{580E0CC9-6714-49B8-98C5-1405C7B6A203}"/>
+                  </a:ext>
+                </a:extLst>
+              </p:cNvPr>
+              <p:cNvSpPr/>
+              <p:nvPr/>
+            </p:nvSpPr>
+            <p:spPr>
+              <a:xfrm>
+                <a:off x="1654906" y="1478227"/>
+                <a:ext cx="1654160" cy="832739"/>
+              </a:xfrm>
+              <a:prstGeom prst="homePlate">
+                <a:avLst>
+                  <a:gd name="adj" fmla="val 25095"/>
+                </a:avLst>
+              </a:prstGeom>
+              <a:grpFill/>
+              <a:ln>
+                <a:noFill/>
+              </a:ln>
+            </p:spPr>
+            <p:style>
+              <a:lnRef idx="2">
+                <a:schemeClr val="accent1">
+                  <a:shade val="50000"/>
+                </a:schemeClr>
+              </a:lnRef>
+              <a:fillRef idx="1">
+                <a:schemeClr val="accent1"/>
+              </a:fillRef>
+              <a:effectRef idx="0">
+                <a:schemeClr val="accent1"/>
+              </a:effectRef>
+              <a:fontRef idx="minor">
+                <a:schemeClr val="lt1"/>
+              </a:fontRef>
+            </p:style>
+            <p:txBody>
+              <a:bodyPr rtlCol="0" anchor="ctr"/>
+              <a:lstStyle/>
+              <a:p>
+                <a:pPr algn="ctr"/>
+                <a:endParaRPr lang="en-US" sz="1200"/>
+              </a:p>
+            </p:txBody>
+          </p:sp>
+          <p:sp>
+            <p:nvSpPr>
+              <p:cNvPr id="82" name="Subtitle 2">
+                <a:extLst>
+                  <a:ext uri="{FF2B5EF4-FFF2-40B4-BE49-F238E27FC236}">
+                    <a16:creationId xmlns:a16="http://schemas.microsoft.com/office/drawing/2014/main" id="{547CEA85-7123-4BB9-825D-C50BCDDF4102}"/>
+                  </a:ext>
+                </a:extLst>
+              </p:cNvPr>
+              <p:cNvSpPr txBox="1">
+                <a:spLocks/>
+              </p:cNvSpPr>
+              <p:nvPr/>
+            </p:nvSpPr>
+            <p:spPr>
+              <a:xfrm>
+                <a:off x="1746236" y="1586315"/>
+                <a:ext cx="1464716" cy="699027"/>
+              </a:xfrm>
+              <a:prstGeom prst="rect">
+                <a:avLst/>
+              </a:prstGeom>
+              <a:grpFill/>
+            </p:spPr>
+            <p:txBody>
+              <a:bodyPr vert="horz" lIns="91440" tIns="45720" rIns="91440" bIns="45720" rtlCol="0">
+                <a:noAutofit/>
+              </a:bodyPr>
+              <a:lstStyle>
+                <a:lvl1pPr marL="342900" indent="-342900" algn="l" defTabSz="914400" rtl="0" eaLnBrk="1" latinLnBrk="0" hangingPunct="1">
+                  <a:spcBef>
+                    <a:spcPct val="20000"/>
+                  </a:spcBef>
+                  <a:buFont typeface="Arial" pitchFamily="34" charset="0"/>
+                  <a:buChar char="•"/>
+                  <a:defRPr sz="3200" kern="1200">
+                    <a:solidFill>
+                      <a:schemeClr val="tx1"/>
+                    </a:solidFill>
+                    <a:latin typeface="+mn-lt"/>
+                    <a:ea typeface="+mn-ea"/>
+                    <a:cs typeface="+mn-cs"/>
+                  </a:defRPr>
+                </a:lvl1pPr>
+                <a:lvl2pPr marL="742950" indent="-285750" algn="l" defTabSz="914400" rtl="0" eaLnBrk="1" latinLnBrk="0" hangingPunct="1">
+                  <a:spcBef>
+                    <a:spcPct val="20000"/>
+                  </a:spcBef>
+                  <a:buFont typeface="Arial" pitchFamily="34" charset="0"/>
+                  <a:buChar char="–"/>
+                  <a:defRPr sz="2800" kern="1200">
+                    <a:solidFill>
+                      <a:schemeClr val="tx1"/>
+                    </a:solidFill>
+                    <a:latin typeface="+mn-lt"/>
+                    <a:ea typeface="+mn-ea"/>
+                    <a:cs typeface="+mn-cs"/>
+                  </a:defRPr>
+                </a:lvl2pPr>
+                <a:lvl3pPr marL="1143000" indent="-228600" algn="l" defTabSz="914400" rtl="0" eaLnBrk="1" latinLnBrk="0" hangingPunct="1">
+                  <a:spcBef>
+                    <a:spcPct val="20000"/>
+                  </a:spcBef>
+                  <a:buFont typeface="Arial" pitchFamily="34" charset="0"/>
+                  <a:buChar char="•"/>
+                  <a:defRPr sz="2400" kern="1200">
+                    <a:solidFill>
+                      <a:schemeClr val="tx1"/>
+                    </a:solidFill>
+                    <a:latin typeface="+mn-lt"/>
+                    <a:ea typeface="+mn-ea"/>
+                    <a:cs typeface="+mn-cs"/>
+                  </a:defRPr>
+                </a:lvl3pPr>
+                <a:lvl4pPr marL="1600200" indent="-228600" algn="l" defTabSz="914400" rtl="0" eaLnBrk="1" latinLnBrk="0" hangingPunct="1">
+                  <a:spcBef>
+                    <a:spcPct val="20000"/>
+                  </a:spcBef>
+                  <a:buFont typeface="Arial" pitchFamily="34" charset="0"/>
+                  <a:buChar char="–"/>
+                  <a:defRPr sz="2000" kern="1200">
+                    <a:solidFill>
+                      <a:schemeClr val="tx1"/>
+                    </a:solidFill>
+                    <a:latin typeface="+mn-lt"/>
+                    <a:ea typeface="+mn-ea"/>
+                    <a:cs typeface="+mn-cs"/>
+                  </a:defRPr>
+                </a:lvl4pPr>
+                <a:lvl5pPr marL="2057400" indent="-228600" algn="l" defTabSz="914400" rtl="0" eaLnBrk="1" latinLnBrk="0" hangingPunct="1">
+                  <a:spcBef>
+                    <a:spcPct val="20000"/>
+                  </a:spcBef>
+                  <a:buFont typeface="Arial" pitchFamily="34" charset="0"/>
+                  <a:buChar char="»"/>
+                  <a:defRPr sz="2000" kern="1200">
+                    <a:solidFill>
+                      <a:schemeClr val="tx1"/>
+                    </a:solidFill>
+                    <a:latin typeface="+mn-lt"/>
+                    <a:ea typeface="+mn-ea"/>
+                    <a:cs typeface="+mn-cs"/>
+                  </a:defRPr>
+                </a:lvl5pPr>
+                <a:lvl6pPr marL="2514600" indent="-228600" algn="l" defTabSz="914400" rtl="0" eaLnBrk="1" latinLnBrk="0" hangingPunct="1">
+                  <a:spcBef>
+                    <a:spcPct val="20000"/>
+                  </a:spcBef>
+                  <a:buFont typeface="Arial" pitchFamily="34" charset="0"/>
+                  <a:buChar char="•"/>
+                  <a:defRPr sz="2000" kern="1200">
+                    <a:solidFill>
+                      <a:schemeClr val="tx1"/>
+                    </a:solidFill>
+                    <a:latin typeface="+mn-lt"/>
+                    <a:ea typeface="+mn-ea"/>
+                    <a:cs typeface="+mn-cs"/>
+                  </a:defRPr>
+                </a:lvl6pPr>
+                <a:lvl7pPr marL="2971800" indent="-228600" algn="l" defTabSz="914400" rtl="0" eaLnBrk="1" latinLnBrk="0" hangingPunct="1">
+                  <a:spcBef>
+                    <a:spcPct val="20000"/>
+                  </a:spcBef>
+                  <a:buFont typeface="Arial" pitchFamily="34" charset="0"/>
+                  <a:buChar char="•"/>
+                  <a:defRPr sz="2000" kern="1200">
+                    <a:solidFill>
+                      <a:schemeClr val="tx1"/>
+                    </a:solidFill>
+                    <a:latin typeface="+mn-lt"/>
+                    <a:ea typeface="+mn-ea"/>
+                    <a:cs typeface="+mn-cs"/>
+                  </a:defRPr>
+                </a:lvl7pPr>
+                <a:lvl8pPr marL="3429000" indent="-228600" algn="l" defTabSz="914400" rtl="0" eaLnBrk="1" latinLnBrk="0" hangingPunct="1">
+                  <a:spcBef>
+                    <a:spcPct val="20000"/>
+                  </a:spcBef>
+                  <a:buFont typeface="Arial" pitchFamily="34" charset="0"/>
+                  <a:buChar char="•"/>
+                  <a:defRPr sz="2000" kern="1200">
+                    <a:solidFill>
+                      <a:schemeClr val="tx1"/>
+                    </a:solidFill>
+                    <a:latin typeface="+mn-lt"/>
+                    <a:ea typeface="+mn-ea"/>
+                    <a:cs typeface="+mn-cs"/>
+                  </a:defRPr>
+                </a:lvl8pPr>
+                <a:lvl9pPr marL="3886200" indent="-228600" algn="l" defTabSz="914400" rtl="0" eaLnBrk="1" latinLnBrk="0" hangingPunct="1">
+                  <a:spcBef>
+                    <a:spcPct val="20000"/>
+                  </a:spcBef>
+                  <a:buFont typeface="Arial" pitchFamily="34" charset="0"/>
+                  <a:buChar char="•"/>
+                  <a:defRPr sz="2000" kern="1200">
+                    <a:solidFill>
+                      <a:schemeClr val="tx1"/>
+                    </a:solidFill>
+                    <a:latin typeface="+mn-lt"/>
+                    <a:ea typeface="+mn-ea"/>
+                    <a:cs typeface="+mn-cs"/>
+                  </a:defRPr>
+                </a:lvl9pPr>
+              </a:lstStyle>
+              <a:p>
+                <a:pPr marL="0" indent="0">
+                  <a:buNone/>
+                </a:pPr>
+                <a:r>
+                  <a:rPr lang="zh-CN" altLang="en-US" sz="2000" b="1" spc="100" dirty="0">
+                    <a:solidFill>
+                      <a:schemeClr val="bg1"/>
+                    </a:solidFill>
+                    <a:latin typeface="Signika Negative" pitchFamily="2" charset="0"/>
+                    <a:ea typeface="Franchise" pitchFamily="49" charset="0"/>
+                  </a:rPr>
+                  <a:t>开发中的仓库</a:t>
+                </a:r>
+                <a:endParaRPr lang="en-US" sz="2000" b="1" spc="100" dirty="0">
+                  <a:solidFill>
+                    <a:schemeClr val="bg1"/>
+                  </a:solidFill>
+                  <a:latin typeface="Signika Negative" pitchFamily="2" charset="0"/>
+                  <a:ea typeface="Franchise" pitchFamily="49" charset="0"/>
+                </a:endParaRPr>
+              </a:p>
+            </p:txBody>
+          </p:sp>
+        </p:grpSp>
+      </p:grpSp>
+    </p:spTree>
+    <p:extLst>
+      <p:ext uri="{BB962C8B-B14F-4D97-AF65-F5344CB8AC3E}">
+        <p14:creationId xmlns:p14="http://schemas.microsoft.com/office/powerpoint/2010/main" val="4263801885"/>
+      </p:ext>
+    </p:extLst>
+  </p:cSld>
+  <p:clrMapOvr>
+    <a:masterClrMapping/>
+  </p:clrMapOvr>
+  <p:transition spd="slow">
+    <p:push/>
+  </p:transition>
+  <p:timing>
+    <p:tnLst>
+      <p:par>
+        <p:cTn id="1" dur="indefinite" restart="never" nodeType="tmRoot">
+          <p:childTnLst>
+            <p:seq concurrent="1" nextAc="seek">
+              <p:cTn id="2" dur="indefinite" nodeType="mainSeq">
+                <p:childTnLst>
+                  <p:par>
+                    <p:cTn id="3" fill="hold">
+                      <p:stCondLst>
+                        <p:cond delay="indefinite"/>
+                        <p:cond evt="onBegin" delay="0">
+                          <p:tn val="2"/>
+                        </p:cond>
+                      </p:stCondLst>
+                      <p:childTnLst>
+                        <p:par>
+                          <p:cTn id="4" fill="hold">
+                            <p:stCondLst>
+                              <p:cond delay="0"/>
+                            </p:stCondLst>
+                            <p:childTnLst>
+                              <p:par>
+                                <p:cTn id="5" presetID="22" presetClass="entr" presetSubtype="8" fill="hold" nodeType="withEffect">
+                                  <p:stCondLst>
+                                    <p:cond delay="0"/>
+                                  </p:stCondLst>
+                                  <p:childTnLst>
+                                    <p:set>
+                                      <p:cBhvr>
+                                        <p:cTn id="6" dur="1" fill="hold">
+                                          <p:stCondLst>
+                                            <p:cond delay="0"/>
+                                          </p:stCondLst>
+                                        </p:cTn>
+                                        <p:tgtEl>
+                                          <p:spTgt spid="53"/>
+                                        </p:tgtEl>
+                                        <p:attrNameLst>
+                                          <p:attrName>style.visibility</p:attrName>
+                                        </p:attrNameLst>
+                                      </p:cBhvr>
+                                      <p:to>
+                                        <p:strVal val="visible"/>
+                                      </p:to>
+                                    </p:set>
+                                    <p:animEffect transition="in" filter="wipe(left)">
+                                      <p:cBhvr>
+                                        <p:cTn id="7" dur="1000"/>
+                                        <p:tgtEl>
+                                          <p:spTgt spid="53"/>
+                                        </p:tgtEl>
+                                      </p:cBhvr>
+                                    </p:animEffect>
+                                  </p:childTnLst>
+                                </p:cTn>
+                              </p:par>
+                              <p:par>
+                                <p:cTn id="8" presetID="22" presetClass="entr" presetSubtype="1" fill="hold" nodeType="withEffect">
+                                  <p:stCondLst>
+                                    <p:cond delay="0"/>
+                                  </p:stCondLst>
+                                  <p:childTnLst>
+                                    <p:set>
+                                      <p:cBhvr>
+                                        <p:cTn id="9" dur="1" fill="hold">
+                                          <p:stCondLst>
+                                            <p:cond delay="0"/>
+                                          </p:stCondLst>
+                                        </p:cTn>
+                                        <p:tgtEl>
+                                          <p:spTgt spid="54"/>
+                                        </p:tgtEl>
+                                        <p:attrNameLst>
+                                          <p:attrName>style.visibility</p:attrName>
+                                        </p:attrNameLst>
+                                      </p:cBhvr>
+                                      <p:to>
+                                        <p:strVal val="visible"/>
+                                      </p:to>
+                                    </p:set>
+                                    <p:animEffect transition="in" filter="wipe(up)">
+                                      <p:cBhvr>
+                                        <p:cTn id="10" dur="1000"/>
+                                        <p:tgtEl>
+                                          <p:spTgt spid="54"/>
+                                        </p:tgtEl>
+                                      </p:cBhvr>
+                                    </p:animEffect>
+                                  </p:childTnLst>
+                                </p:cTn>
+                              </p:par>
+                              <p:par>
+                                <p:cTn id="11" presetID="42" presetClass="entr" presetSubtype="0" fill="hold" nodeType="withEffect">
+                                  <p:stCondLst>
+                                    <p:cond delay="0"/>
+                                  </p:stCondLst>
+                                  <p:childTnLst>
+                                    <p:set>
+                                      <p:cBhvr>
+                                        <p:cTn id="12" dur="1" fill="hold">
+                                          <p:stCondLst>
+                                            <p:cond delay="0"/>
+                                          </p:stCondLst>
+                                        </p:cTn>
+                                        <p:tgtEl>
+                                          <p:spTgt spid="74"/>
+                                        </p:tgtEl>
+                                        <p:attrNameLst>
+                                          <p:attrName>style.visibility</p:attrName>
+                                        </p:attrNameLst>
+                                      </p:cBhvr>
+                                      <p:to>
+                                        <p:strVal val="visible"/>
+                                      </p:to>
+                                    </p:set>
+                                    <p:animEffect transition="in" filter="fade">
+                                      <p:cBhvr>
+                                        <p:cTn id="13" dur="500"/>
+                                        <p:tgtEl>
+                                          <p:spTgt spid="74"/>
+                                        </p:tgtEl>
+                                      </p:cBhvr>
+                                    </p:animEffect>
+                                    <p:anim calcmode="lin" valueType="num">
+                                      <p:cBhvr>
+                                        <p:cTn id="14" dur="500" fill="hold"/>
+                                        <p:tgtEl>
+                                          <p:spTgt spid="74"/>
+                                        </p:tgtEl>
+                                        <p:attrNameLst>
+                                          <p:attrName>ppt_x</p:attrName>
+                                        </p:attrNameLst>
+                                      </p:cBhvr>
+                                      <p:tavLst>
+                                        <p:tav tm="0">
+                                          <p:val>
+                                            <p:strVal val="#ppt_x"/>
+                                          </p:val>
+                                        </p:tav>
+                                        <p:tav tm="100000">
+                                          <p:val>
+                                            <p:strVal val="#ppt_x"/>
+                                          </p:val>
+                                        </p:tav>
+                                      </p:tavLst>
+                                    </p:anim>
+                                    <p:anim calcmode="lin" valueType="num">
+                                      <p:cBhvr>
+                                        <p:cTn id="15" dur="500" fill="hold"/>
+                                        <p:tgtEl>
+                                          <p:spTgt spid="74"/>
+                                        </p:tgtEl>
+                                        <p:attrNameLst>
+                                          <p:attrName>ppt_y</p:attrName>
+                                        </p:attrNameLst>
+                                      </p:cBhvr>
+                                      <p:tavLst>
+                                        <p:tav tm="0">
+                                          <p:val>
+                                            <p:strVal val="#ppt_y+.1"/>
+                                          </p:val>
+                                        </p:tav>
+                                        <p:tav tm="100000">
+                                          <p:val>
+                                            <p:strVal val="#ppt_y"/>
+                                          </p:val>
+                                        </p:tav>
+                                      </p:tavLst>
+                                    </p:anim>
+                                  </p:childTnLst>
+                                </p:cTn>
+                              </p:par>
+                            </p:childTnLst>
+                          </p:cTn>
+                        </p:par>
+                      </p:childTnLst>
+                    </p:cTn>
+                  </p:par>
+                </p:childTnLst>
+              </p:cTn>
+              <p:prevCondLst>
+                <p:cond evt="onPrev" delay="0">
+                  <p:tgtEl>
+                    <p:sldTgt/>
+                  </p:tgtEl>
+                </p:cond>
+              </p:prevCondLst>
+              <p:nextCondLst>
+                <p:cond evt="onNext" delay="0">
+                  <p:tgtEl>
+                    <p:sldTgt/>
+                  </p:tgtEl>
+                </p:cond>
+              </p:nextCondLst>
+            </p:seq>
+          </p:childTnLst>
+        </p:cTn>
+      </p:par>
+    </p:tnLst>
+  </p:timing>
+</p:sld>
+</file>
+
+<file path=ppt/slides/slide7.xml><?xml version="1.0" encoding="utf-8"?>
+<p:sld xmlns:a="http://schemas.openxmlformats.org/drawingml/2006/main" xmlns:r="http://schemas.openxmlformats.org/officeDocument/2006/relationships" xmlns:p="http://schemas.openxmlformats.org/presentationml/2006/main">
+  <p:cSld>
+    <p:spTree>
+      <p:nvGrpSpPr>
+        <p:cNvPr id="1" name=""/>
+        <p:cNvGrpSpPr/>
+        <p:nvPr/>
+      </p:nvGrpSpPr>
+      <p:grpSpPr>
+        <a:xfrm>
+          <a:off x="0" y="0"/>
+          <a:ext cx="0" cy="0"/>
+          <a:chOff x="0" y="0"/>
+          <a:chExt cx="0" cy="0"/>
+        </a:xfrm>
+      </p:grpSpPr>
       <p:pic>
         <p:nvPicPr>
           <p:cNvPr id="4" name="图片 3"/>
@@ -14240,7 +21835,7 @@
 </p:sld>
 </file>
 
-<file path=ppt/slides/slide7.xml><?xml version="1.0" encoding="utf-8"?>
+<file path=ppt/slides/slide8.xml><?xml version="1.0" encoding="utf-8"?>
 <p:sld xmlns:a="http://schemas.openxmlformats.org/drawingml/2006/main" xmlns:r="http://schemas.openxmlformats.org/officeDocument/2006/relationships" xmlns:p="http://schemas.openxmlformats.org/presentationml/2006/main">
   <p:cSld>
     <p:spTree>
@@ -15084,7 +22679,7 @@
 </p:sld>
 </file>
 
-<file path=ppt/slides/slide8.xml><?xml version="1.0" encoding="utf-8"?>
+<file path=ppt/slides/slide9.xml><?xml version="1.0" encoding="utf-8"?>
 <p:sld xmlns:a="http://schemas.openxmlformats.org/drawingml/2006/main" xmlns:r="http://schemas.openxmlformats.org/officeDocument/2006/relationships" xmlns:p="http://schemas.openxmlformats.org/presentationml/2006/main">
   <p:cSld>
     <p:spTree>
@@ -15369,458 +22964,6 @@
     <p:extLst>
       <p:ext uri="{BB962C8B-B14F-4D97-AF65-F5344CB8AC3E}">
         <p14:creationId xmlns:p14="http://schemas.microsoft.com/office/powerpoint/2010/main" val="2066023208"/>
-      </p:ext>
-    </p:extLst>
-  </p:cSld>
-  <p:clrMapOvr>
-    <a:masterClrMapping/>
-  </p:clrMapOvr>
-  <mc:AlternateContent xmlns:mc="http://schemas.openxmlformats.org/markup-compatibility/2006" xmlns:p14="http://schemas.microsoft.com/office/powerpoint/2010/main">
-    <mc:Choice Requires="p14">
-      <p:transition spd="slow" p14:dur="1500">
-        <p:checker/>
-      </p:transition>
-    </mc:Choice>
-    <mc:Fallback xmlns="">
-      <p:transition spd="slow">
-        <p:checker/>
-      </p:transition>
-    </mc:Fallback>
-  </mc:AlternateContent>
-</p:sld>
-</file>
-
-<file path=ppt/slides/slide9.xml><?xml version="1.0" encoding="utf-8"?>
-<p:sld xmlns:a="http://schemas.openxmlformats.org/drawingml/2006/main" xmlns:r="http://schemas.openxmlformats.org/officeDocument/2006/relationships" xmlns:p="http://schemas.openxmlformats.org/presentationml/2006/main">
-  <p:cSld>
-    <p:spTree>
-      <p:nvGrpSpPr>
-        <p:cNvPr id="1" name=""/>
-        <p:cNvGrpSpPr/>
-        <p:nvPr/>
-      </p:nvGrpSpPr>
-      <p:grpSpPr>
-        <a:xfrm>
-          <a:off x="0" y="0"/>
-          <a:ext cx="0" cy="0"/>
-          <a:chOff x="0" y="0"/>
-          <a:chExt cx="0" cy="0"/>
-        </a:xfrm>
-      </p:grpSpPr>
-      <p:pic>
-        <p:nvPicPr>
-          <p:cNvPr id="4" name="图片 3"/>
-          <p:cNvPicPr>
-            <a:picLocks noChangeAspect="1"/>
-          </p:cNvPicPr>
-          <p:nvPr/>
-        </p:nvPicPr>
-        <p:blipFill>
-          <a:blip r:embed="rId2">
-            <a:extLst>
-              <a:ext uri="{BEBA8EAE-BF5A-486C-A8C5-ECC9F3942E4B}">
-                <a14:imgProps xmlns:a14="http://schemas.microsoft.com/office/drawing/2010/main">
-                  <a14:imgLayer r:embed="rId3">
-                    <a14:imgEffect>
-                      <a14:saturation sat="0"/>
-                    </a14:imgEffect>
-                  </a14:imgLayer>
-                </a14:imgProps>
-              </a:ext>
-            </a:extLst>
-          </a:blip>
-          <a:stretch>
-            <a:fillRect/>
-          </a:stretch>
-        </p:blipFill>
-        <p:spPr>
-          <a:xfrm>
-            <a:off x="-1" y="1828800"/>
-            <a:ext cx="12192000" cy="5029200"/>
-          </a:xfrm>
-          <a:prstGeom prst="rect">
-            <a:avLst/>
-          </a:prstGeom>
-        </p:spPr>
-      </p:pic>
-      <p:sp>
-        <p:nvSpPr>
-          <p:cNvPr id="6" name="矩形 5"/>
-          <p:cNvSpPr/>
-          <p:nvPr/>
-        </p:nvSpPr>
-        <p:spPr>
-          <a:xfrm>
-            <a:off x="2761118" y="1808793"/>
-            <a:ext cx="6669761" cy="5029200"/>
-          </a:xfrm>
-          <a:prstGeom prst="rect">
-            <a:avLst/>
-          </a:prstGeom>
-          <a:solidFill>
-            <a:srgbClr val="6EA049">
-              <a:alpha val="78000"/>
-            </a:srgbClr>
-          </a:solidFill>
-          <a:ln>
-            <a:noFill/>
-          </a:ln>
-        </p:spPr>
-        <p:style>
-          <a:lnRef idx="2">
-            <a:schemeClr val="accent1">
-              <a:shade val="50000"/>
-            </a:schemeClr>
-          </a:lnRef>
-          <a:fillRef idx="1">
-            <a:schemeClr val="accent1"/>
-          </a:fillRef>
-          <a:effectRef idx="0">
-            <a:schemeClr val="accent1"/>
-          </a:effectRef>
-          <a:fontRef idx="minor">
-            <a:schemeClr val="lt1"/>
-          </a:fontRef>
-        </p:style>
-        <p:txBody>
-          <a:bodyPr rtlCol="0" anchor="ctr"/>
-          <a:lstStyle/>
-          <a:p>
-            <a:pPr algn="ctr"/>
-            <a:endParaRPr lang="zh-CN" altLang="en-US" dirty="0"/>
-          </a:p>
-        </p:txBody>
-      </p:sp>
-      <p:sp>
-        <p:nvSpPr>
-          <p:cNvPr id="7" name="文本框 6"/>
-          <p:cNvSpPr txBox="1"/>
-          <p:nvPr/>
-        </p:nvSpPr>
-        <p:spPr>
-          <a:xfrm>
-            <a:off x="1608767" y="5385813"/>
-            <a:ext cx="6076818" cy="398379"/>
-          </a:xfrm>
-          <a:prstGeom prst="rect">
-            <a:avLst/>
-          </a:prstGeom>
-          <a:noFill/>
-        </p:spPr>
-        <p:txBody>
-          <a:bodyPr wrap="square" rtlCol="0">
-            <a:spAutoFit/>
-          </a:bodyPr>
-          <a:lstStyle/>
-          <a:p>
-            <a:pPr algn="just">
-              <a:lnSpc>
-                <a:spcPct val="120000"/>
-              </a:lnSpc>
-            </a:pPr>
-            <a:endParaRPr lang="en-US" altLang="zh-CN" spc="100" dirty="0">
-              <a:solidFill>
-                <a:schemeClr val="bg1"/>
-              </a:solidFill>
-              <a:latin typeface="微软雅黑 Light" panose="020B0502040204020203" pitchFamily="34" charset="-122"/>
-              <a:ea typeface="微软雅黑 Light" panose="020B0502040204020203" pitchFamily="34" charset="-122"/>
-            </a:endParaRPr>
-          </a:p>
-        </p:txBody>
-      </p:sp>
-      <p:sp>
-        <p:nvSpPr>
-          <p:cNvPr id="8" name="矩形 7"/>
-          <p:cNvSpPr/>
-          <p:nvPr/>
-        </p:nvSpPr>
-        <p:spPr>
-          <a:xfrm>
-            <a:off x="1608767" y="2145196"/>
-            <a:ext cx="2146979" cy="475524"/>
-          </a:xfrm>
-          <a:prstGeom prst="rect">
-            <a:avLst/>
-          </a:prstGeom>
-        </p:spPr>
-        <p:txBody>
-          <a:bodyPr wrap="square">
-            <a:spAutoFit/>
-          </a:bodyPr>
-          <a:lstStyle/>
-          <a:p>
-            <a:endParaRPr lang="zh-CN" altLang="en-US" sz="2400" b="1" dirty="0">
-              <a:solidFill>
-                <a:schemeClr val="bg1"/>
-              </a:solidFill>
-            </a:endParaRPr>
-          </a:p>
-        </p:txBody>
-      </p:sp>
-      <p:sp>
-        <p:nvSpPr>
-          <p:cNvPr id="11" name="TextBox 12"/>
-          <p:cNvSpPr txBox="1"/>
-          <p:nvPr/>
-        </p:nvSpPr>
-        <p:spPr>
-          <a:xfrm>
-            <a:off x="4028774" y="500688"/>
-            <a:ext cx="4134465" cy="769441"/>
-          </a:xfrm>
-          <a:prstGeom prst="rect">
-            <a:avLst/>
-          </a:prstGeom>
-          <a:noFill/>
-        </p:spPr>
-        <p:txBody>
-          <a:bodyPr wrap="none" rtlCol="0">
-            <a:spAutoFit/>
-          </a:bodyPr>
-          <a:lstStyle/>
-          <a:p>
-            <a:pPr algn="ctr"/>
-            <a:r>
-              <a:rPr lang="zh-CN" altLang="en-US" sz="4400" b="1" dirty="0">
-                <a:solidFill>
-                  <a:schemeClr val="accent3">
-                    <a:lumMod val="50000"/>
-                  </a:schemeClr>
-                </a:solidFill>
-                <a:latin typeface="+mj-lt"/>
-              </a:rPr>
-              <a:t>程序设计与实现</a:t>
-            </a:r>
-            <a:endParaRPr lang="en-US" sz="4400" b="1" dirty="0">
-              <a:solidFill>
-                <a:schemeClr val="accent3">
-                  <a:lumMod val="50000"/>
-                </a:schemeClr>
-              </a:solidFill>
-              <a:latin typeface="+mj-lt"/>
-            </a:endParaRPr>
-          </a:p>
-        </p:txBody>
-      </p:sp>
-      <p:sp>
-        <p:nvSpPr>
-          <p:cNvPr id="3" name="文本框 2">
-            <a:extLst>
-              <a:ext uri="{FF2B5EF4-FFF2-40B4-BE49-F238E27FC236}">
-                <a16:creationId xmlns:a16="http://schemas.microsoft.com/office/drawing/2014/main" id="{A8A479DD-0543-40A2-8497-B5726D6BAC0A}"/>
-              </a:ext>
-            </a:extLst>
-          </p:cNvPr>
-          <p:cNvSpPr txBox="1"/>
-          <p:nvPr/>
-        </p:nvSpPr>
-        <p:spPr>
-          <a:xfrm>
-            <a:off x="3012515" y="2193265"/>
-            <a:ext cx="2947387" cy="584775"/>
-          </a:xfrm>
-          <a:prstGeom prst="rect">
-            <a:avLst/>
-          </a:prstGeom>
-          <a:noFill/>
-        </p:spPr>
-        <p:txBody>
-          <a:bodyPr wrap="square" rtlCol="0">
-            <a:spAutoFit/>
-          </a:bodyPr>
-          <a:lstStyle/>
-          <a:p>
-            <a:r>
-              <a:rPr lang="zh-CN" altLang="en-US" sz="3200" dirty="0">
-                <a:solidFill>
-                  <a:schemeClr val="bg1"/>
-                </a:solidFill>
-              </a:rPr>
-              <a:t>数据结构设计</a:t>
-            </a:r>
-          </a:p>
-        </p:txBody>
-      </p:sp>
-      <p:sp>
-        <p:nvSpPr>
-          <p:cNvPr id="9" name="文本框 8">
-            <a:extLst>
-              <a:ext uri="{FF2B5EF4-FFF2-40B4-BE49-F238E27FC236}">
-                <a16:creationId xmlns:a16="http://schemas.microsoft.com/office/drawing/2014/main" id="{93E08603-7578-40DA-B94C-B7B87E98CBE4}"/>
-              </a:ext>
-            </a:extLst>
-          </p:cNvPr>
-          <p:cNvSpPr txBox="1"/>
-          <p:nvPr/>
-        </p:nvSpPr>
-        <p:spPr>
-          <a:xfrm>
-            <a:off x="3755746" y="3023381"/>
-            <a:ext cx="4891596" cy="3323987"/>
-          </a:xfrm>
-          <a:prstGeom prst="rect">
-            <a:avLst/>
-          </a:prstGeom>
-          <a:noFill/>
-        </p:spPr>
-        <p:txBody>
-          <a:bodyPr wrap="square" rtlCol="0">
-            <a:spAutoFit/>
-          </a:bodyPr>
-          <a:lstStyle/>
-          <a:p>
-            <a:r>
-              <a:rPr lang="en-US" altLang="zh-CN" sz="2400" b="1" dirty="0">
-                <a:solidFill>
-                  <a:schemeClr val="bg1"/>
-                </a:solidFill>
-              </a:rPr>
-              <a:t>struct student</a:t>
-            </a:r>
-          </a:p>
-          <a:p>
-            <a:r>
-              <a:rPr lang="en-US" altLang="zh-CN" sz="2400" b="1" dirty="0">
-                <a:solidFill>
-                  <a:schemeClr val="bg1"/>
-                </a:solidFill>
-              </a:rPr>
-              <a:t>{</a:t>
-            </a:r>
-          </a:p>
-          <a:p>
-            <a:r>
-              <a:rPr lang="en-US" altLang="zh-CN" sz="2400" b="1" dirty="0">
-                <a:solidFill>
-                  <a:schemeClr val="bg1"/>
-                </a:solidFill>
-              </a:rPr>
-              <a:t>    char name[50];  	 //</a:t>
-            </a:r>
-            <a:r>
-              <a:rPr lang="zh-CN" altLang="en-US" sz="2400" b="1" dirty="0">
-                <a:solidFill>
-                  <a:schemeClr val="bg1"/>
-                </a:solidFill>
-              </a:rPr>
-              <a:t>用户名</a:t>
-            </a:r>
-          </a:p>
-          <a:p>
-            <a:r>
-              <a:rPr lang="zh-CN" altLang="en-US" sz="2400" b="1" dirty="0">
-                <a:solidFill>
-                  <a:schemeClr val="bg1"/>
-                </a:solidFill>
-              </a:rPr>
-              <a:t>    </a:t>
-            </a:r>
-            <a:r>
-              <a:rPr lang="en-US" altLang="zh-CN" sz="2400" b="1" dirty="0">
-                <a:solidFill>
-                  <a:schemeClr val="bg1"/>
-                </a:solidFill>
-              </a:rPr>
-              <a:t>char code[21];   	 //</a:t>
-            </a:r>
-            <a:r>
-              <a:rPr lang="zh-CN" altLang="en-US" sz="2400" b="1" dirty="0">
-                <a:solidFill>
-                  <a:schemeClr val="bg1"/>
-                </a:solidFill>
-              </a:rPr>
-              <a:t>密码</a:t>
-            </a:r>
-          </a:p>
-          <a:p>
-            <a:r>
-              <a:rPr lang="zh-CN" altLang="en-US" sz="2400" b="1" dirty="0">
-                <a:solidFill>
-                  <a:schemeClr val="bg1"/>
-                </a:solidFill>
-              </a:rPr>
-              <a:t>    </a:t>
-            </a:r>
-            <a:r>
-              <a:rPr lang="en-US" altLang="zh-CN" sz="2400" b="1" dirty="0">
-                <a:solidFill>
-                  <a:schemeClr val="bg1"/>
-                </a:solidFill>
-              </a:rPr>
-              <a:t>char answer[5];    //</a:t>
-            </a:r>
-            <a:r>
-              <a:rPr lang="zh-CN" altLang="en-US" sz="2400" b="1" dirty="0">
-                <a:solidFill>
-                  <a:schemeClr val="bg1"/>
-                </a:solidFill>
-              </a:rPr>
-              <a:t>密保答案</a:t>
-            </a:r>
-          </a:p>
-          <a:p>
-            <a:r>
-              <a:rPr lang="zh-CN" altLang="en-US" sz="2400" b="1" dirty="0">
-                <a:solidFill>
-                  <a:schemeClr val="bg1"/>
-                </a:solidFill>
-              </a:rPr>
-              <a:t>    </a:t>
-            </a:r>
-            <a:r>
-              <a:rPr lang="en-US" altLang="zh-CN" sz="2400" b="1" dirty="0">
-                <a:solidFill>
-                  <a:schemeClr val="bg1"/>
-                </a:solidFill>
-              </a:rPr>
-              <a:t>char area[100]; 	//</a:t>
-            </a:r>
-            <a:r>
-              <a:rPr lang="zh-CN" altLang="en-US" sz="2400" b="1" dirty="0">
-                <a:solidFill>
-                  <a:schemeClr val="bg1"/>
-                </a:solidFill>
-              </a:rPr>
-              <a:t>登录环境</a:t>
-            </a:r>
-          </a:p>
-          <a:p>
-            <a:r>
-              <a:rPr lang="zh-CN" altLang="en-US" sz="2400" b="1" dirty="0">
-                <a:solidFill>
-                  <a:schemeClr val="bg1"/>
-                </a:solidFill>
-              </a:rPr>
-              <a:t>    </a:t>
-            </a:r>
-            <a:r>
-              <a:rPr lang="en-US" altLang="zh-CN" sz="2400" b="1" dirty="0">
-                <a:solidFill>
-                  <a:schemeClr val="bg1"/>
-                </a:solidFill>
-              </a:rPr>
-              <a:t>struct student *next;</a:t>
-            </a:r>
-          </a:p>
-          <a:p>
-            <a:r>
-              <a:rPr lang="en-US" altLang="zh-CN" sz="2400" b="1" dirty="0">
-                <a:solidFill>
-                  <a:schemeClr val="bg1"/>
-                </a:solidFill>
-              </a:rPr>
-              <a:t>};</a:t>
-            </a:r>
-          </a:p>
-          <a:p>
-            <a:endParaRPr lang="zh-CN" altLang="en-US" dirty="0"/>
-          </a:p>
-        </p:txBody>
-      </p:sp>
-    </p:spTree>
-    <p:extLst>
-      <p:ext uri="{BB962C8B-B14F-4D97-AF65-F5344CB8AC3E}">
-        <p14:creationId xmlns:p14="http://schemas.microsoft.com/office/powerpoint/2010/main" val="2059302322"/>
       </p:ext>
     </p:extLst>
   </p:cSld>
